--- a/112-2/MI5126701 人工智慧與深度學習/W6 0325/6-ResNet.pptx
+++ b/112-2/MI5126701 人工智慧與深度學習/W6 0325/6-ResNet.pptx
@@ -292,38 +292,37 @@
           <a:p>
             <a:pPr lvl="0"/>
             <a:r>
-              <a:rPr lang="zh-CN" altLang="en-US" smtClean="0"/>
+              <a:rPr lang="zh-CN" altLang="en-US"/>
               <a:t>单击此处编辑母版文本样式</a:t>
             </a:r>
           </a:p>
           <a:p>
             <a:pPr lvl="1"/>
             <a:r>
-              <a:rPr lang="zh-CN" altLang="en-US" smtClean="0"/>
+              <a:rPr lang="zh-CN" altLang="en-US"/>
               <a:t>第二级</a:t>
             </a:r>
           </a:p>
           <a:p>
             <a:pPr lvl="2"/>
             <a:r>
-              <a:rPr lang="zh-CN" altLang="en-US" smtClean="0"/>
+              <a:rPr lang="zh-CN" altLang="en-US"/>
               <a:t>第三级</a:t>
             </a:r>
           </a:p>
           <a:p>
             <a:pPr lvl="3"/>
             <a:r>
-              <a:rPr lang="zh-CN" altLang="en-US" smtClean="0"/>
+              <a:rPr lang="zh-CN" altLang="en-US"/>
               <a:t>第四级</a:t>
             </a:r>
           </a:p>
           <a:p>
             <a:pPr lvl="4"/>
             <a:r>
-              <a:rPr lang="zh-CN" altLang="en-US" smtClean="0"/>
+              <a:rPr lang="zh-CN" altLang="en-US"/>
               <a:t>第五级</a:t>
             </a:r>
-            <a:endParaRPr lang="zh-CN" altLang="en-US"/>
           </a:p>
         </p:txBody>
       </p:sp>
@@ -592,7 +591,7 @@
           <a:bodyPr lIns="91427" tIns="45714" rIns="91427" bIns="45714"/>
           <a:lstStyle/>
           <a:p>
-            <a:endParaRPr lang="en-US">
+            <a:endParaRPr lang="en-US" dirty="0">
               <a:latin typeface="Times New Roman" pitchFamily="18" charset="0"/>
               <a:ea typeface="ＭＳ Ｐゴシック" pitchFamily="34" charset="-128"/>
             </a:endParaRPr>
@@ -822,7 +821,87 @@
           <a:bodyPr lIns="91427" tIns="45714" rIns="91427" bIns="45714"/>
           <a:lstStyle/>
           <a:p>
-            <a:endParaRPr lang="en-US">
+            <a:r>
+              <a:rPr lang="en-US" altLang="zh-TW" dirty="0" err="1">
+                <a:latin typeface="Times New Roman" pitchFamily="18" charset="0"/>
+                <a:ea typeface="ＭＳ Ｐゴシック" pitchFamily="34" charset="-128"/>
+              </a:rPr>
+              <a:t>ResNet</a:t>
+            </a:r>
+            <a:r>
+              <a:rPr lang="en-US" altLang="zh-TW" dirty="0">
+                <a:latin typeface="Times New Roman" pitchFamily="18" charset="0"/>
+                <a:ea typeface="ＭＳ Ｐゴシック" pitchFamily="34" charset="-128"/>
+              </a:rPr>
+              <a:t> </a:t>
+            </a:r>
+            <a:r>
+              <a:rPr lang="zh-TW" altLang="en-US" dirty="0">
+                <a:latin typeface="Times New Roman" pitchFamily="18" charset="0"/>
+                <a:ea typeface="ＭＳ Ｐゴシック" pitchFamily="34" charset="-128"/>
+              </a:rPr>
+              <a:t>首次出現在 </a:t>
+            </a:r>
+            <a:r>
+              <a:rPr lang="en-US" altLang="zh-TW" dirty="0">
+                <a:latin typeface="Times New Roman" pitchFamily="18" charset="0"/>
+                <a:ea typeface="ＭＳ Ｐゴシック" pitchFamily="34" charset="-128"/>
+              </a:rPr>
+              <a:t>2015 </a:t>
+            </a:r>
+            <a:r>
+              <a:rPr lang="zh-TW" altLang="en-US" dirty="0">
+                <a:latin typeface="Times New Roman" pitchFamily="18" charset="0"/>
+                <a:ea typeface="ＭＳ Ｐゴシック" pitchFamily="34" charset="-128"/>
+              </a:rPr>
+              <a:t>年的 </a:t>
+            </a:r>
+            <a:r>
+              <a:rPr lang="en-US" altLang="zh-TW" dirty="0">
+                <a:latin typeface="Times New Roman" pitchFamily="18" charset="0"/>
+                <a:ea typeface="ＭＳ Ｐゴシック" pitchFamily="34" charset="-128"/>
+              </a:rPr>
+              <a:t>ImageNet </a:t>
+            </a:r>
+            <a:r>
+              <a:rPr lang="zh-TW" altLang="en-US" dirty="0">
+                <a:latin typeface="Times New Roman" pitchFamily="18" charset="0"/>
+                <a:ea typeface="ＭＳ Ｐゴシック" pitchFamily="34" charset="-128"/>
+              </a:rPr>
+              <a:t>競賽中。顯著優於使用 </a:t>
+            </a:r>
+            <a:r>
+              <a:rPr lang="en-US" altLang="zh-TW" dirty="0">
+                <a:latin typeface="Times New Roman" pitchFamily="18" charset="0"/>
+                <a:ea typeface="ＭＳ Ｐゴシック" pitchFamily="34" charset="-128"/>
+              </a:rPr>
+              <a:t>152 </a:t>
+            </a:r>
+            <a:r>
+              <a:rPr lang="zh-TW" altLang="en-US" dirty="0">
+                <a:latin typeface="Times New Roman" pitchFamily="18" charset="0"/>
+                <a:ea typeface="ＭＳ Ｐゴシック" pitchFamily="34" charset="-128"/>
+              </a:rPr>
+              <a:t>層架構的所有其他型號。
+第一個克服退化問題的模型。
+降級問題：性能隨著隱藏層數的增加而提高。但是在一些隱藏層中，性能開始下降。 因此，不能用太多的層來訓練</a:t>
+            </a:r>
+            <a:r>
+              <a:rPr lang="en-US" altLang="zh-TW" dirty="0">
+                <a:latin typeface="Times New Roman" pitchFamily="18" charset="0"/>
+                <a:ea typeface="ＭＳ Ｐゴシック" pitchFamily="34" charset="-128"/>
+              </a:rPr>
+              <a:t>CNN</a:t>
+            </a:r>
+            <a:r>
+              <a:rPr lang="zh-TW" altLang="en-US" dirty="0">
+                <a:latin typeface="Times New Roman" pitchFamily="18" charset="0"/>
+                <a:ea typeface="ＭＳ Ｐゴシック" pitchFamily="34" charset="-128"/>
+              </a:rPr>
+              <a:t>。
+建議使用殘餘塊來解決問題。</a:t>
+            </a:r>
+            <a:endParaRPr lang="en-US" dirty="0">
               <a:latin typeface="Times New Roman" pitchFamily="18" charset="0"/>
               <a:ea typeface="ＭＳ Ｐゴシック" pitchFamily="34" charset="-128"/>
             </a:endParaRPr>
@@ -937,7 +1016,7 @@
           <a:bodyPr lIns="91427" tIns="45714" rIns="91427" bIns="45714"/>
           <a:lstStyle/>
           <a:p>
-            <a:endParaRPr lang="en-US">
+            <a:endParaRPr lang="en-US" dirty="0">
               <a:latin typeface="Times New Roman" pitchFamily="18" charset="0"/>
               <a:ea typeface="ＭＳ Ｐゴシック" pitchFamily="34" charset="-128"/>
             </a:endParaRPr>
@@ -1052,7 +1131,7 @@
           <a:bodyPr lIns="91427" tIns="45714" rIns="91427" bIns="45714"/>
           <a:lstStyle/>
           <a:p>
-            <a:endParaRPr lang="en-US">
+            <a:endParaRPr lang="en-US" dirty="0">
               <a:latin typeface="Times New Roman" pitchFamily="18" charset="0"/>
               <a:ea typeface="ＭＳ Ｐゴシック" pitchFamily="34" charset="-128"/>
             </a:endParaRPr>
@@ -1167,7 +1246,120 @@
           <a:bodyPr lIns="91427" tIns="45714" rIns="91427" bIns="45714"/>
           <a:lstStyle/>
           <a:p>
-            <a:endParaRPr lang="en-US">
+            <a:r>
+              <a:rPr lang="zh-TW" altLang="en-US" b="1" dirty="0">
+                <a:latin typeface="Times New Roman" pitchFamily="18" charset="0"/>
+                <a:ea typeface="ＭＳ Ｐゴシック" pitchFamily="34" charset="-128"/>
+              </a:rPr>
+              <a:t>殘差是 </a:t>
+            </a:r>
+            <a:r>
+              <a:rPr lang="en-US" altLang="zh-TW" b="1" dirty="0">
+                <a:latin typeface="Times New Roman" pitchFamily="18" charset="0"/>
+                <a:ea typeface="ＭＳ Ｐゴシック" pitchFamily="34" charset="-128"/>
+              </a:rPr>
+              <a:t>conv</a:t>
+            </a:r>
+            <a:r>
+              <a:rPr lang="zh-TW" altLang="en-US" b="1" dirty="0">
+                <a:latin typeface="Times New Roman" pitchFamily="18" charset="0"/>
+                <a:ea typeface="ＭＳ Ｐゴシック" pitchFamily="34" charset="-128"/>
+              </a:rPr>
+              <a:t>（</a:t>
+            </a:r>
+            <a:r>
+              <a:rPr lang="en-US" altLang="zh-TW" b="1" dirty="0">
+                <a:latin typeface="Times New Roman" pitchFamily="18" charset="0"/>
+                <a:ea typeface="ＭＳ Ｐゴシック" pitchFamily="34" charset="-128"/>
+              </a:rPr>
+              <a:t>X</a:t>
+            </a:r>
+            <a:r>
+              <a:rPr lang="zh-TW" altLang="en-US" b="1" dirty="0">
+                <a:latin typeface="Times New Roman" pitchFamily="18" charset="0"/>
+                <a:ea typeface="ＭＳ Ｐゴシック" pitchFamily="34" charset="-128"/>
+              </a:rPr>
+              <a:t>） </a:t>
+            </a:r>
+            <a:r>
+              <a:rPr lang="en-US" altLang="zh-TW" b="1" dirty="0">
+                <a:latin typeface="Times New Roman" pitchFamily="18" charset="0"/>
+                <a:ea typeface="ＭＳ Ｐゴシック" pitchFamily="34" charset="-128"/>
+              </a:rPr>
+              <a:t>– X;</a:t>
+            </a:r>
+          </a:p>
+          <a:p>
+            <a:r>
+              <a:rPr lang="zh-TW" altLang="en-US" b="1" dirty="0">
+                <a:latin typeface="Times New Roman" pitchFamily="18" charset="0"/>
+                <a:ea typeface="ＭＳ Ｐゴシック" pitchFamily="34" charset="-128"/>
+              </a:rPr>
+              <a:t>也就是說，轉換后 </a:t>
+            </a:r>
+            <a:r>
+              <a:rPr lang="en-US" altLang="zh-TW" b="1" dirty="0">
+                <a:latin typeface="Times New Roman" pitchFamily="18" charset="0"/>
+                <a:ea typeface="ＭＳ Ｐゴシック" pitchFamily="34" charset="-128"/>
+              </a:rPr>
+              <a:t>X </a:t>
+            </a:r>
+            <a:r>
+              <a:rPr lang="zh-TW" altLang="en-US" b="1" dirty="0">
+                <a:latin typeface="Times New Roman" pitchFamily="18" charset="0"/>
+                <a:ea typeface="ＭＳ Ｐゴシック" pitchFamily="34" charset="-128"/>
+              </a:rPr>
+              <a:t>減去原始 </a:t>
+            </a:r>
+            <a:r>
+              <a:rPr lang="en-US" altLang="zh-TW" b="1" dirty="0">
+                <a:latin typeface="Times New Roman" pitchFamily="18" charset="0"/>
+                <a:ea typeface="ＭＳ Ｐゴシック" pitchFamily="34" charset="-128"/>
+              </a:rPr>
+              <a:t>X </a:t>
+            </a:r>
+            <a:r>
+              <a:rPr lang="zh-TW" altLang="en-US" b="1" dirty="0">
+                <a:latin typeface="Times New Roman" pitchFamily="18" charset="0"/>
+                <a:ea typeface="ＭＳ Ｐゴシック" pitchFamily="34" charset="-128"/>
+              </a:rPr>
+              <a:t>的結果</a:t>
+            </a:r>
+            <a:r>
+              <a:rPr lang="zh-TW" altLang="en-US" dirty="0">
+                <a:latin typeface="Times New Roman" pitchFamily="18" charset="0"/>
+                <a:ea typeface="ＭＳ Ｐゴシック" pitchFamily="34" charset="-128"/>
+              </a:rPr>
+              <a:t>。
+理由是，如果前幾層已經學得很好，那麼這一層什麼也沒學到！ </a:t>
+            </a:r>
+            <a:endParaRPr lang="en-US" altLang="zh-TW" dirty="0">
+              <a:latin typeface="Times New Roman" pitchFamily="18" charset="0"/>
+              <a:ea typeface="ＭＳ Ｐゴシック" pitchFamily="34" charset="-128"/>
+            </a:endParaRPr>
+          </a:p>
+          <a:p>
+            <a:r>
+              <a:rPr lang="zh-TW" altLang="en-US" dirty="0">
+                <a:latin typeface="Times New Roman" pitchFamily="18" charset="0"/>
+                <a:ea typeface="ＭＳ Ｐゴシック" pitchFamily="34" charset="-128"/>
+              </a:rPr>
+              <a:t>但是，通過添加快捷方式，即使我們沒有學習任何新功能，我們也沒有忘記原始細節。</a:t>
+            </a:r>
+            <a:endParaRPr lang="en-US" altLang="zh-TW" dirty="0">
+              <a:latin typeface="Times New Roman" pitchFamily="18" charset="0"/>
+              <a:ea typeface="ＭＳ Ｐゴシック" pitchFamily="34" charset="-128"/>
+            </a:endParaRPr>
+          </a:p>
+          <a:p>
+            <a:r>
+              <a:rPr lang="zh-TW" altLang="en-US" dirty="0">
+                <a:latin typeface="Times New Roman" pitchFamily="18" charset="0"/>
+                <a:ea typeface="ＭＳ Ｐゴシック" pitchFamily="34" charset="-128"/>
+              </a:rPr>
+              <a:t>因此，添加此圖層不會降低性能！</a:t>
+            </a:r>
+            <a:endParaRPr lang="en-US" dirty="0">
               <a:latin typeface="Times New Roman" pitchFamily="18" charset="0"/>
               <a:ea typeface="ＭＳ Ｐゴシック" pitchFamily="34" charset="-128"/>
             </a:endParaRPr>
@@ -1689,10 +1881,9 @@
           </a:lstStyle>
           <a:p>
             <a:r>
-              <a:rPr lang="zh-CN" altLang="en-US" smtClean="0"/>
+              <a:rPr lang="zh-CN" altLang="en-US"/>
               <a:t>单击此处编辑母版标题样式</a:t>
             </a:r>
-            <a:endParaRPr lang="zh-CN" altLang="en-US"/>
           </a:p>
         </p:txBody>
       </p:sp>
@@ -1754,10 +1945,9 @@
           </a:lstStyle>
           <a:p>
             <a:r>
-              <a:rPr lang="zh-CN" altLang="en-US" smtClean="0"/>
+              <a:rPr lang="zh-CN" altLang="en-US"/>
               <a:t>单击此处编辑母版副标题样式</a:t>
             </a:r>
-            <a:endParaRPr lang="zh-CN" altLang="en-US"/>
           </a:p>
         </p:txBody>
       </p:sp>
@@ -1838,13 +2028,6 @@
   <p:clrMapOvr>
     <a:masterClrMapping/>
   </p:clrMapOvr>
-  <p:timing>
-    <p:tnLst>
-      <p:par>
-        <p:cTn id="1" dur="indefinite" restart="never" nodeType="tmRoot"/>
-      </p:par>
-    </p:tnLst>
-  </p:timing>
 </p:sldLayout>
 </file>
 
@@ -1881,10 +2064,9 @@
           <a:lstStyle/>
           <a:p>
             <a:r>
-              <a:rPr lang="zh-CN" altLang="en-US" smtClean="0"/>
+              <a:rPr lang="zh-CN" altLang="en-US"/>
               <a:t>单击此处编辑母版标题样式</a:t>
             </a:r>
-            <a:endParaRPr lang="zh-CN" altLang="en-US"/>
           </a:p>
         </p:txBody>
       </p:sp>
@@ -1905,38 +2087,37 @@
           <a:p>
             <a:pPr lvl="0"/>
             <a:r>
-              <a:rPr lang="zh-CN" altLang="en-US" smtClean="0"/>
+              <a:rPr lang="zh-CN" altLang="en-US"/>
               <a:t>单击此处编辑母版文本样式</a:t>
             </a:r>
           </a:p>
           <a:p>
             <a:pPr lvl="1"/>
             <a:r>
-              <a:rPr lang="zh-CN" altLang="en-US" smtClean="0"/>
+              <a:rPr lang="zh-CN" altLang="en-US"/>
               <a:t>第二级</a:t>
             </a:r>
           </a:p>
           <a:p>
             <a:pPr lvl="2"/>
             <a:r>
-              <a:rPr lang="zh-CN" altLang="en-US" smtClean="0"/>
+              <a:rPr lang="zh-CN" altLang="en-US"/>
               <a:t>第三级</a:t>
             </a:r>
           </a:p>
           <a:p>
             <a:pPr lvl="3"/>
             <a:r>
-              <a:rPr lang="zh-CN" altLang="en-US" smtClean="0"/>
+              <a:rPr lang="zh-CN" altLang="en-US"/>
               <a:t>第四级</a:t>
             </a:r>
           </a:p>
           <a:p>
             <a:pPr lvl="4"/>
             <a:r>
-              <a:rPr lang="zh-CN" altLang="en-US" smtClean="0"/>
+              <a:rPr lang="zh-CN" altLang="en-US"/>
               <a:t>第五级</a:t>
             </a:r>
-            <a:endParaRPr lang="zh-CN" altLang="en-US"/>
           </a:p>
         </p:txBody>
       </p:sp>
@@ -2058,10 +2239,9 @@
           <a:lstStyle/>
           <a:p>
             <a:r>
-              <a:rPr lang="zh-CN" altLang="en-US" smtClean="0"/>
+              <a:rPr lang="zh-CN" altLang="en-US"/>
               <a:t>单击此处编辑母版标题样式</a:t>
             </a:r>
-            <a:endParaRPr lang="zh-CN" altLang="en-US"/>
           </a:p>
         </p:txBody>
       </p:sp>
@@ -2087,38 +2267,37 @@
           <a:p>
             <a:pPr lvl="0"/>
             <a:r>
-              <a:rPr lang="zh-CN" altLang="en-US" smtClean="0"/>
+              <a:rPr lang="zh-CN" altLang="en-US"/>
               <a:t>单击此处编辑母版文本样式</a:t>
             </a:r>
           </a:p>
           <a:p>
             <a:pPr lvl="1"/>
             <a:r>
-              <a:rPr lang="zh-CN" altLang="en-US" smtClean="0"/>
+              <a:rPr lang="zh-CN" altLang="en-US"/>
               <a:t>第二级</a:t>
             </a:r>
           </a:p>
           <a:p>
             <a:pPr lvl="2"/>
             <a:r>
-              <a:rPr lang="zh-CN" altLang="en-US" smtClean="0"/>
+              <a:rPr lang="zh-CN" altLang="en-US"/>
               <a:t>第三级</a:t>
             </a:r>
           </a:p>
           <a:p>
             <a:pPr lvl="3"/>
             <a:r>
-              <a:rPr lang="zh-CN" altLang="en-US" smtClean="0"/>
+              <a:rPr lang="zh-CN" altLang="en-US"/>
               <a:t>第四级</a:t>
             </a:r>
           </a:p>
           <a:p>
             <a:pPr lvl="4"/>
             <a:r>
-              <a:rPr lang="zh-CN" altLang="en-US" smtClean="0"/>
+              <a:rPr lang="zh-CN" altLang="en-US"/>
               <a:t>第五级</a:t>
             </a:r>
-            <a:endParaRPr lang="zh-CN" altLang="en-US"/>
           </a:p>
         </p:txBody>
       </p:sp>
@@ -2199,13 +2378,6 @@
   <p:clrMapOvr>
     <a:masterClrMapping/>
   </p:clrMapOvr>
-  <p:timing>
-    <p:tnLst>
-      <p:par>
-        <p:cTn id="1" dur="indefinite" restart="never" nodeType="tmRoot"/>
-      </p:par>
-    </p:tnLst>
-  </p:timing>
 </p:sldLayout>
 </file>
 
@@ -2276,13 +2448,6 @@
   <p:clrMapOvr>
     <a:masterClrMapping/>
   </p:clrMapOvr>
-  <p:timing>
-    <p:tnLst>
-      <p:par>
-        <p:cTn id="1" dur="indefinite" restart="never" nodeType="tmRoot"/>
-      </p:par>
-    </p:tnLst>
-  </p:timing>
 </p:sldLayout>
 </file>
 
@@ -2483,7 +2648,7 @@
               <a:buNone/>
             </a:pPr>
             <a:r>
-              <a:rPr lang="en-US" altLang="zh-CN" sz="4800" dirty="0" smtClean="0">
+              <a:rPr lang="en-US" altLang="zh-CN" sz="4800" dirty="0">
                 <a:solidFill>
                   <a:srgbClr val="C00000"/>
                 </a:solidFill>
@@ -2498,7 +2663,7 @@
               <a:t>Thank You</a:t>
             </a:r>
             <a:r>
-              <a:rPr lang="zh-CN" altLang="en-US" sz="4800" dirty="0" smtClean="0">
+              <a:rPr lang="zh-CN" altLang="en-US" sz="4800" dirty="0">
                 <a:solidFill>
                   <a:srgbClr val="C00000"/>
                 </a:solidFill>
@@ -2513,7 +2678,7 @@
               <a:t> </a:t>
             </a:r>
             <a:r>
-              <a:rPr lang="en-US" altLang="zh-CN" sz="4800" dirty="0" smtClean="0">
+              <a:rPr lang="en-US" altLang="zh-CN" sz="4800" dirty="0">
                 <a:solidFill>
                   <a:srgbClr val="C00000"/>
                 </a:solidFill>
@@ -2540,13 +2705,6 @@
   <p:clrMapOvr>
     <a:masterClrMapping/>
   </p:clrMapOvr>
-  <p:timing>
-    <p:tnLst>
-      <p:par>
-        <p:cTn id="1" dur="indefinite" restart="never" nodeType="tmRoot"/>
-      </p:par>
-    </p:tnLst>
-  </p:timing>
 </p:sldLayout>
 </file>
 
@@ -2583,10 +2741,9 @@
           <a:lstStyle/>
           <a:p>
             <a:r>
-              <a:rPr lang="zh-CN" altLang="en-US" smtClean="0"/>
+              <a:rPr lang="zh-CN" altLang="en-US"/>
               <a:t>单击此处编辑母版标题样式</a:t>
             </a:r>
-            <a:endParaRPr lang="zh-CN" altLang="en-US"/>
           </a:p>
         </p:txBody>
       </p:sp>
@@ -2607,38 +2764,37 @@
           <a:p>
             <a:pPr lvl="0"/>
             <a:r>
-              <a:rPr lang="zh-CN" altLang="en-US" smtClean="0"/>
+              <a:rPr lang="zh-CN" altLang="en-US"/>
               <a:t>单击此处编辑母版文本样式</a:t>
             </a:r>
           </a:p>
           <a:p>
             <a:pPr lvl="1"/>
             <a:r>
-              <a:rPr lang="zh-CN" altLang="en-US" smtClean="0"/>
+              <a:rPr lang="zh-CN" altLang="en-US"/>
               <a:t>第二级</a:t>
             </a:r>
           </a:p>
           <a:p>
             <a:pPr lvl="2"/>
             <a:r>
-              <a:rPr lang="zh-CN" altLang="en-US" smtClean="0"/>
+              <a:rPr lang="zh-CN" altLang="en-US"/>
               <a:t>第三级</a:t>
             </a:r>
           </a:p>
           <a:p>
             <a:pPr lvl="3"/>
             <a:r>
-              <a:rPr lang="zh-CN" altLang="en-US" smtClean="0"/>
+              <a:rPr lang="zh-CN" altLang="en-US"/>
               <a:t>第四级</a:t>
             </a:r>
           </a:p>
           <a:p>
             <a:pPr lvl="4"/>
             <a:r>
-              <a:rPr lang="zh-CN" altLang="en-US" smtClean="0"/>
+              <a:rPr lang="zh-CN" altLang="en-US"/>
               <a:t>第五级</a:t>
             </a:r>
-            <a:endParaRPr lang="zh-CN" altLang="en-US"/>
           </a:p>
         </p:txBody>
       </p:sp>
@@ -2719,13 +2875,6 @@
   <p:clrMapOvr>
     <a:masterClrMapping/>
   </p:clrMapOvr>
-  <p:timing>
-    <p:tnLst>
-      <p:par>
-        <p:cTn id="1" dur="indefinite" restart="never" nodeType="tmRoot"/>
-      </p:par>
-    </p:tnLst>
-  </p:timing>
 </p:sldLayout>
 </file>
 
@@ -2771,10 +2920,9 @@
           </a:lstStyle>
           <a:p>
             <a:r>
-              <a:rPr lang="zh-CN" altLang="en-US" smtClean="0"/>
+              <a:rPr lang="zh-CN" altLang="en-US"/>
               <a:t>单击此处编辑母版标题样式</a:t>
             </a:r>
-            <a:endParaRPr lang="zh-CN" altLang="en-US"/>
           </a:p>
         </p:txBody>
       </p:sp>
@@ -2891,7 +3039,7 @@
           <a:p>
             <a:pPr lvl="0"/>
             <a:r>
-              <a:rPr lang="zh-CN" altLang="en-US" smtClean="0"/>
+              <a:rPr lang="zh-CN" altLang="en-US"/>
               <a:t>单击此处编辑母版文本样式</a:t>
             </a:r>
           </a:p>
@@ -3010,10 +3158,9 @@
           <a:lstStyle/>
           <a:p>
             <a:r>
-              <a:rPr lang="zh-CN" altLang="en-US" smtClean="0"/>
+              <a:rPr lang="zh-CN" altLang="en-US"/>
               <a:t>单击此处编辑母版标题样式</a:t>
             </a:r>
-            <a:endParaRPr lang="zh-CN" altLang="en-US"/>
           </a:p>
         </p:txBody>
       </p:sp>
@@ -3039,38 +3186,37 @@
           <a:p>
             <a:pPr lvl="0"/>
             <a:r>
-              <a:rPr lang="zh-CN" altLang="en-US" smtClean="0"/>
+              <a:rPr lang="zh-CN" altLang="en-US"/>
               <a:t>单击此处编辑母版文本样式</a:t>
             </a:r>
           </a:p>
           <a:p>
             <a:pPr lvl="1"/>
             <a:r>
-              <a:rPr lang="zh-CN" altLang="en-US" smtClean="0"/>
+              <a:rPr lang="zh-CN" altLang="en-US"/>
               <a:t>第二级</a:t>
             </a:r>
           </a:p>
           <a:p>
             <a:pPr lvl="2"/>
             <a:r>
-              <a:rPr lang="zh-CN" altLang="en-US" smtClean="0"/>
+              <a:rPr lang="zh-CN" altLang="en-US"/>
               <a:t>第三级</a:t>
             </a:r>
           </a:p>
           <a:p>
             <a:pPr lvl="3"/>
             <a:r>
-              <a:rPr lang="zh-CN" altLang="en-US" smtClean="0"/>
+              <a:rPr lang="zh-CN" altLang="en-US"/>
               <a:t>第四级</a:t>
             </a:r>
           </a:p>
           <a:p>
             <a:pPr lvl="4"/>
             <a:r>
-              <a:rPr lang="zh-CN" altLang="en-US" smtClean="0"/>
+              <a:rPr lang="zh-CN" altLang="en-US"/>
               <a:t>第五级</a:t>
             </a:r>
-            <a:endParaRPr lang="zh-CN" altLang="en-US"/>
           </a:p>
         </p:txBody>
       </p:sp>
@@ -3096,38 +3242,37 @@
           <a:p>
             <a:pPr lvl="0"/>
             <a:r>
-              <a:rPr lang="zh-CN" altLang="en-US" smtClean="0"/>
+              <a:rPr lang="zh-CN" altLang="en-US"/>
               <a:t>单击此处编辑母版文本样式</a:t>
             </a:r>
           </a:p>
           <a:p>
             <a:pPr lvl="1"/>
             <a:r>
-              <a:rPr lang="zh-CN" altLang="en-US" smtClean="0"/>
+              <a:rPr lang="zh-CN" altLang="en-US"/>
               <a:t>第二级</a:t>
             </a:r>
           </a:p>
           <a:p>
             <a:pPr lvl="2"/>
             <a:r>
-              <a:rPr lang="zh-CN" altLang="en-US" smtClean="0"/>
+              <a:rPr lang="zh-CN" altLang="en-US"/>
               <a:t>第三级</a:t>
             </a:r>
           </a:p>
           <a:p>
             <a:pPr lvl="3"/>
             <a:r>
-              <a:rPr lang="zh-CN" altLang="en-US" smtClean="0"/>
+              <a:rPr lang="zh-CN" altLang="en-US"/>
               <a:t>第四级</a:t>
             </a:r>
           </a:p>
           <a:p>
             <a:pPr lvl="4"/>
             <a:r>
-              <a:rPr lang="zh-CN" altLang="en-US" smtClean="0"/>
+              <a:rPr lang="zh-CN" altLang="en-US"/>
               <a:t>第五级</a:t>
             </a:r>
-            <a:endParaRPr lang="zh-CN" altLang="en-US"/>
           </a:p>
         </p:txBody>
       </p:sp>
@@ -3249,10 +3394,9 @@
           <a:lstStyle/>
           <a:p>
             <a:r>
-              <a:rPr lang="zh-CN" altLang="en-US" smtClean="0"/>
+              <a:rPr lang="zh-CN" altLang="en-US"/>
               <a:t>单击此处编辑母版标题样式</a:t>
             </a:r>
-            <a:endParaRPr lang="zh-CN" altLang="en-US"/>
           </a:p>
         </p:txBody>
       </p:sp>
@@ -3315,7 +3459,7 @@
           <a:p>
             <a:pPr lvl="0"/>
             <a:r>
-              <a:rPr lang="zh-CN" altLang="en-US" smtClean="0"/>
+              <a:rPr lang="zh-CN" altLang="en-US"/>
               <a:t>单击此处编辑母版文本样式</a:t>
             </a:r>
           </a:p>
@@ -3343,38 +3487,37 @@
           <a:p>
             <a:pPr lvl="0"/>
             <a:r>
-              <a:rPr lang="zh-CN" altLang="en-US" smtClean="0"/>
+              <a:rPr lang="zh-CN" altLang="en-US"/>
               <a:t>单击此处编辑母版文本样式</a:t>
             </a:r>
           </a:p>
           <a:p>
             <a:pPr lvl="1"/>
             <a:r>
-              <a:rPr lang="zh-CN" altLang="en-US" smtClean="0"/>
+              <a:rPr lang="zh-CN" altLang="en-US"/>
               <a:t>第二级</a:t>
             </a:r>
           </a:p>
           <a:p>
             <a:pPr lvl="2"/>
             <a:r>
-              <a:rPr lang="zh-CN" altLang="en-US" smtClean="0"/>
+              <a:rPr lang="zh-CN" altLang="en-US"/>
               <a:t>第三级</a:t>
             </a:r>
           </a:p>
           <a:p>
             <a:pPr lvl="3"/>
             <a:r>
-              <a:rPr lang="zh-CN" altLang="en-US" smtClean="0"/>
+              <a:rPr lang="zh-CN" altLang="en-US"/>
               <a:t>第四级</a:t>
             </a:r>
           </a:p>
           <a:p>
             <a:pPr lvl="4"/>
             <a:r>
-              <a:rPr lang="zh-CN" altLang="en-US" smtClean="0"/>
+              <a:rPr lang="zh-CN" altLang="en-US"/>
               <a:t>第五级</a:t>
             </a:r>
-            <a:endParaRPr lang="zh-CN" altLang="en-US"/>
           </a:p>
         </p:txBody>
       </p:sp>
@@ -3437,7 +3580,7 @@
           <a:p>
             <a:pPr lvl="0"/>
             <a:r>
-              <a:rPr lang="zh-CN" altLang="en-US" smtClean="0"/>
+              <a:rPr lang="zh-CN" altLang="en-US"/>
               <a:t>单击此处编辑母版文本样式</a:t>
             </a:r>
           </a:p>
@@ -3465,38 +3608,37 @@
           <a:p>
             <a:pPr lvl="0"/>
             <a:r>
-              <a:rPr lang="zh-CN" altLang="en-US" smtClean="0"/>
+              <a:rPr lang="zh-CN" altLang="en-US"/>
               <a:t>单击此处编辑母版文本样式</a:t>
             </a:r>
           </a:p>
           <a:p>
             <a:pPr lvl="1"/>
             <a:r>
-              <a:rPr lang="zh-CN" altLang="en-US" smtClean="0"/>
+              <a:rPr lang="zh-CN" altLang="en-US"/>
               <a:t>第二级</a:t>
             </a:r>
           </a:p>
           <a:p>
             <a:pPr lvl="2"/>
             <a:r>
-              <a:rPr lang="zh-CN" altLang="en-US" smtClean="0"/>
+              <a:rPr lang="zh-CN" altLang="en-US"/>
               <a:t>第三级</a:t>
             </a:r>
           </a:p>
           <a:p>
             <a:pPr lvl="3"/>
             <a:r>
-              <a:rPr lang="zh-CN" altLang="en-US" smtClean="0"/>
+              <a:rPr lang="zh-CN" altLang="en-US"/>
               <a:t>第四级</a:t>
             </a:r>
           </a:p>
           <a:p>
             <a:pPr lvl="4"/>
             <a:r>
-              <a:rPr lang="zh-CN" altLang="en-US" smtClean="0"/>
+              <a:rPr lang="zh-CN" altLang="en-US"/>
               <a:t>第五级</a:t>
             </a:r>
-            <a:endParaRPr lang="zh-CN" altLang="en-US"/>
           </a:p>
         </p:txBody>
       </p:sp>
@@ -3613,10 +3755,9 @@
           <a:lstStyle/>
           <a:p>
             <a:r>
-              <a:rPr lang="zh-CN" altLang="en-US" smtClean="0"/>
+              <a:rPr lang="zh-CN" altLang="en-US"/>
               <a:t>单击此处编辑母版标题样式</a:t>
             </a:r>
-            <a:endParaRPr lang="zh-CN" altLang="en-US"/>
           </a:p>
         </p:txBody>
       </p:sp>
@@ -3839,10 +3980,9 @@
           </a:lstStyle>
           <a:p>
             <a:r>
-              <a:rPr lang="zh-CN" altLang="en-US" smtClean="0"/>
+              <a:rPr lang="zh-CN" altLang="en-US"/>
               <a:t>单击此处编辑母版标题样式</a:t>
             </a:r>
-            <a:endParaRPr lang="zh-CN" altLang="en-US"/>
           </a:p>
         </p:txBody>
       </p:sp>
@@ -3896,38 +4036,37 @@
           <a:p>
             <a:pPr lvl="0"/>
             <a:r>
-              <a:rPr lang="zh-CN" altLang="en-US" smtClean="0"/>
+              <a:rPr lang="zh-CN" altLang="en-US"/>
               <a:t>单击此处编辑母版文本样式</a:t>
             </a:r>
           </a:p>
           <a:p>
             <a:pPr lvl="1"/>
             <a:r>
-              <a:rPr lang="zh-CN" altLang="en-US" smtClean="0"/>
+              <a:rPr lang="zh-CN" altLang="en-US"/>
               <a:t>第二级</a:t>
             </a:r>
           </a:p>
           <a:p>
             <a:pPr lvl="2"/>
             <a:r>
-              <a:rPr lang="zh-CN" altLang="en-US" smtClean="0"/>
+              <a:rPr lang="zh-CN" altLang="en-US"/>
               <a:t>第三级</a:t>
             </a:r>
           </a:p>
           <a:p>
             <a:pPr lvl="3"/>
             <a:r>
-              <a:rPr lang="zh-CN" altLang="en-US" smtClean="0"/>
+              <a:rPr lang="zh-CN" altLang="en-US"/>
               <a:t>第四级</a:t>
             </a:r>
           </a:p>
           <a:p>
             <a:pPr lvl="4"/>
             <a:r>
-              <a:rPr lang="zh-CN" altLang="en-US" smtClean="0"/>
+              <a:rPr lang="zh-CN" altLang="en-US"/>
               <a:t>第五级</a:t>
             </a:r>
-            <a:endParaRPr lang="zh-CN" altLang="en-US"/>
           </a:p>
         </p:txBody>
       </p:sp>
@@ -3990,7 +4129,7 @@
           <a:p>
             <a:pPr lvl="0"/>
             <a:r>
-              <a:rPr lang="zh-CN" altLang="en-US" smtClean="0"/>
+              <a:rPr lang="zh-CN" altLang="en-US"/>
               <a:t>单击此处编辑母版文本样式</a:t>
             </a:r>
           </a:p>
@@ -4118,10 +4257,9 @@
           </a:lstStyle>
           <a:p>
             <a:r>
-              <a:rPr lang="zh-CN" altLang="en-US" smtClean="0"/>
+              <a:rPr lang="zh-CN" altLang="en-US"/>
               <a:t>单击此处编辑母版标题样式</a:t>
             </a:r>
-            <a:endParaRPr lang="zh-CN" altLang="en-US"/>
           </a:p>
         </p:txBody>
       </p:sp>
@@ -4245,7 +4383,7 @@
           <a:p>
             <a:pPr lvl="0"/>
             <a:r>
-              <a:rPr lang="zh-CN" altLang="en-US" smtClean="0"/>
+              <a:rPr lang="zh-CN" altLang="en-US"/>
               <a:t>单击此处编辑母版文本样式</a:t>
             </a:r>
           </a:p>
@@ -4379,10 +4517,9 @@
           <a:lstStyle/>
           <a:p>
             <a:r>
-              <a:rPr lang="zh-CN" altLang="en-US" smtClean="0"/>
+              <a:rPr lang="zh-CN" altLang="en-US"/>
               <a:t>单击此处编辑母版标题样式</a:t>
             </a:r>
-            <a:endParaRPr lang="zh-CN" altLang="en-US"/>
           </a:p>
         </p:txBody>
       </p:sp>
@@ -4413,38 +4550,37 @@
           <a:p>
             <a:pPr lvl="0"/>
             <a:r>
-              <a:rPr lang="zh-CN" altLang="en-US" smtClean="0"/>
+              <a:rPr lang="zh-CN" altLang="en-US"/>
               <a:t>单击此处编辑母版文本样式</a:t>
             </a:r>
           </a:p>
           <a:p>
             <a:pPr lvl="1"/>
             <a:r>
-              <a:rPr lang="zh-CN" altLang="en-US" smtClean="0"/>
+              <a:rPr lang="zh-CN" altLang="en-US"/>
               <a:t>第二级</a:t>
             </a:r>
           </a:p>
           <a:p>
             <a:pPr lvl="2"/>
             <a:r>
-              <a:rPr lang="zh-CN" altLang="en-US" smtClean="0"/>
+              <a:rPr lang="zh-CN" altLang="en-US"/>
               <a:t>第三级</a:t>
             </a:r>
           </a:p>
           <a:p>
             <a:pPr lvl="3"/>
             <a:r>
-              <a:rPr lang="zh-CN" altLang="en-US" smtClean="0"/>
+              <a:rPr lang="zh-CN" altLang="en-US"/>
               <a:t>第四级</a:t>
             </a:r>
           </a:p>
           <a:p>
             <a:pPr lvl="4"/>
             <a:r>
-              <a:rPr lang="zh-CN" altLang="en-US" smtClean="0"/>
+              <a:rPr lang="zh-CN" altLang="en-US"/>
               <a:t>第五级</a:t>
             </a:r>
-            <a:endParaRPr lang="zh-CN" altLang="en-US"/>
           </a:p>
         </p:txBody>
       </p:sp>
@@ -4592,13 +4728,6 @@
     <p:sldLayoutId id="2147483662" r:id="rId12"/>
     <p:sldLayoutId id="2147483663" r:id="rId13"/>
   </p:sldLayoutIdLst>
-  <p:timing>
-    <p:tnLst>
-      <p:par>
-        <p:cTn id="1" dur="indefinite" restart="never" nodeType="tmRoot"/>
-      </p:par>
-    </p:tnLst>
-  </p:timing>
   <p:txStyles>
     <p:titleStyle>
       <a:lvl1pPr algn="l" defTabSz="914400" rtl="0" eaLnBrk="1" latinLnBrk="0" hangingPunct="1">
@@ -5092,7 +5221,7 @@
               <a:buNone/>
             </a:pPr>
             <a:r>
-              <a:rPr lang="en-US" altLang="zh-CN" sz="3600" b="1" dirty="0" smtClean="0">
+              <a:rPr lang="en-US" altLang="zh-CN" sz="3600" b="1" dirty="0">
                 <a:solidFill>
                   <a:schemeClr val="bg1"/>
                 </a:solidFill>
@@ -5100,7 +5229,7 @@
               <a:t>Residual Nets (</a:t>
             </a:r>
             <a:r>
-              <a:rPr lang="en-US" altLang="zh-CN" sz="3600" b="1" dirty="0" err="1" smtClean="0">
+              <a:rPr lang="en-US" altLang="zh-CN" sz="3600" b="1" dirty="0" err="1">
                 <a:solidFill>
                   <a:schemeClr val="bg1"/>
                 </a:solidFill>
@@ -5108,14 +5237,14 @@
               <a:t>ResNet</a:t>
             </a:r>
             <a:r>
-              <a:rPr lang="en-US" altLang="zh-CN" sz="3600" b="1" dirty="0" smtClean="0">
+              <a:rPr lang="en-US" altLang="zh-CN" sz="3600" b="1" dirty="0">
                 <a:solidFill>
                   <a:schemeClr val="bg1"/>
                 </a:solidFill>
               </a:rPr>
               <a:t>)</a:t>
             </a:r>
-            <a:endParaRPr lang="en-US" sz="1800" b="1" dirty="0" smtClean="0">
+            <a:endParaRPr lang="en-US" sz="1800" b="1" dirty="0">
               <a:solidFill>
                 <a:schemeClr val="bg1"/>
               </a:solidFill>
@@ -5127,7 +5256,7 @@
               <a:buNone/>
             </a:pPr>
             <a:r>
-              <a:rPr lang="en-US" b="1" dirty="0" smtClean="0">
+              <a:rPr lang="en-US" b="1" dirty="0">
                 <a:solidFill>
                   <a:schemeClr val="bg1"/>
                 </a:solidFill>
@@ -5140,7 +5269,7 @@
               <a:buFont typeface="Arial" panose="020B0604020202020204" pitchFamily="34" charset="0"/>
               <a:buNone/>
             </a:pPr>
-            <a:endParaRPr lang="en-US" altLang="zh-CN" sz="1600" b="1" dirty="0" smtClean="0">
+            <a:endParaRPr lang="en-US" altLang="zh-CN" sz="1600" b="1" dirty="0">
               <a:solidFill>
                 <a:schemeClr val="bg1"/>
               </a:solidFill>
@@ -5185,7 +5314,7 @@
               <a:buChar char="•"/>
             </a:pPr>
             <a:r>
-              <a:rPr lang="en-US" altLang="zh-CN" sz="2400" b="1" dirty="0" smtClean="0"/>
+              <a:rPr lang="en-US" altLang="zh-CN" sz="2400" b="1" dirty="0"/>
               <a:t>Performance</a:t>
             </a:r>
           </a:p>
@@ -5196,11 +5325,7 @@
             </a:pPr>
             <a:r>
               <a:rPr lang="en-US" altLang="zh-CN" sz="2400" b="1" dirty="0"/>
-              <a:t>A</a:t>
-            </a:r>
-            <a:r>
-              <a:rPr lang="en-US" altLang="zh-CN" sz="2400" b="1" dirty="0" smtClean="0"/>
-              <a:t>rchitecture</a:t>
+              <a:t>Architecture</a:t>
             </a:r>
           </a:p>
           <a:p>
@@ -5209,7 +5334,7 @@
               <a:buChar char="•"/>
             </a:pPr>
             <a:r>
-              <a:rPr lang="en-US" altLang="zh-CN" sz="2400" b="1" dirty="0" smtClean="0"/>
+              <a:rPr lang="en-US" altLang="zh-CN" sz="2400" b="1" dirty="0"/>
               <a:t>Residual Block</a:t>
             </a:r>
           </a:p>
@@ -5219,10 +5344,10 @@
               <a:buChar char="•"/>
             </a:pPr>
             <a:r>
-              <a:rPr lang="en-US" altLang="zh-CN" sz="2400" b="1" dirty="0" err="1" smtClean="0"/>
+              <a:rPr lang="en-US" altLang="zh-CN" sz="2400" b="1" dirty="0" err="1"/>
               <a:t>BatchNormalization</a:t>
             </a:r>
-            <a:endParaRPr lang="en-US" altLang="zh-CN" sz="2400" b="1" dirty="0" smtClean="0"/>
+            <a:endParaRPr lang="en-US" altLang="zh-CN" sz="2400" b="1" dirty="0"/>
           </a:p>
           <a:p>
             <a:pPr marL="342900" indent="-342900">
@@ -5230,7 +5355,7 @@
               <a:buChar char="•"/>
             </a:pPr>
             <a:r>
-              <a:rPr lang="en-US" altLang="zh-CN" sz="2400" b="1" dirty="0" err="1" smtClean="0"/>
+              <a:rPr lang="en-US" altLang="zh-CN" sz="2400" b="1" dirty="0" err="1"/>
               <a:t>GlobalAveragePooling</a:t>
             </a:r>
             <a:endParaRPr lang="en-US" altLang="zh-CN" sz="2400" b="1" dirty="0"/>
@@ -5241,11 +5366,11 @@
               <a:buChar char="•"/>
             </a:pPr>
             <a:r>
-              <a:rPr lang="en-US" altLang="zh-CN" sz="2400" b="1" dirty="0" err="1" smtClean="0"/>
+              <a:rPr lang="en-US" altLang="zh-CN" sz="2400" b="1" dirty="0" err="1"/>
               <a:t>ResNet</a:t>
             </a:r>
             <a:r>
-              <a:rPr lang="en-US" altLang="zh-CN" sz="2400" b="1" dirty="0" smtClean="0"/>
+              <a:rPr lang="en-US" altLang="zh-CN" sz="2400" b="1" dirty="0"/>
               <a:t> Design</a:t>
             </a:r>
           </a:p>
@@ -5255,14 +5380,14 @@
               <a:buChar char="•"/>
             </a:pPr>
             <a:r>
-              <a:rPr lang="en-US" altLang="zh-CN" sz="2400" b="1" dirty="0" smtClean="0"/>
+              <a:rPr lang="en-US" altLang="zh-CN" sz="2400" b="1" dirty="0"/>
               <a:t>Functional API of </a:t>
             </a:r>
             <a:r>
-              <a:rPr lang="en-US" altLang="zh-CN" sz="2400" b="1" dirty="0" err="1" smtClean="0"/>
+              <a:rPr lang="en-US" altLang="zh-CN" sz="2400" b="1" dirty="0" err="1"/>
               <a:t>TensorFlow</a:t>
             </a:r>
-            <a:endParaRPr lang="en-US" altLang="zh-CN" sz="2400" b="1" dirty="0" smtClean="0"/>
+            <a:endParaRPr lang="en-US" altLang="zh-CN" sz="2400" b="1" dirty="0"/>
           </a:p>
           <a:p>
             <a:pPr marL="342900" indent="-342900">
@@ -5270,7 +5395,7 @@
               <a:buChar char="•"/>
             </a:pPr>
             <a:r>
-              <a:rPr lang="en-US" altLang="zh-CN" sz="2400" b="1" dirty="0" smtClean="0"/>
+              <a:rPr lang="en-US" altLang="zh-CN" sz="2400" b="1" dirty="0"/>
               <a:t>Program for Cifar10</a:t>
             </a:r>
           </a:p>
@@ -5279,7 +5404,7 @@
               <a:buFont typeface="Arial" panose="020B0604020202020204" pitchFamily="34" charset="0"/>
               <a:buChar char="•"/>
             </a:pPr>
-            <a:endParaRPr lang="en-US" altLang="zh-CN" sz="2400" b="1" dirty="0" smtClean="0"/>
+            <a:endParaRPr lang="en-US" altLang="zh-CN" sz="2400" b="1" dirty="0"/>
           </a:p>
         </p:txBody>
       </p:sp>
@@ -5293,13 +5418,6 @@
   <p:clrMapOvr>
     <a:masterClrMapping/>
   </p:clrMapOvr>
-  <p:timing>
-    <p:tnLst>
-      <p:par>
-        <p:cTn id="1" dur="indefinite" restart="never" nodeType="tmRoot"/>
-      </p:par>
-    </p:tnLst>
-  </p:timing>
 </p:sld>
 </file>
 
@@ -5417,15 +5535,15 @@
               <a:buChar char="§"/>
             </a:pPr>
             <a:r>
-              <a:rPr lang="en-US" sz="2400" b="1" dirty="0" smtClean="0"/>
+              <a:rPr lang="en-US" sz="2400" b="1" dirty="0"/>
               <a:t>A layer in between the </a:t>
             </a:r>
             <a:r>
-              <a:rPr lang="en-US" sz="2400" b="1" dirty="0" err="1" smtClean="0"/>
+              <a:rPr lang="en-US" sz="2400" b="1" dirty="0" err="1"/>
               <a:t>conv</a:t>
             </a:r>
             <a:r>
-              <a:rPr lang="en-US" sz="2400" b="1" dirty="0" smtClean="0"/>
+              <a:rPr lang="en-US" sz="2400" b="1" dirty="0"/>
               <a:t> layer and the activation layer</a:t>
             </a:r>
           </a:p>
@@ -5439,10 +5557,9 @@
               <a:buChar char="§"/>
             </a:pPr>
             <a:r>
-              <a:rPr lang="en-US" sz="2400" b="1" dirty="0" smtClean="0"/>
+              <a:rPr lang="en-US" sz="2400" b="1" dirty="0"/>
               <a:t>To transform the feature map to standard normal distribution, mean = 0 and standard deviation = 1.</a:t>
             </a:r>
-            <a:endParaRPr lang="en-US" sz="2400" b="1" dirty="0"/>
           </a:p>
           <a:p>
             <a:pPr marL="342900" indent="-342900">
@@ -5465,7 +5582,7 @@
               <a:buChar char="§"/>
             </a:pPr>
             <a:r>
-              <a:rPr lang="en-US" sz="2400" b="1" dirty="0" smtClean="0"/>
+              <a:rPr lang="en-US" sz="2400" b="1" dirty="0"/>
               <a:t>To ease the training and prevent overfitting.</a:t>
             </a:r>
           </a:p>
@@ -5479,7 +5596,7 @@
               <a:buChar char="§"/>
             </a:pPr>
             <a:r>
-              <a:rPr lang="en-US" sz="2400" b="1" dirty="0" smtClean="0"/>
+              <a:rPr lang="en-US" sz="2400" b="1" dirty="0"/>
               <a:t>Better than the dropout layer, and cannot be used with the dropout layer.</a:t>
             </a:r>
           </a:p>
@@ -5534,7 +5651,7 @@
           <a:lstStyle/>
           <a:p>
             <a:r>
-              <a:rPr lang="en-US" sz="3600" b="1" dirty="0" err="1" smtClean="0">
+              <a:rPr lang="en-US" sz="3600" b="1" dirty="0" err="1">
                 <a:solidFill>
                   <a:schemeClr val="accent1">
                     <a:lumMod val="75000"/>
@@ -5567,13 +5684,6 @@
   <p:clrMapOvr>
     <a:masterClrMapping/>
   </p:clrMapOvr>
-  <p:timing>
-    <p:tnLst>
-      <p:par>
-        <p:cTn id="1" dur="indefinite" restart="never" nodeType="tmRoot"/>
-      </p:par>
-    </p:tnLst>
-  </p:timing>
 </p:sld>
 </file>
 
@@ -5691,7 +5801,7 @@
               <a:buChar char="§"/>
             </a:pPr>
             <a:r>
-              <a:rPr lang="en-US" sz="2400" b="1" dirty="0" smtClean="0"/>
+              <a:rPr lang="en-US" sz="2400" b="1" dirty="0"/>
               <a:t>To average pooling a channel of a multi-channel feature map to a number</a:t>
             </a:r>
           </a:p>
@@ -5705,10 +5815,9 @@
               <a:buChar char="§"/>
             </a:pPr>
             <a:r>
-              <a:rPr lang="en-US" sz="2400" b="1" dirty="0" smtClean="0"/>
+              <a:rPr lang="en-US" sz="2400" b="1" dirty="0"/>
               <a:t>GlobalAveragePooling2D can be used to replace the flatten layer</a:t>
             </a:r>
-            <a:endParaRPr lang="en-US" sz="2400" b="1" dirty="0"/>
           </a:p>
           <a:p>
             <a:pPr marL="342900" indent="-342900">
@@ -5772,7 +5881,7 @@
           <a:lstStyle/>
           <a:p>
             <a:r>
-              <a:rPr lang="en-US" sz="3600" b="1" dirty="0" smtClean="0">
+              <a:rPr lang="en-US" sz="3600" b="1" dirty="0">
                 <a:solidFill>
                   <a:schemeClr val="accent1">
                     <a:lumMod val="75000"/>
@@ -5783,15 +5892,6 @@
               </a:rPr>
               <a:t>GlobalAveragePooling2D</a:t>
             </a:r>
-            <a:endParaRPr lang="en-US" sz="3600" b="1" dirty="0">
-              <a:solidFill>
-                <a:schemeClr val="accent1">
-                  <a:lumMod val="75000"/>
-                </a:schemeClr>
-              </a:solidFill>
-              <a:latin typeface="Arial" panose="020B0604020202020204" pitchFamily="34" charset="0"/>
-              <a:cs typeface="Arial" panose="020B0604020202020204" pitchFamily="34" charset="0"/>
-            </a:endParaRPr>
           </a:p>
         </p:txBody>
       </p:sp>
@@ -6018,7 +6118,7 @@
           <a:lstStyle/>
           <a:p>
             <a:r>
-              <a:rPr lang="en-US" altLang="zh-TW" dirty="0" smtClean="0"/>
+              <a:rPr lang="en-US" altLang="zh-TW" dirty="0"/>
               <a:t>A</a:t>
             </a:r>
             <a:endParaRPr lang="zh-TW" altLang="en-US" dirty="0"/>
@@ -6048,7 +6148,7 @@
           <a:lstStyle/>
           <a:p>
             <a:r>
-              <a:rPr lang="en-US" altLang="zh-TW" dirty="0" smtClean="0"/>
+              <a:rPr lang="en-US" altLang="zh-TW" dirty="0"/>
               <a:t>B</a:t>
             </a:r>
             <a:endParaRPr lang="zh-TW" altLang="en-US" dirty="0"/>
@@ -6078,7 +6178,7 @@
           <a:lstStyle/>
           <a:p>
             <a:r>
-              <a:rPr lang="en-US" altLang="zh-TW" dirty="0" smtClean="0"/>
+              <a:rPr lang="en-US" altLang="zh-TW" dirty="0"/>
               <a:t>Map A average pooled to the red node</a:t>
             </a:r>
             <a:endParaRPr lang="zh-TW" altLang="en-US" dirty="0"/>
@@ -6108,7 +6208,7 @@
           <a:lstStyle/>
           <a:p>
             <a:r>
-              <a:rPr lang="en-US" altLang="zh-TW" dirty="0" smtClean="0"/>
+              <a:rPr lang="en-US" altLang="zh-TW" dirty="0"/>
               <a:t>Map B average pooled to the blue node</a:t>
             </a:r>
             <a:endParaRPr lang="zh-TW" altLang="en-US" dirty="0"/>
@@ -6138,7 +6238,7 @@
           <a:lstStyle/>
           <a:p>
             <a:r>
-              <a:rPr lang="en-US" altLang="zh-TW" dirty="0" smtClean="0"/>
+              <a:rPr lang="en-US" altLang="zh-TW" dirty="0"/>
               <a:t>A 1-dimensional array to the next dense layer</a:t>
             </a:r>
             <a:endParaRPr lang="zh-TW" altLang="en-US" dirty="0"/>
@@ -6193,13 +6293,6 @@
   <p:clrMapOvr>
     <a:masterClrMapping/>
   </p:clrMapOvr>
-  <p:timing>
-    <p:tnLst>
-      <p:par>
-        <p:cTn id="1" dur="indefinite" restart="never" nodeType="tmRoot"/>
-      </p:par>
-    </p:tnLst>
-  </p:timing>
 </p:sld>
 </file>
 
@@ -6317,23 +6410,23 @@
               <a:buChar char="§"/>
             </a:pPr>
             <a:r>
-              <a:rPr lang="en-US" sz="2400" b="1" dirty="0" smtClean="0"/>
+              <a:rPr lang="en-US" sz="2400" b="1" dirty="0"/>
               <a:t>We have sequential and functional API in </a:t>
             </a:r>
             <a:r>
-              <a:rPr lang="en-US" sz="2400" b="1" dirty="0" err="1" smtClean="0"/>
+              <a:rPr lang="en-US" sz="2400" b="1" dirty="0" err="1"/>
               <a:t>TensorFlow</a:t>
             </a:r>
             <a:r>
-              <a:rPr lang="en-US" sz="2400" b="1" dirty="0" smtClean="0"/>
+              <a:rPr lang="en-US" sz="2400" b="1" dirty="0"/>
               <a:t> (or </a:t>
             </a:r>
             <a:r>
-              <a:rPr lang="en-US" sz="2400" b="1" dirty="0" err="1" smtClean="0"/>
+              <a:rPr lang="en-US" sz="2400" b="1" dirty="0" err="1"/>
               <a:t>Keras</a:t>
             </a:r>
             <a:r>
-              <a:rPr lang="en-US" sz="2400" b="1" dirty="0" smtClean="0"/>
+              <a:rPr lang="en-US" sz="2400" b="1" dirty="0"/>
               <a:t>) layer structure</a:t>
             </a:r>
             <a:endParaRPr lang="en-US" sz="2000" dirty="0">
@@ -6367,7 +6460,7 @@
           <a:lstStyle/>
           <a:p>
             <a:r>
-              <a:rPr lang="en-US" sz="3600" b="1" dirty="0" smtClean="0">
+              <a:rPr lang="en-US" sz="3600" b="1" dirty="0">
                 <a:solidFill>
                   <a:schemeClr val="accent1">
                     <a:lumMod val="75000"/>
@@ -6378,15 +6471,6 @@
               </a:rPr>
               <a:t>Functional API</a:t>
             </a:r>
-            <a:endParaRPr lang="en-US" sz="3600" b="1" dirty="0">
-              <a:solidFill>
-                <a:schemeClr val="accent1">
-                  <a:lumMod val="75000"/>
-                </a:schemeClr>
-              </a:solidFill>
-              <a:latin typeface="Arial" panose="020B0604020202020204" pitchFamily="34" charset="0"/>
-              <a:cs typeface="Arial" panose="020B0604020202020204" pitchFamily="34" charset="0"/>
-            </a:endParaRPr>
           </a:p>
         </p:txBody>
       </p:sp>
@@ -6425,7 +6509,7 @@
           <a:p>
             <a:pPr algn="ctr"/>
             <a:r>
-              <a:rPr lang="en-US" altLang="zh-TW" dirty="0" smtClean="0"/>
+              <a:rPr lang="en-US" altLang="zh-TW" dirty="0"/>
               <a:t>layer</a:t>
             </a:r>
             <a:endParaRPr lang="zh-TW" altLang="en-US" dirty="0"/>
@@ -6467,7 +6551,7 @@
           <a:p>
             <a:pPr algn="ctr"/>
             <a:r>
-              <a:rPr lang="en-US" altLang="zh-TW" dirty="0" smtClean="0"/>
+              <a:rPr lang="en-US" altLang="zh-TW" dirty="0"/>
               <a:t>layer</a:t>
             </a:r>
             <a:endParaRPr lang="zh-TW" altLang="en-US" dirty="0"/>
@@ -6497,7 +6581,7 @@
           <a:lstStyle/>
           <a:p>
             <a:r>
-              <a:rPr lang="en-US" altLang="zh-TW" dirty="0" smtClean="0"/>
+              <a:rPr lang="en-US" altLang="zh-TW" dirty="0"/>
               <a:t>output</a:t>
             </a:r>
             <a:endParaRPr lang="zh-TW" altLang="en-US" dirty="0"/>
@@ -6527,7 +6611,7 @@
           <a:lstStyle/>
           <a:p>
             <a:r>
-              <a:rPr lang="en-US" altLang="zh-TW" dirty="0" smtClean="0"/>
+              <a:rPr lang="en-US" altLang="zh-TW" dirty="0"/>
               <a:t>Sequential </a:t>
             </a:r>
             <a:endParaRPr lang="zh-TW" altLang="en-US" dirty="0"/>
@@ -6557,7 +6641,7 @@
           <a:lstStyle/>
           <a:p>
             <a:r>
-              <a:rPr lang="en-US" altLang="zh-TW" dirty="0" smtClean="0"/>
+              <a:rPr lang="en-US" altLang="zh-TW" dirty="0"/>
               <a:t>Input</a:t>
             </a:r>
             <a:endParaRPr lang="zh-TW" altLang="en-US" dirty="0"/>
@@ -6599,7 +6683,7 @@
           <a:p>
             <a:pPr algn="ctr"/>
             <a:r>
-              <a:rPr lang="en-US" altLang="zh-TW" dirty="0" smtClean="0"/>
+              <a:rPr lang="en-US" altLang="zh-TW" dirty="0"/>
               <a:t>layer</a:t>
             </a:r>
             <a:endParaRPr lang="zh-TW" altLang="en-US" dirty="0"/>
@@ -6641,7 +6725,7 @@
           <a:p>
             <a:pPr algn="ctr"/>
             <a:r>
-              <a:rPr lang="en-US" altLang="zh-TW" dirty="0" smtClean="0"/>
+              <a:rPr lang="en-US" altLang="zh-TW" dirty="0"/>
               <a:t>layer</a:t>
             </a:r>
             <a:endParaRPr lang="zh-TW" altLang="en-US" dirty="0"/>
@@ -6671,7 +6755,7 @@
           <a:lstStyle/>
           <a:p>
             <a:r>
-              <a:rPr lang="en-US" altLang="zh-TW" dirty="0" smtClean="0"/>
+              <a:rPr lang="en-US" altLang="zh-TW" dirty="0"/>
               <a:t>output</a:t>
             </a:r>
             <a:endParaRPr lang="zh-TW" altLang="en-US" dirty="0"/>
@@ -6701,7 +6785,7 @@
           <a:lstStyle/>
           <a:p>
             <a:r>
-              <a:rPr lang="en-US" altLang="zh-TW" dirty="0" smtClean="0"/>
+              <a:rPr lang="en-US" altLang="zh-TW" dirty="0"/>
               <a:t>Input</a:t>
             </a:r>
             <a:endParaRPr lang="zh-TW" altLang="en-US" dirty="0"/>
@@ -6779,7 +6863,7 @@
           <a:p>
             <a:pPr algn="ctr"/>
             <a:r>
-              <a:rPr lang="en-US" altLang="zh-TW" dirty="0" smtClean="0"/>
+              <a:rPr lang="en-US" altLang="zh-TW" dirty="0"/>
               <a:t>merge</a:t>
             </a:r>
             <a:endParaRPr lang="zh-TW" altLang="en-US" dirty="0"/>
@@ -7054,7 +7138,7 @@
           <a:lstStyle/>
           <a:p>
             <a:r>
-              <a:rPr lang="en-US" altLang="zh-TW" dirty="0" smtClean="0"/>
+              <a:rPr lang="en-US" altLang="zh-TW" dirty="0"/>
               <a:t>Non-linear</a:t>
             </a:r>
             <a:endParaRPr lang="zh-TW" altLang="en-US" dirty="0"/>
@@ -7096,7 +7180,7 @@
           <a:p>
             <a:pPr algn="ctr"/>
             <a:r>
-              <a:rPr lang="en-US" altLang="zh-TW" dirty="0" smtClean="0"/>
+              <a:rPr lang="en-US" altLang="zh-TW" dirty="0"/>
               <a:t>layer</a:t>
             </a:r>
             <a:endParaRPr lang="zh-TW" altLang="en-US" dirty="0"/>
@@ -7138,7 +7222,7 @@
           <a:p>
             <a:pPr algn="ctr"/>
             <a:r>
-              <a:rPr lang="en-US" altLang="zh-TW" dirty="0" smtClean="0"/>
+              <a:rPr lang="en-US" altLang="zh-TW" dirty="0"/>
               <a:t>classification</a:t>
             </a:r>
             <a:endParaRPr lang="zh-TW" altLang="en-US" dirty="0"/>
@@ -7168,7 +7252,7 @@
           <a:lstStyle/>
           <a:p>
             <a:r>
-              <a:rPr lang="en-US" altLang="zh-TW" dirty="0" smtClean="0"/>
+              <a:rPr lang="en-US" altLang="zh-TW" dirty="0"/>
               <a:t>output</a:t>
             </a:r>
             <a:endParaRPr lang="zh-TW" altLang="en-US" dirty="0"/>
@@ -7198,7 +7282,7 @@
           <a:lstStyle/>
           <a:p>
             <a:r>
-              <a:rPr lang="en-US" altLang="zh-TW" dirty="0" smtClean="0"/>
+              <a:rPr lang="en-US" altLang="zh-TW" dirty="0"/>
               <a:t>Input</a:t>
             </a:r>
             <a:endParaRPr lang="zh-TW" altLang="en-US" dirty="0"/>
@@ -7276,7 +7360,7 @@
           <a:p>
             <a:pPr algn="ctr"/>
             <a:r>
-              <a:rPr lang="en-US" altLang="zh-TW" dirty="0" smtClean="0"/>
+              <a:rPr lang="en-US" altLang="zh-TW" dirty="0"/>
               <a:t>regression</a:t>
             </a:r>
             <a:endParaRPr lang="zh-TW" altLang="en-US" dirty="0"/>
@@ -7409,7 +7493,7 @@
           <a:lstStyle/>
           <a:p>
             <a:r>
-              <a:rPr lang="en-US" altLang="zh-TW" dirty="0" smtClean="0"/>
+              <a:rPr lang="en-US" altLang="zh-TW" dirty="0"/>
               <a:t>output</a:t>
             </a:r>
             <a:endParaRPr lang="zh-TW" altLang="en-US" dirty="0"/>
@@ -7472,7 +7556,7 @@
           <a:lstStyle/>
           <a:p>
             <a:r>
-              <a:rPr lang="en-US" altLang="zh-TW" dirty="0" smtClean="0"/>
+              <a:rPr lang="en-US" altLang="zh-TW" dirty="0"/>
               <a:t>Multiple output</a:t>
             </a:r>
             <a:endParaRPr lang="zh-TW" altLang="en-US" dirty="0"/>
@@ -7489,13 +7573,6 @@
   <p:clrMapOvr>
     <a:masterClrMapping/>
   </p:clrMapOvr>
-  <p:timing>
-    <p:tnLst>
-      <p:par>
-        <p:cTn id="1" dur="indefinite" restart="never" nodeType="tmRoot"/>
-      </p:par>
-    </p:tnLst>
-  </p:timing>
 </p:sld>
 </file>
 
@@ -7540,86 +7617,78 @@
           <a:p>
             <a:r>
               <a:rPr lang="en-US" altLang="zh-TW" dirty="0"/>
-              <a:t>m</a:t>
-            </a:r>
-            <a:r>
-              <a:rPr lang="en-US" altLang="zh-TW" dirty="0" smtClean="0"/>
-              <a:t>odel = sequential()</a:t>
-            </a:r>
-          </a:p>
-          <a:p>
-            <a:r>
-              <a:rPr lang="en-US" altLang="zh-TW" dirty="0" err="1" smtClean="0"/>
+              <a:t>model = sequential()</a:t>
+            </a:r>
+          </a:p>
+          <a:p>
+            <a:r>
+              <a:rPr lang="en-US" altLang="zh-TW" dirty="0" err="1"/>
               <a:t>model.add</a:t>
             </a:r>
             <a:r>
-              <a:rPr lang="en-US" altLang="zh-TW" dirty="0" smtClean="0"/>
+              <a:rPr lang="en-US" altLang="zh-TW" dirty="0"/>
               <a:t>(Dense(256, activation= ‘</a:t>
             </a:r>
             <a:r>
-              <a:rPr lang="en-US" altLang="zh-TW" dirty="0" err="1" smtClean="0"/>
+              <a:rPr lang="en-US" altLang="zh-TW" dirty="0" err="1"/>
               <a:t>Sigmod</a:t>
             </a:r>
             <a:r>
-              <a:rPr lang="en-US" altLang="zh-TW" dirty="0" smtClean="0"/>
+              <a:rPr lang="en-US" altLang="zh-TW" dirty="0"/>
               <a:t>’, </a:t>
             </a:r>
             <a:r>
-              <a:rPr lang="en-US" altLang="zh-TW" dirty="0" err="1" smtClean="0"/>
+              <a:rPr lang="en-US" altLang="zh-TW" dirty="0" err="1"/>
               <a:t>intput_shaple</a:t>
             </a:r>
             <a:r>
-              <a:rPr lang="en-US" altLang="zh-TW" dirty="0" smtClean="0"/>
+              <a:rPr lang="en-US" altLang="zh-TW" dirty="0"/>
               <a:t>(784,)))</a:t>
             </a:r>
           </a:p>
           <a:p>
             <a:r>
-              <a:rPr lang="en-US" altLang="zh-TW" dirty="0" err="1" smtClean="0"/>
+              <a:rPr lang="en-US" altLang="zh-TW" dirty="0" err="1"/>
               <a:t>model.add</a:t>
             </a:r>
             <a:r>
-              <a:rPr lang="en-US" altLang="zh-TW" dirty="0" smtClean="0"/>
+              <a:rPr lang="en-US" altLang="zh-TW" dirty="0"/>
               <a:t>(Dense(128, activation=‘</a:t>
             </a:r>
             <a:r>
-              <a:rPr lang="en-US" altLang="zh-TW" dirty="0" err="1" smtClean="0"/>
+              <a:rPr lang="en-US" altLang="zh-TW" dirty="0" err="1"/>
               <a:t>Sigmod</a:t>
             </a:r>
             <a:r>
-              <a:rPr lang="en-US" altLang="zh-TW" dirty="0" smtClean="0"/>
+              <a:rPr lang="en-US" altLang="zh-TW" dirty="0"/>
               <a:t>’))</a:t>
             </a:r>
           </a:p>
           <a:p>
             <a:r>
               <a:rPr lang="en-US" altLang="zh-TW" dirty="0" err="1"/>
-              <a:t>m</a:t>
-            </a:r>
-            <a:r>
-              <a:rPr lang="en-US" altLang="zh-TW" dirty="0" err="1" smtClean="0"/>
-              <a:t>odel.add</a:t>
-            </a:r>
-            <a:r>
-              <a:rPr lang="en-US" altLang="zh-TW" dirty="0" smtClean="0"/>
+              <a:t>model.add</a:t>
+            </a:r>
+            <a:r>
+              <a:rPr lang="en-US" altLang="zh-TW" dirty="0"/>
               <a:t>(Dropout(rate=0.5))</a:t>
             </a:r>
           </a:p>
           <a:p>
             <a:r>
-              <a:rPr lang="en-US" altLang="zh-TW" dirty="0" err="1" smtClean="0"/>
+              <a:rPr lang="en-US" altLang="zh-TW" dirty="0" err="1"/>
               <a:t>model.add</a:t>
             </a:r>
             <a:r>
-              <a:rPr lang="en-US" altLang="zh-TW" dirty="0" smtClean="0"/>
+              <a:rPr lang="en-US" altLang="zh-TW" dirty="0"/>
               <a:t>(Dense(10, activation=‘</a:t>
             </a:r>
             <a:r>
-              <a:rPr lang="en-US" altLang="zh-TW" dirty="0" err="1" smtClean="0"/>
+              <a:rPr lang="en-US" altLang="zh-TW" dirty="0" err="1"/>
               <a:t>softmax</a:t>
             </a:r>
             <a:r>
-              <a:rPr lang="en-US" altLang="zh-TW" dirty="0" smtClean="0"/>
+              <a:rPr lang="en-US" altLang="zh-TW" dirty="0"/>
               <a:t>’))</a:t>
             </a:r>
             <a:endParaRPr lang="zh-TW" altLang="en-US" dirty="0"/>
@@ -7649,7 +7718,7 @@
           <a:lstStyle/>
           <a:p>
             <a:r>
-              <a:rPr lang="en-US" altLang="zh-TW" dirty="0" smtClean="0"/>
+              <a:rPr lang="en-US" altLang="zh-TW" dirty="0"/>
               <a:t>Sequential</a:t>
             </a:r>
             <a:endParaRPr lang="zh-TW" altLang="en-US" dirty="0"/>
@@ -7680,76 +7749,60 @@
           <a:p>
             <a:r>
               <a:rPr lang="en-US" altLang="zh-TW" dirty="0"/>
-              <a:t>i</a:t>
-            </a:r>
-            <a:r>
-              <a:rPr lang="en-US" altLang="zh-TW" dirty="0" smtClean="0"/>
-              <a:t>nput = Input(shape=(784,))</a:t>
-            </a:r>
-          </a:p>
-          <a:p>
-            <a:r>
-              <a:rPr lang="en-US" altLang="zh-TW" dirty="0"/>
-              <a:t>x</a:t>
-            </a:r>
-            <a:r>
-              <a:rPr lang="en-US" altLang="zh-TW" dirty="0" smtClean="0"/>
-              <a:t>=Dense(256, activation= ‘</a:t>
-            </a:r>
-            <a:r>
-              <a:rPr lang="en-US" altLang="zh-TW" dirty="0" err="1" smtClean="0"/>
+              <a:t>input = Input(shape=(784,))</a:t>
+            </a:r>
+          </a:p>
+          <a:p>
+            <a:r>
+              <a:rPr lang="en-US" altLang="zh-TW" dirty="0"/>
+              <a:t>x=Dense(256, activation= ‘</a:t>
+            </a:r>
+            <a:r>
+              <a:rPr lang="en-US" altLang="zh-TW" dirty="0" err="1"/>
               <a:t>Sigmod</a:t>
             </a:r>
             <a:r>
-              <a:rPr lang="en-US" altLang="zh-TW" dirty="0" smtClean="0"/>
+              <a:rPr lang="en-US" altLang="zh-TW" dirty="0"/>
               <a:t>’)(input)</a:t>
             </a:r>
           </a:p>
           <a:p>
             <a:r>
               <a:rPr lang="en-US" altLang="zh-TW" dirty="0"/>
-              <a:t>x</a:t>
-            </a:r>
-            <a:r>
-              <a:rPr lang="en-US" altLang="zh-TW" dirty="0" smtClean="0"/>
-              <a:t>=Dense(128, activation=‘</a:t>
-            </a:r>
-            <a:r>
-              <a:rPr lang="en-US" altLang="zh-TW" dirty="0" err="1" smtClean="0"/>
+              <a:t>x=Dense(128, activation=‘</a:t>
+            </a:r>
+            <a:r>
+              <a:rPr lang="en-US" altLang="zh-TW" dirty="0" err="1"/>
               <a:t>Sigmod</a:t>
             </a:r>
             <a:r>
-              <a:rPr lang="en-US" altLang="zh-TW" dirty="0" smtClean="0"/>
+              <a:rPr lang="en-US" altLang="zh-TW" dirty="0"/>
               <a:t>’)(x)</a:t>
             </a:r>
           </a:p>
           <a:p>
             <a:r>
               <a:rPr lang="en-US" altLang="zh-TW" dirty="0"/>
-              <a:t>x</a:t>
-            </a:r>
-            <a:r>
-              <a:rPr lang="en-US" altLang="zh-TW" dirty="0" smtClean="0"/>
-              <a:t>=Dropout(rate=0.5)(x)</a:t>
-            </a:r>
-          </a:p>
-          <a:p>
-            <a:r>
-              <a:rPr lang="en-US" altLang="zh-TW" dirty="0" smtClean="0"/>
+              <a:t>x=Dropout(rate=0.5)(x)</a:t>
+            </a:r>
+          </a:p>
+          <a:p>
+            <a:r>
+              <a:rPr lang="en-US" altLang="zh-TW" dirty="0"/>
               <a:t>x==Dense(10, activation=‘</a:t>
             </a:r>
             <a:r>
-              <a:rPr lang="en-US" altLang="zh-TW" dirty="0" err="1" smtClean="0"/>
+              <a:rPr lang="en-US" altLang="zh-TW" dirty="0" err="1"/>
               <a:t>softmax</a:t>
             </a:r>
             <a:r>
-              <a:rPr lang="en-US" altLang="zh-TW" dirty="0" smtClean="0"/>
+              <a:rPr lang="en-US" altLang="zh-TW" dirty="0"/>
               <a:t>’)(x)</a:t>
             </a:r>
           </a:p>
           <a:p>
             <a:r>
-              <a:rPr lang="en-US" altLang="zh-TW" dirty="0" smtClean="0"/>
+              <a:rPr lang="en-US" altLang="zh-TW" dirty="0"/>
               <a:t>model Model(inputs=input, outputs=x) </a:t>
             </a:r>
             <a:endParaRPr lang="zh-TW" altLang="en-US" dirty="0"/>
@@ -7779,7 +7832,7 @@
           <a:lstStyle/>
           <a:p>
             <a:r>
-              <a:rPr lang="en-US" altLang="zh-TW" dirty="0" smtClean="0"/>
+              <a:rPr lang="en-US" altLang="zh-TW" dirty="0"/>
               <a:t>Functional API</a:t>
             </a:r>
             <a:endParaRPr lang="zh-TW" altLang="en-US" dirty="0"/>
@@ -7812,7 +7865,7 @@
               <a:buAutoNum type="arabicPeriod"/>
             </a:pPr>
             <a:r>
-              <a:rPr lang="en-US" altLang="zh-TW" dirty="0" smtClean="0"/>
+              <a:rPr lang="en-US" altLang="zh-TW" dirty="0"/>
               <a:t>Input shape must be specified at input</a:t>
             </a:r>
           </a:p>
@@ -7821,7 +7874,7 @@
               <a:buAutoNum type="arabicPeriod"/>
             </a:pPr>
             <a:r>
-              <a:rPr lang="en-US" altLang="zh-TW" dirty="0" smtClean="0"/>
+              <a:rPr lang="en-US" altLang="zh-TW" dirty="0"/>
               <a:t>Using x as thread to link output to the input of the next layer</a:t>
             </a:r>
           </a:p>
@@ -7830,7 +7883,7 @@
               <a:buAutoNum type="arabicPeriod"/>
             </a:pPr>
             <a:r>
-              <a:rPr lang="en-US" altLang="zh-TW" dirty="0" smtClean="0"/>
+              <a:rPr lang="en-US" altLang="zh-TW" dirty="0"/>
               <a:t>Use model to specify the whole model including input and output</a:t>
             </a:r>
             <a:endParaRPr lang="zh-TW" altLang="en-US" dirty="0"/>
@@ -7904,7 +7957,7 @@
             <a:lstStyle/>
             <a:p>
               <a:r>
-                <a:rPr lang="en-US" altLang="zh-TW" dirty="0" smtClean="0"/>
+                <a:rPr lang="en-US" altLang="zh-TW" dirty="0"/>
                 <a:t>Residual block A</a:t>
               </a:r>
               <a:endParaRPr lang="zh-TW" altLang="en-US" dirty="0"/>
@@ -7946,7 +7999,7 @@
             <a:p>
               <a:pPr algn="ctr"/>
               <a:r>
-                <a:rPr lang="en-US" altLang="zh-TW" dirty="0" err="1" smtClean="0"/>
+                <a:rPr lang="en-US" altLang="zh-TW" dirty="0" err="1"/>
                 <a:t>BatchNormalixation</a:t>
               </a:r>
               <a:endParaRPr lang="zh-TW" altLang="en-US" dirty="0"/>
@@ -7988,7 +8041,7 @@
             <a:p>
               <a:pPr algn="ctr"/>
               <a:r>
-                <a:rPr lang="en-US" altLang="zh-TW" dirty="0" err="1" smtClean="0"/>
+                <a:rPr lang="en-US" altLang="zh-TW" dirty="0" err="1"/>
                 <a:t>ReLU</a:t>
               </a:r>
               <a:endParaRPr lang="zh-TW" altLang="en-US" dirty="0"/>
@@ -8030,7 +8083,7 @@
             <a:p>
               <a:pPr algn="ctr"/>
               <a:r>
-                <a:rPr lang="en-US" altLang="zh-TW" dirty="0" err="1" smtClean="0"/>
+                <a:rPr lang="en-US" altLang="zh-TW" dirty="0" err="1"/>
                 <a:t>Conv</a:t>
               </a:r>
               <a:endParaRPr lang="zh-TW" altLang="en-US" dirty="0"/>
@@ -8072,7 +8125,7 @@
             <a:p>
               <a:pPr algn="ctr"/>
               <a:r>
-                <a:rPr lang="en-US" altLang="zh-TW" dirty="0" err="1" smtClean="0"/>
+                <a:rPr lang="en-US" altLang="zh-TW" dirty="0" err="1"/>
                 <a:t>BatchNormalixation</a:t>
               </a:r>
               <a:endParaRPr lang="zh-TW" altLang="en-US" dirty="0"/>
@@ -8114,7 +8167,7 @@
             <a:p>
               <a:pPr algn="ctr"/>
               <a:r>
-                <a:rPr lang="en-US" altLang="zh-TW" dirty="0" err="1" smtClean="0"/>
+                <a:rPr lang="en-US" altLang="zh-TW" dirty="0" err="1"/>
                 <a:t>ReLU</a:t>
               </a:r>
               <a:endParaRPr lang="zh-TW" altLang="en-US" dirty="0"/>
@@ -8156,7 +8209,7 @@
             <a:p>
               <a:pPr algn="ctr"/>
               <a:r>
-                <a:rPr lang="en-US" altLang="zh-TW" dirty="0" err="1" smtClean="0"/>
+                <a:rPr lang="en-US" altLang="zh-TW" dirty="0" err="1"/>
                 <a:t>Conv</a:t>
               </a:r>
               <a:endParaRPr lang="zh-TW" altLang="en-US" dirty="0"/>
@@ -8198,7 +8251,7 @@
             <a:p>
               <a:pPr algn="ctr"/>
               <a:r>
-                <a:rPr lang="en-US" altLang="zh-TW" dirty="0" err="1" smtClean="0"/>
+                <a:rPr lang="en-US" altLang="zh-TW" dirty="0" err="1"/>
                 <a:t>BatchNormalixation</a:t>
               </a:r>
               <a:endParaRPr lang="zh-TW" altLang="en-US" dirty="0"/>
@@ -8240,7 +8293,7 @@
             <a:p>
               <a:pPr algn="ctr"/>
               <a:r>
-                <a:rPr lang="en-US" altLang="zh-TW" dirty="0" err="1" smtClean="0"/>
+                <a:rPr lang="en-US" altLang="zh-TW" dirty="0" err="1"/>
                 <a:t>ReLU</a:t>
               </a:r>
               <a:endParaRPr lang="zh-TW" altLang="en-US" dirty="0"/>
@@ -8282,7 +8335,7 @@
             <a:p>
               <a:pPr algn="ctr"/>
               <a:r>
-                <a:rPr lang="en-US" altLang="zh-TW" dirty="0" err="1" smtClean="0"/>
+                <a:rPr lang="en-US" altLang="zh-TW" dirty="0" err="1"/>
                 <a:t>Conv</a:t>
               </a:r>
               <a:endParaRPr lang="zh-TW" altLang="en-US" dirty="0"/>
@@ -8324,7 +8377,7 @@
             <a:p>
               <a:pPr algn="ctr"/>
               <a:r>
-                <a:rPr lang="en-US" altLang="zh-TW" dirty="0" smtClean="0"/>
+                <a:rPr lang="en-US" altLang="zh-TW" dirty="0"/>
                 <a:t>Add</a:t>
               </a:r>
               <a:endParaRPr lang="zh-TW" altLang="en-US" dirty="0"/>
@@ -8825,7 +8878,7 @@
             <a:lstStyle/>
             <a:p>
               <a:r>
-                <a:rPr lang="en-US" altLang="zh-TW" dirty="0" smtClean="0"/>
+                <a:rPr lang="en-US" altLang="zh-TW" dirty="0"/>
                 <a:t>Residual block B</a:t>
               </a:r>
               <a:endParaRPr lang="zh-TW" altLang="en-US" dirty="0"/>
@@ -8867,7 +8920,7 @@
             <a:p>
               <a:pPr algn="ctr"/>
               <a:r>
-                <a:rPr lang="en-US" altLang="zh-TW" dirty="0" err="1" smtClean="0"/>
+                <a:rPr lang="en-US" altLang="zh-TW" dirty="0" err="1"/>
                 <a:t>BatchNormalixation</a:t>
               </a:r>
               <a:endParaRPr lang="zh-TW" altLang="en-US" dirty="0"/>
@@ -8909,7 +8962,7 @@
             <a:p>
               <a:pPr algn="ctr"/>
               <a:r>
-                <a:rPr lang="en-US" altLang="zh-TW" dirty="0" err="1" smtClean="0"/>
+                <a:rPr lang="en-US" altLang="zh-TW" dirty="0" err="1"/>
                 <a:t>ReLU</a:t>
               </a:r>
               <a:endParaRPr lang="zh-TW" altLang="en-US" dirty="0"/>
@@ -8951,7 +9004,7 @@
             <a:p>
               <a:pPr algn="ctr"/>
               <a:r>
-                <a:rPr lang="en-US" altLang="zh-TW" dirty="0" err="1" smtClean="0"/>
+                <a:rPr lang="en-US" altLang="zh-TW" dirty="0" err="1"/>
                 <a:t>Conv</a:t>
               </a:r>
               <a:endParaRPr lang="zh-TW" altLang="en-US" dirty="0"/>
@@ -8993,7 +9046,7 @@
             <a:p>
               <a:pPr algn="ctr"/>
               <a:r>
-                <a:rPr lang="en-US" altLang="zh-TW" dirty="0" err="1" smtClean="0"/>
+                <a:rPr lang="en-US" altLang="zh-TW" dirty="0" err="1"/>
                 <a:t>BatchNormalixation</a:t>
               </a:r>
               <a:endParaRPr lang="zh-TW" altLang="en-US" dirty="0"/>
@@ -9035,7 +9088,7 @@
             <a:p>
               <a:pPr algn="ctr"/>
               <a:r>
-                <a:rPr lang="en-US" altLang="zh-TW" dirty="0" err="1" smtClean="0"/>
+                <a:rPr lang="en-US" altLang="zh-TW" dirty="0" err="1"/>
                 <a:t>ReLU</a:t>
               </a:r>
               <a:endParaRPr lang="zh-TW" altLang="en-US" dirty="0"/>
@@ -9077,7 +9130,7 @@
             <a:p>
               <a:pPr algn="ctr"/>
               <a:r>
-                <a:rPr lang="en-US" altLang="zh-TW" dirty="0" err="1" smtClean="0"/>
+                <a:rPr lang="en-US" altLang="zh-TW" dirty="0" err="1"/>
                 <a:t>Conv</a:t>
               </a:r>
               <a:endParaRPr lang="zh-TW" altLang="en-US" dirty="0"/>
@@ -9119,7 +9172,7 @@
             <a:p>
               <a:pPr algn="ctr"/>
               <a:r>
-                <a:rPr lang="en-US" altLang="zh-TW" dirty="0" err="1" smtClean="0"/>
+                <a:rPr lang="en-US" altLang="zh-TW" dirty="0" err="1"/>
                 <a:t>BatchNormalixation</a:t>
               </a:r>
               <a:endParaRPr lang="zh-TW" altLang="en-US" dirty="0"/>
@@ -9161,7 +9214,7 @@
             <a:p>
               <a:pPr algn="ctr"/>
               <a:r>
-                <a:rPr lang="en-US" altLang="zh-TW" dirty="0" err="1" smtClean="0"/>
+                <a:rPr lang="en-US" altLang="zh-TW" dirty="0" err="1"/>
                 <a:t>ReLU</a:t>
               </a:r>
               <a:endParaRPr lang="zh-TW" altLang="en-US" dirty="0"/>
@@ -9203,7 +9256,7 @@
             <a:p>
               <a:pPr algn="ctr"/>
               <a:r>
-                <a:rPr lang="en-US" altLang="zh-TW" dirty="0" err="1" smtClean="0"/>
+                <a:rPr lang="en-US" altLang="zh-TW" dirty="0" err="1"/>
                 <a:t>Conv</a:t>
               </a:r>
               <a:endParaRPr lang="zh-TW" altLang="en-US" dirty="0"/>
@@ -9245,7 +9298,7 @@
             <a:p>
               <a:pPr algn="ctr"/>
               <a:r>
-                <a:rPr lang="en-US" altLang="zh-TW" dirty="0" smtClean="0"/>
+                <a:rPr lang="en-US" altLang="zh-TW" dirty="0"/>
                 <a:t>Add</a:t>
               </a:r>
               <a:endParaRPr lang="zh-TW" altLang="en-US" dirty="0"/>
@@ -9806,7 +9859,7 @@
               <a:buChar char="§"/>
             </a:pPr>
             <a:r>
-              <a:rPr lang="en-US" altLang="zh-TW" sz="2400" dirty="0" smtClean="0">
+              <a:rPr lang="en-US" altLang="zh-TW" sz="2400" dirty="0">
                 <a:solidFill>
                   <a:schemeClr val="tx1">
                     <a:lumMod val="95000"/>
@@ -9853,49 +9906,8 @@
                   </a:schemeClr>
                 </a:solidFill>
               </a:rPr>
-              <a:t>Residual Block </a:t>
-            </a:r>
-            <a:r>
-              <a:rPr lang="en-US" altLang="zh-TW" sz="2400" dirty="0" smtClean="0">
-                <a:solidFill>
-                  <a:schemeClr val="tx1">
-                    <a:lumMod val="95000"/>
-                    <a:lumOff val="5000"/>
-                  </a:schemeClr>
-                </a:solidFill>
-              </a:rPr>
-              <a:t>B </a:t>
-            </a:r>
-            <a:r>
-              <a:rPr lang="en-US" altLang="zh-TW" sz="2400" dirty="0">
-                <a:solidFill>
-                  <a:schemeClr val="tx1">
-                    <a:lumMod val="95000"/>
-                    <a:lumOff val="5000"/>
-                  </a:schemeClr>
-                </a:solidFill>
-              </a:rPr>
-              <a:t>(16,1,1 -&gt;16,3,1-&gt;64,1,1) X </a:t>
-            </a:r>
-            <a:r>
-              <a:rPr lang="en-US" altLang="zh-TW" sz="2400" dirty="0" smtClean="0">
-                <a:solidFill>
-                  <a:schemeClr val="tx1">
-                    <a:lumMod val="95000"/>
-                    <a:lumOff val="5000"/>
-                  </a:schemeClr>
-                </a:solidFill>
-              </a:rPr>
-              <a:t>17</a:t>
-            </a:r>
-            <a:endParaRPr lang="en-US" altLang="zh-TW" sz="2400" dirty="0">
-              <a:solidFill>
-                <a:schemeClr val="tx1">
-                  <a:lumMod val="95000"/>
-                  <a:lumOff val="5000"/>
-                </a:schemeClr>
-              </a:solidFill>
-            </a:endParaRPr>
+              <a:t>Residual Block B (16,1,1 -&gt;16,3,1-&gt;64,1,1) X 17</a:t>
+            </a:r>
           </a:p>
           <a:p>
             <a:pPr marL="342900" indent="-342900">
@@ -9933,29 +9945,7 @@
                   </a:schemeClr>
                 </a:solidFill>
               </a:rPr>
-              <a:t>Residual Block A </a:t>
-            </a:r>
-            <a:r>
-              <a:rPr lang="en-US" altLang="zh-TW" sz="2400" dirty="0" smtClean="0">
-                <a:solidFill>
-                  <a:schemeClr val="tx1">
-                    <a:lumMod val="95000"/>
-                    <a:lumOff val="5000"/>
-                  </a:schemeClr>
-                </a:solidFill>
-              </a:rPr>
-              <a:t>(32,1,2 -&gt;32,3,1-&gt;128,1,1</a:t>
-            </a:r>
-            <a:r>
-              <a:rPr lang="en-US" altLang="zh-TW" sz="2400" dirty="0">
-                <a:solidFill>
-                  <a:schemeClr val="tx1">
-                    <a:lumMod val="95000"/>
-                    <a:lumOff val="5000"/>
-                  </a:schemeClr>
-                </a:solidFill>
-              </a:rPr>
-              <a:t>) X 1</a:t>
+              <a:t>Residual Block A (32,1,2 -&gt;32,3,1-&gt;128,1,1) X 1</a:t>
             </a:r>
           </a:p>
           <a:p>
@@ -9994,62 +9984,7 @@
                   </a:schemeClr>
                 </a:solidFill>
               </a:rPr>
-              <a:t>Residual Block </a:t>
-            </a:r>
-            <a:r>
-              <a:rPr lang="en-US" altLang="zh-TW" sz="2400" dirty="0" smtClean="0">
-                <a:solidFill>
-                  <a:schemeClr val="tx1">
-                    <a:lumMod val="95000"/>
-                    <a:lumOff val="5000"/>
-                  </a:schemeClr>
-                </a:solidFill>
-              </a:rPr>
-              <a:t>B </a:t>
-            </a:r>
-            <a:r>
-              <a:rPr lang="en-US" altLang="zh-TW" sz="2400" dirty="0">
-                <a:solidFill>
-                  <a:schemeClr val="tx1">
-                    <a:lumMod val="95000"/>
-                    <a:lumOff val="5000"/>
-                  </a:schemeClr>
-                </a:solidFill>
-              </a:rPr>
-              <a:t>(</a:t>
-            </a:r>
-            <a:r>
-              <a:rPr lang="en-US" altLang="zh-TW" sz="2400" dirty="0" smtClean="0">
-                <a:solidFill>
-                  <a:schemeClr val="tx1">
-                    <a:lumMod val="95000"/>
-                    <a:lumOff val="5000"/>
-                  </a:schemeClr>
-                </a:solidFill>
-              </a:rPr>
-              <a:t>32,1,1 </a:t>
-            </a:r>
-            <a:r>
-              <a:rPr lang="en-US" altLang="zh-TW" sz="2400" dirty="0">
-                <a:solidFill>
-                  <a:schemeClr val="tx1">
-                    <a:lumMod val="95000"/>
-                    <a:lumOff val="5000"/>
-                  </a:schemeClr>
-                </a:solidFill>
-              </a:rPr>
-              <a:t>-&gt;32,3,1-&gt;128,1,1) X </a:t>
-            </a:r>
-            <a:r>
-              <a:rPr lang="en-US" altLang="zh-TW" sz="2400" dirty="0" smtClean="0">
-                <a:solidFill>
-                  <a:schemeClr val="tx1">
-                    <a:lumMod val="95000"/>
-                    <a:lumOff val="5000"/>
-                  </a:schemeClr>
-                </a:solidFill>
-              </a:rPr>
-              <a:t>17</a:t>
+              <a:t>Residual Block B (32,1,1 -&gt;32,3,1-&gt;128,1,1) X 17</a:t>
             </a:r>
           </a:p>
           <a:p>
@@ -10088,29 +10023,7 @@
                   </a:schemeClr>
                 </a:solidFill>
               </a:rPr>
-              <a:t>Residual Block A </a:t>
-            </a:r>
-            <a:r>
-              <a:rPr lang="en-US" altLang="zh-TW" sz="2400" dirty="0" smtClean="0">
-                <a:solidFill>
-                  <a:schemeClr val="tx1">
-                    <a:lumMod val="95000"/>
-                    <a:lumOff val="5000"/>
-                  </a:schemeClr>
-                </a:solidFill>
-              </a:rPr>
-              <a:t>(64,1,2 -&gt;64,3,1-&gt;256,1,1</a:t>
-            </a:r>
-            <a:r>
-              <a:rPr lang="en-US" altLang="zh-TW" sz="2400" dirty="0">
-                <a:solidFill>
-                  <a:schemeClr val="tx1">
-                    <a:lumMod val="95000"/>
-                    <a:lumOff val="5000"/>
-                  </a:schemeClr>
-                </a:solidFill>
-              </a:rPr>
-              <a:t>) X 1</a:t>
+              <a:t>Residual Block A (64,1,2 -&gt;64,3,1-&gt;256,1,1) X 1</a:t>
             </a:r>
           </a:p>
           <a:p>
@@ -10149,48 +10062,8 @@
                   </a:schemeClr>
                 </a:solidFill>
               </a:rPr>
-              <a:t>Residual Block B </a:t>
-            </a:r>
-            <a:r>
-              <a:rPr lang="en-US" altLang="zh-TW" sz="2400" dirty="0" smtClean="0">
-                <a:solidFill>
-                  <a:schemeClr val="tx1">
-                    <a:lumMod val="95000"/>
-                    <a:lumOff val="5000"/>
-                  </a:schemeClr>
-                </a:solidFill>
-              </a:rPr>
-              <a:t>(64,1,1 -&gt;64,3,1-&gt;256,1,1</a:t>
-            </a:r>
-            <a:r>
-              <a:rPr lang="en-US" altLang="zh-TW" sz="2400" dirty="0">
-                <a:solidFill>
-                  <a:schemeClr val="tx1">
-                    <a:lumMod val="95000"/>
-                    <a:lumOff val="5000"/>
-                  </a:schemeClr>
-                </a:solidFill>
-              </a:rPr>
-              <a:t>) X 17</a:t>
-            </a:r>
-          </a:p>
-          <a:p>
-            <a:pPr marL="342900" indent="-342900">
-              <a:buClr>
-                <a:srgbClr val="C00000"/>
-              </a:buClr>
-              <a:buSzPct val="166000"/>
-              <a:buFont typeface="Wingdings" panose="05000000000000000000" pitchFamily="2" charset="2"/>
-              <a:buChar char="§"/>
-            </a:pPr>
-            <a:endParaRPr lang="en-US" altLang="zh-TW" sz="2400" dirty="0" smtClean="0">
-              <a:solidFill>
-                <a:schemeClr val="tx1">
-                  <a:lumMod val="95000"/>
-                  <a:lumOff val="5000"/>
-                </a:schemeClr>
-              </a:solidFill>
-            </a:endParaRPr>
+              <a:t>Residual Block B (64,1,1 -&gt;64,3,1-&gt;256,1,1) X 17</a:t>
+            </a:r>
           </a:p>
           <a:p>
             <a:pPr marL="342900" indent="-342900">
@@ -10219,8 +10092,26 @@
               <a:buFont typeface="Wingdings" panose="05000000000000000000" pitchFamily="2" charset="2"/>
               <a:buChar char="§"/>
             </a:pPr>
-            <a:r>
-              <a:rPr lang="en-US" altLang="zh-TW" sz="2400" dirty="0" smtClean="0">
+            <a:endParaRPr lang="en-US" altLang="zh-TW" sz="2400" dirty="0">
+              <a:solidFill>
+                <a:schemeClr val="tx1">
+                  <a:lumMod val="95000"/>
+                  <a:lumOff val="5000"/>
+                </a:schemeClr>
+              </a:solidFill>
+            </a:endParaRPr>
+          </a:p>
+          <a:p>
+            <a:pPr marL="342900" indent="-342900">
+              <a:buClr>
+                <a:srgbClr val="C00000"/>
+              </a:buClr>
+              <a:buSzPct val="166000"/>
+              <a:buFont typeface="Wingdings" panose="05000000000000000000" pitchFamily="2" charset="2"/>
+              <a:buChar char="§"/>
+            </a:pPr>
+            <a:r>
+              <a:rPr lang="en-US" altLang="zh-TW" sz="2400" dirty="0">
                 <a:solidFill>
                   <a:schemeClr val="tx1">
                     <a:lumMod val="95000"/>
@@ -10231,7 +10122,7 @@
               <a:t>Note that </a:t>
             </a:r>
             <a:r>
-              <a:rPr lang="en-US" altLang="zh-TW" sz="2400" dirty="0" err="1" smtClean="0">
+              <a:rPr lang="en-US" altLang="zh-TW" sz="2400" dirty="0" err="1">
                 <a:solidFill>
                   <a:schemeClr val="tx1">
                     <a:lumMod val="95000"/>
@@ -10242,7 +10133,7 @@
               <a:t>conv</a:t>
             </a:r>
             <a:r>
-              <a:rPr lang="en-US" altLang="zh-TW" sz="2400" dirty="0" smtClean="0">
+              <a:rPr lang="en-US" altLang="zh-TW" sz="2400" dirty="0">
                 <a:solidFill>
                   <a:schemeClr val="tx1">
                     <a:lumMod val="95000"/>
@@ -10252,14 +10143,6 @@
               </a:rPr>
               <a:t>(16, 1,1):  16---number of filters, 1---filter dim., 1---step size </a:t>
             </a:r>
-            <a:endParaRPr lang="en-US" altLang="zh-TW" sz="2400" dirty="0">
-              <a:solidFill>
-                <a:schemeClr val="tx1">
-                  <a:lumMod val="95000"/>
-                  <a:lumOff val="5000"/>
-                </a:schemeClr>
-              </a:solidFill>
-            </a:endParaRPr>
           </a:p>
           <a:p>
             <a:pPr marL="342900" indent="-342900">
@@ -10304,7 +10187,7 @@
           <a:lstStyle/>
           <a:p>
             <a:r>
-              <a:rPr lang="en-US" sz="3600" b="1" dirty="0" smtClean="0">
+              <a:rPr lang="en-US" sz="3600" b="1" dirty="0">
                 <a:solidFill>
                   <a:schemeClr val="accent1">
                     <a:lumMod val="75000"/>
@@ -10315,15 +10198,6 @@
               </a:rPr>
               <a:t>The model</a:t>
             </a:r>
-            <a:endParaRPr lang="en-US" sz="3600" b="1" dirty="0">
-              <a:solidFill>
-                <a:schemeClr val="accent1">
-                  <a:lumMod val="75000"/>
-                </a:schemeClr>
-              </a:solidFill>
-              <a:latin typeface="Arial" panose="020B0604020202020204" pitchFamily="34" charset="0"/>
-              <a:cs typeface="Arial" panose="020B0604020202020204" pitchFamily="34" charset="0"/>
-            </a:endParaRPr>
           </a:p>
         </p:txBody>
       </p:sp>
@@ -10337,13 +10211,6 @@
   <p:clrMapOvr>
     <a:masterClrMapping/>
   </p:clrMapOvr>
-  <p:timing>
-    <p:tnLst>
-      <p:par>
-        <p:cTn id="1" dur="indefinite" restart="never" nodeType="tmRoot"/>
-      </p:par>
-    </p:tnLst>
-  </p:timing>
 </p:sld>
 </file>
 
@@ -10401,7 +10268,7 @@
             <a:lstStyle/>
             <a:p>
               <a:r>
-                <a:rPr lang="en-US" altLang="zh-TW" dirty="0" smtClean="0"/>
+                <a:rPr lang="en-US" altLang="zh-TW" dirty="0"/>
                 <a:t>Residual block A</a:t>
               </a:r>
               <a:endParaRPr lang="zh-TW" altLang="en-US" dirty="0"/>
@@ -10443,7 +10310,7 @@
             <a:p>
               <a:pPr algn="ctr"/>
               <a:r>
-                <a:rPr lang="en-US" altLang="zh-TW" dirty="0" err="1" smtClean="0"/>
+                <a:rPr lang="en-US" altLang="zh-TW" dirty="0" err="1"/>
                 <a:t>BatchNormalixation</a:t>
               </a:r>
               <a:endParaRPr lang="zh-TW" altLang="en-US" dirty="0"/>
@@ -10485,7 +10352,7 @@
             <a:p>
               <a:pPr algn="ctr"/>
               <a:r>
-                <a:rPr lang="en-US" altLang="zh-TW" dirty="0" err="1" smtClean="0"/>
+                <a:rPr lang="en-US" altLang="zh-TW" dirty="0" err="1"/>
                 <a:t>ReLU</a:t>
               </a:r>
               <a:endParaRPr lang="zh-TW" altLang="en-US" dirty="0"/>
@@ -10527,7 +10394,7 @@
             <a:p>
               <a:pPr algn="ctr"/>
               <a:r>
-                <a:rPr lang="en-US" altLang="zh-TW" dirty="0" err="1" smtClean="0"/>
+                <a:rPr lang="en-US" altLang="zh-TW" dirty="0" err="1"/>
                 <a:t>Conv</a:t>
               </a:r>
               <a:endParaRPr lang="zh-TW" altLang="en-US" dirty="0"/>
@@ -10569,7 +10436,7 @@
             <a:p>
               <a:pPr algn="ctr"/>
               <a:r>
-                <a:rPr lang="en-US" altLang="zh-TW" dirty="0" err="1" smtClean="0"/>
+                <a:rPr lang="en-US" altLang="zh-TW" dirty="0" err="1"/>
                 <a:t>BatchNormalixation</a:t>
               </a:r>
               <a:endParaRPr lang="zh-TW" altLang="en-US" dirty="0"/>
@@ -10611,7 +10478,7 @@
             <a:p>
               <a:pPr algn="ctr"/>
               <a:r>
-                <a:rPr lang="en-US" altLang="zh-TW" dirty="0" err="1" smtClean="0"/>
+                <a:rPr lang="en-US" altLang="zh-TW" dirty="0" err="1"/>
                 <a:t>ReLU</a:t>
               </a:r>
               <a:endParaRPr lang="zh-TW" altLang="en-US" dirty="0"/>
@@ -10653,7 +10520,7 @@
             <a:p>
               <a:pPr algn="ctr"/>
               <a:r>
-                <a:rPr lang="en-US" altLang="zh-TW" dirty="0" err="1" smtClean="0"/>
+                <a:rPr lang="en-US" altLang="zh-TW" dirty="0" err="1"/>
                 <a:t>Conv</a:t>
               </a:r>
               <a:endParaRPr lang="zh-TW" altLang="en-US" dirty="0"/>
@@ -10695,7 +10562,7 @@
             <a:p>
               <a:pPr algn="ctr"/>
               <a:r>
-                <a:rPr lang="en-US" altLang="zh-TW" dirty="0" err="1" smtClean="0"/>
+                <a:rPr lang="en-US" altLang="zh-TW" dirty="0" err="1"/>
                 <a:t>BatchNormalixation</a:t>
               </a:r>
               <a:endParaRPr lang="zh-TW" altLang="en-US" dirty="0"/>
@@ -10737,7 +10604,7 @@
             <a:p>
               <a:pPr algn="ctr"/>
               <a:r>
-                <a:rPr lang="en-US" altLang="zh-TW" dirty="0" err="1" smtClean="0"/>
+                <a:rPr lang="en-US" altLang="zh-TW" dirty="0" err="1"/>
                 <a:t>ReLU</a:t>
               </a:r>
               <a:endParaRPr lang="zh-TW" altLang="en-US" dirty="0"/>
@@ -10779,7 +10646,7 @@
             <a:p>
               <a:pPr algn="ctr"/>
               <a:r>
-                <a:rPr lang="en-US" altLang="zh-TW" dirty="0" err="1" smtClean="0"/>
+                <a:rPr lang="en-US" altLang="zh-TW" dirty="0" err="1"/>
                 <a:t>Conv</a:t>
               </a:r>
               <a:endParaRPr lang="zh-TW" altLang="en-US" dirty="0"/>
@@ -10821,7 +10688,7 @@
             <a:p>
               <a:pPr algn="ctr"/>
               <a:r>
-                <a:rPr lang="en-US" altLang="zh-TW" dirty="0" smtClean="0"/>
+                <a:rPr lang="en-US" altLang="zh-TW" dirty="0"/>
                 <a:t>Add</a:t>
               </a:r>
               <a:endParaRPr lang="zh-TW" altLang="en-US" dirty="0"/>
@@ -11278,14 +11145,10 @@
           <a:p>
             <a:r>
               <a:rPr lang="en-US" altLang="zh-TW" dirty="0"/>
-              <a:t># </a:t>
-            </a:r>
-            <a:r>
-              <a:rPr lang="en-US" altLang="zh-TW" dirty="0" smtClean="0"/>
-              <a:t>Block</a:t>
-            </a:r>
-            <a:r>
-              <a:rPr lang="zh-TW" altLang="en-US" dirty="0" smtClean="0"/>
+              <a:t># Block</a:t>
+            </a:r>
+            <a:r>
+              <a:rPr lang="zh-TW" altLang="en-US" dirty="0"/>
               <a:t> </a:t>
             </a:r>
             <a:r>
@@ -11381,16 +11244,12 @@
               <a:t>        # </a:t>
             </a:r>
             <a:r>
-              <a:rPr lang="en-US" altLang="zh-TW" dirty="0" err="1" smtClean="0"/>
+              <a:rPr lang="en-US" altLang="zh-TW" dirty="0" err="1"/>
               <a:t>conv</a:t>
             </a:r>
             <a:r>
-              <a:rPr lang="zh-TW" altLang="en-US" dirty="0" smtClean="0"/>
-              <a:t> </a:t>
-            </a:r>
-            <a:r>
               <a:rPr lang="zh-TW" altLang="en-US" dirty="0"/>
-              <a:t>→ </a:t>
+              <a:t> → </a:t>
             </a:r>
             <a:r>
               <a:rPr lang="en-US" altLang="zh-TW" dirty="0"/>
@@ -11464,16 +11323,12 @@
               <a:t>        # </a:t>
             </a:r>
             <a:r>
-              <a:rPr lang="en-US" altLang="zh-TW" dirty="0" err="1" smtClean="0"/>
+              <a:rPr lang="en-US" altLang="zh-TW" dirty="0" err="1"/>
               <a:t>conv</a:t>
             </a:r>
             <a:r>
-              <a:rPr lang="zh-TW" altLang="en-US" dirty="0" smtClean="0"/>
-              <a:t> </a:t>
-            </a:r>
-            <a:r>
               <a:rPr lang="zh-TW" altLang="en-US" dirty="0"/>
-              <a:t>→ </a:t>
+              <a:t> → </a:t>
             </a:r>
             <a:r>
               <a:rPr lang="en-US" altLang="zh-TW" dirty="0"/>
@@ -11536,14 +11391,13 @@
               <a:t>        # </a:t>
             </a:r>
             <a:r>
-              <a:rPr lang="en-US" altLang="zh-TW" dirty="0" err="1" smtClean="0"/>
+              <a:rPr lang="en-US" altLang="zh-TW" dirty="0" err="1"/>
               <a:t>conv</a:t>
             </a:r>
             <a:r>
-              <a:rPr lang="zh-TW" altLang="en-US" dirty="0" smtClean="0"/>
+              <a:rPr lang="zh-TW" altLang="en-US" dirty="0"/>
               <a:t>→</a:t>
             </a:r>
-            <a:endParaRPr lang="zh-TW" altLang="en-US" dirty="0"/>
           </a:p>
           <a:p>
             <a:r>
@@ -11569,16 +11423,12 @@
           <a:p>
             <a:r>
               <a:rPr lang="en-US" altLang="zh-TW" dirty="0"/>
-              <a:t>        # </a:t>
-            </a:r>
-            <a:r>
-              <a:rPr lang="en-US" altLang="zh-TW" dirty="0" smtClean="0"/>
-              <a:t>adjust shape </a:t>
-            </a:r>
-          </a:p>
-          <a:p>
-            <a:r>
-              <a:rPr lang="zh-TW" altLang="en-US" dirty="0" smtClean="0"/>
+              <a:t>        # adjust shape </a:t>
+            </a:r>
+          </a:p>
+          <a:p>
+            <a:r>
+              <a:rPr lang="zh-TW" altLang="en-US" dirty="0"/>
               <a:t>        </a:t>
             </a:r>
             <a:r>
@@ -11705,7 +11555,7 @@
             <a:lstStyle/>
             <a:p>
               <a:r>
-                <a:rPr lang="en-US" altLang="zh-TW" dirty="0" smtClean="0"/>
+                <a:rPr lang="en-US" altLang="zh-TW" dirty="0"/>
                 <a:t>Residual block B</a:t>
               </a:r>
               <a:endParaRPr lang="zh-TW" altLang="en-US" dirty="0"/>
@@ -11747,7 +11597,7 @@
             <a:p>
               <a:pPr algn="ctr"/>
               <a:r>
-                <a:rPr lang="en-US" altLang="zh-TW" dirty="0" err="1" smtClean="0"/>
+                <a:rPr lang="en-US" altLang="zh-TW" dirty="0" err="1"/>
                 <a:t>BatchNormalixation</a:t>
               </a:r>
               <a:endParaRPr lang="zh-TW" altLang="en-US" dirty="0"/>
@@ -11789,7 +11639,7 @@
             <a:p>
               <a:pPr algn="ctr"/>
               <a:r>
-                <a:rPr lang="en-US" altLang="zh-TW" dirty="0" err="1" smtClean="0"/>
+                <a:rPr lang="en-US" altLang="zh-TW" dirty="0" err="1"/>
                 <a:t>ReLU</a:t>
               </a:r>
               <a:endParaRPr lang="zh-TW" altLang="en-US" dirty="0"/>
@@ -11831,7 +11681,7 @@
             <a:p>
               <a:pPr algn="ctr"/>
               <a:r>
-                <a:rPr lang="en-US" altLang="zh-TW" dirty="0" err="1" smtClean="0"/>
+                <a:rPr lang="en-US" altLang="zh-TW" dirty="0" err="1"/>
                 <a:t>Conv</a:t>
               </a:r>
               <a:endParaRPr lang="zh-TW" altLang="en-US" dirty="0"/>
@@ -11873,7 +11723,7 @@
             <a:p>
               <a:pPr algn="ctr"/>
               <a:r>
-                <a:rPr lang="en-US" altLang="zh-TW" dirty="0" err="1" smtClean="0"/>
+                <a:rPr lang="en-US" altLang="zh-TW" dirty="0" err="1"/>
                 <a:t>BatchNormalixation</a:t>
               </a:r>
               <a:endParaRPr lang="zh-TW" altLang="en-US" dirty="0"/>
@@ -11915,7 +11765,7 @@
             <a:p>
               <a:pPr algn="ctr"/>
               <a:r>
-                <a:rPr lang="en-US" altLang="zh-TW" dirty="0" err="1" smtClean="0"/>
+                <a:rPr lang="en-US" altLang="zh-TW" dirty="0" err="1"/>
                 <a:t>ReLU</a:t>
               </a:r>
               <a:endParaRPr lang="zh-TW" altLang="en-US" dirty="0"/>
@@ -11957,7 +11807,7 @@
             <a:p>
               <a:pPr algn="ctr"/>
               <a:r>
-                <a:rPr lang="en-US" altLang="zh-TW" dirty="0" err="1" smtClean="0"/>
+                <a:rPr lang="en-US" altLang="zh-TW" dirty="0" err="1"/>
                 <a:t>Conv</a:t>
               </a:r>
               <a:endParaRPr lang="zh-TW" altLang="en-US" dirty="0"/>
@@ -11999,7 +11849,7 @@
             <a:p>
               <a:pPr algn="ctr"/>
               <a:r>
-                <a:rPr lang="en-US" altLang="zh-TW" dirty="0" err="1" smtClean="0"/>
+                <a:rPr lang="en-US" altLang="zh-TW" dirty="0" err="1"/>
                 <a:t>BatchNormalixation</a:t>
               </a:r>
               <a:endParaRPr lang="zh-TW" altLang="en-US" dirty="0"/>
@@ -12041,7 +11891,7 @@
             <a:p>
               <a:pPr algn="ctr"/>
               <a:r>
-                <a:rPr lang="en-US" altLang="zh-TW" dirty="0" err="1" smtClean="0"/>
+                <a:rPr lang="en-US" altLang="zh-TW" dirty="0" err="1"/>
                 <a:t>ReLU</a:t>
               </a:r>
               <a:endParaRPr lang="zh-TW" altLang="en-US" dirty="0"/>
@@ -12083,7 +11933,7 @@
             <a:p>
               <a:pPr algn="ctr"/>
               <a:r>
-                <a:rPr lang="en-US" altLang="zh-TW" dirty="0" err="1" smtClean="0"/>
+                <a:rPr lang="en-US" altLang="zh-TW" dirty="0" err="1"/>
                 <a:t>Conv</a:t>
               </a:r>
               <a:endParaRPr lang="zh-TW" altLang="en-US" dirty="0"/>
@@ -12125,7 +11975,7 @@
             <a:p>
               <a:pPr algn="ctr"/>
               <a:r>
-                <a:rPr lang="en-US" altLang="zh-TW" dirty="0" smtClean="0"/>
+                <a:rPr lang="en-US" altLang="zh-TW" dirty="0"/>
                 <a:t>Add</a:t>
               </a:r>
               <a:endParaRPr lang="zh-TW" altLang="en-US" dirty="0"/>
@@ -12582,13 +12432,8 @@
           <a:p>
             <a:r>
               <a:rPr lang="en-US" altLang="zh-TW" dirty="0"/>
-              <a:t># </a:t>
-            </a:r>
-            <a:r>
-              <a:rPr lang="en-US" altLang="zh-TW" dirty="0" smtClean="0"/>
-              <a:t>Block B</a:t>
-            </a:r>
-            <a:endParaRPr lang="en-US" altLang="zh-TW" dirty="0"/>
+              <a:t># Block B</a:t>
+            </a:r>
           </a:p>
           <a:p>
             <a:r>
@@ -12693,11 +12538,11 @@
               <a:t>        # </a:t>
             </a:r>
             <a:r>
-              <a:rPr lang="en-US" altLang="zh-TW" dirty="0" err="1" smtClean="0"/>
+              <a:rPr lang="en-US" altLang="zh-TW" dirty="0" err="1"/>
               <a:t>conv</a:t>
             </a:r>
             <a:r>
-              <a:rPr lang="zh-TW" altLang="en-US" dirty="0" smtClean="0"/>
+              <a:rPr lang="zh-TW" altLang="en-US" dirty="0"/>
               <a:t>→ </a:t>
             </a:r>
             <a:r>
@@ -12764,11 +12609,11 @@
               <a:t>        # </a:t>
             </a:r>
             <a:r>
-              <a:rPr lang="en-US" altLang="zh-TW" dirty="0" err="1" smtClean="0"/>
+              <a:rPr lang="en-US" altLang="zh-TW" dirty="0" err="1"/>
               <a:t>conv</a:t>
             </a:r>
             <a:r>
-              <a:rPr lang="zh-TW" altLang="en-US" dirty="0" smtClean="0"/>
+              <a:rPr lang="zh-TW" altLang="en-US" dirty="0"/>
               <a:t>→ </a:t>
             </a:r>
             <a:r>
@@ -12835,14 +12680,13 @@
               <a:t>        # </a:t>
             </a:r>
             <a:r>
-              <a:rPr lang="en-US" altLang="zh-TW" dirty="0" err="1" smtClean="0"/>
+              <a:rPr lang="en-US" altLang="zh-TW" dirty="0" err="1"/>
               <a:t>conv</a:t>
             </a:r>
             <a:r>
-              <a:rPr lang="zh-TW" altLang="en-US" dirty="0" smtClean="0"/>
+              <a:rPr lang="zh-TW" altLang="en-US" dirty="0"/>
               <a:t>→</a:t>
             </a:r>
-            <a:endParaRPr lang="zh-TW" altLang="en-US" dirty="0"/>
           </a:p>
           <a:p>
             <a:r>
@@ -12946,23 +12790,19 @@
           <a:lstStyle/>
           <a:p>
             <a:r>
-              <a:rPr lang="en-US" altLang="zh-TW" dirty="0" smtClean="0"/>
+              <a:rPr lang="en-US" altLang="zh-TW" dirty="0"/>
               <a:t>Construct block</a:t>
             </a:r>
             <a:r>
-              <a:rPr lang="zh-TW" altLang="en-US" dirty="0" smtClean="0"/>
+              <a:rPr lang="zh-TW" altLang="en-US" dirty="0"/>
               <a:t> </a:t>
             </a:r>
             <a:r>
               <a:rPr lang="en-US" altLang="zh-TW" dirty="0"/>
-              <a:t>A×1 </a:t>
-            </a:r>
-            <a:r>
-              <a:rPr lang="en-US" altLang="zh-TW" dirty="0" smtClean="0"/>
-              <a:t>Block </a:t>
-            </a:r>
-            <a:r>
-              <a:rPr lang="zh-TW" altLang="en-US" dirty="0" smtClean="0"/>
+              <a:t>A×1 Block </a:t>
+            </a:r>
+            <a:r>
+              <a:rPr lang="zh-TW" altLang="en-US" dirty="0"/>
               <a:t> </a:t>
             </a:r>
             <a:r>
@@ -13248,7 +13088,7 @@
               <a:buChar char="•"/>
             </a:pPr>
             <a:r>
-              <a:rPr lang="en-US" sz="2400" dirty="0" err="1" smtClean="0">
+              <a:rPr lang="en-US" sz="2400" dirty="0" err="1">
                 <a:solidFill>
                   <a:schemeClr val="tx1">
                     <a:lumMod val="95000"/>
@@ -13259,7 +13099,51 @@
               <a:t>ResNet</a:t>
             </a:r>
             <a:r>
-              <a:rPr lang="en-US" sz="2400" dirty="0" smtClean="0">
+              <a:rPr lang="en-US" sz="2400" dirty="0">
+                <a:solidFill>
+                  <a:schemeClr val="tx1">
+                    <a:lumMod val="95000"/>
+                    <a:lumOff val="5000"/>
+                  </a:schemeClr>
+                </a:solidFill>
+              </a:rPr>
+              <a:t> : </a:t>
+            </a:r>
+            <a:r>
+              <a:rPr lang="en-US" sz="2400" dirty="0" err="1">
+                <a:solidFill>
+                  <a:schemeClr val="tx1">
+                    <a:lumMod val="95000"/>
+                    <a:lumOff val="5000"/>
+                  </a:schemeClr>
+                </a:solidFill>
+              </a:rPr>
+              <a:t>Kaiming</a:t>
+            </a:r>
+            <a:r>
+              <a:rPr lang="en-US" sz="2400" dirty="0">
+                <a:solidFill>
+                  <a:schemeClr val="tx1">
+                    <a:lumMod val="95000"/>
+                    <a:lumOff val="5000"/>
+                  </a:schemeClr>
+                </a:solidFill>
+              </a:rPr>
+              <a:t> He, </a:t>
+            </a:r>
+            <a:r>
+              <a:rPr lang="en-US" sz="2400" dirty="0" err="1">
+                <a:solidFill>
+                  <a:schemeClr val="tx1">
+                    <a:lumMod val="95000"/>
+                    <a:lumOff val="5000"/>
+                  </a:schemeClr>
+                </a:solidFill>
+              </a:rPr>
+              <a:t>Xiangyu</a:t>
+            </a:r>
+            <a:r>
+              <a:rPr lang="en-US" sz="2400" dirty="0">
                 <a:solidFill>
                   <a:schemeClr val="tx1">
                     <a:lumMod val="95000"/>
@@ -13270,62 +13154,7 @@
               <a:t> </a:t>
             </a:r>
             <a:r>
-              <a:rPr lang="en-US" sz="2400" dirty="0" smtClean="0">
-                <a:solidFill>
-                  <a:schemeClr val="tx1">
-                    <a:lumMod val="95000"/>
-                    <a:lumOff val="5000"/>
-                  </a:schemeClr>
-                </a:solidFill>
-              </a:rPr>
-              <a:t>: </a:t>
-            </a:r>
-            <a:r>
-              <a:rPr lang="en-US" sz="2400" dirty="0" err="1" smtClean="0">
-                <a:solidFill>
-                  <a:schemeClr val="tx1">
-                    <a:lumMod val="95000"/>
-                    <a:lumOff val="5000"/>
-                  </a:schemeClr>
-                </a:solidFill>
-              </a:rPr>
-              <a:t>Kaiming</a:t>
-            </a:r>
-            <a:r>
-              <a:rPr lang="en-US" sz="2400" dirty="0" smtClean="0">
-                <a:solidFill>
-                  <a:schemeClr val="tx1">
-                    <a:lumMod val="95000"/>
-                    <a:lumOff val="5000"/>
-                  </a:schemeClr>
-                </a:solidFill>
-              </a:rPr>
-              <a:t> He, </a:t>
-            </a:r>
-            <a:r>
-              <a:rPr lang="en-US" sz="2400" dirty="0" err="1" smtClean="0">
-                <a:solidFill>
-                  <a:schemeClr val="tx1">
-                    <a:lumMod val="95000"/>
-                    <a:lumOff val="5000"/>
-                  </a:schemeClr>
-                </a:solidFill>
-              </a:rPr>
-              <a:t>Xiangyu</a:t>
-            </a:r>
-            <a:r>
-              <a:rPr lang="en-US" sz="2400" dirty="0" smtClean="0">
-                <a:solidFill>
-                  <a:schemeClr val="tx1">
-                    <a:lumMod val="95000"/>
-                    <a:lumOff val="5000"/>
-                  </a:schemeClr>
-                </a:solidFill>
-              </a:rPr>
-              <a:t> </a:t>
-            </a:r>
-            <a:r>
-              <a:rPr lang="en-US" sz="2400" dirty="0" err="1" smtClean="0">
+              <a:rPr lang="en-US" sz="2400" dirty="0" err="1">
                 <a:solidFill>
                   <a:schemeClr val="tx1">
                     <a:lumMod val="95000"/>
@@ -13336,7 +13165,7 @@
               <a:t>Zhand</a:t>
             </a:r>
             <a:r>
-              <a:rPr lang="en-US" sz="2400" dirty="0" smtClean="0">
+              <a:rPr lang="en-US" sz="2400" dirty="0">
                 <a:solidFill>
                   <a:schemeClr val="tx1">
                     <a:lumMod val="95000"/>
@@ -13347,7 +13176,7 @@
               <a:t> et al.  (</a:t>
             </a:r>
             <a:r>
-              <a:rPr lang="zh-TW" altLang="en-US" sz="2400" dirty="0" smtClean="0">
+              <a:rPr lang="zh-TW" altLang="en-US" sz="2400" dirty="0">
                 <a:solidFill>
                   <a:schemeClr val="tx1">
                     <a:lumMod val="95000"/>
@@ -13358,7 +13187,7 @@
               <a:t>殘差網路</a:t>
             </a:r>
             <a:r>
-              <a:rPr lang="en-US" altLang="zh-TW" sz="2400" dirty="0" smtClean="0">
+              <a:rPr lang="en-US" altLang="zh-TW" sz="2400" dirty="0">
                 <a:solidFill>
                   <a:schemeClr val="tx1">
                     <a:lumMod val="95000"/>
@@ -13369,7 +13198,7 @@
               <a:t>), used in </a:t>
             </a:r>
             <a:r>
-              <a:rPr lang="en-US" altLang="zh-TW" sz="2400" dirty="0" err="1" smtClean="0">
+              <a:rPr lang="en-US" altLang="zh-TW" sz="2400" dirty="0" err="1">
                 <a:solidFill>
                   <a:schemeClr val="tx1">
                     <a:lumMod val="95000"/>
@@ -13380,7 +13209,7 @@
               <a:t>ChatGPT</a:t>
             </a:r>
             <a:r>
-              <a:rPr lang="en-US" altLang="zh-TW" sz="2400" dirty="0" smtClean="0">
+              <a:rPr lang="en-US" altLang="zh-TW" sz="2400" dirty="0">
                 <a:solidFill>
                   <a:schemeClr val="tx1">
                     <a:lumMod val="95000"/>
@@ -13390,7 +13219,7 @@
               </a:rPr>
               <a:t>, Transformer, Bert etc.</a:t>
             </a:r>
-            <a:endParaRPr lang="en-US" sz="2400" dirty="0" smtClean="0">
+            <a:endParaRPr lang="en-US" sz="2400" dirty="0">
               <a:solidFill>
                 <a:schemeClr val="tx1">
                   <a:lumMod val="95000"/>
@@ -13424,39 +13253,39 @@
           <a:lstStyle/>
           <a:p>
             <a:r>
-              <a:rPr lang="en-US" altLang="zh-TW" sz="3200" dirty="0" smtClean="0"/>
+              <a:rPr lang="en-US" altLang="zh-TW" sz="3200" dirty="0"/>
               <a:t>y=</a:t>
             </a:r>
             <a:r>
-              <a:rPr lang="en-US" altLang="zh-TW" sz="3200" dirty="0" err="1" smtClean="0"/>
+              <a:rPr lang="en-US" altLang="zh-TW" sz="3200" dirty="0" err="1"/>
               <a:t>ReLu</a:t>
             </a:r>
             <a:r>
-              <a:rPr lang="en-US" altLang="zh-TW" sz="3200" dirty="0" smtClean="0"/>
+              <a:rPr lang="en-US" altLang="zh-TW" sz="3200" dirty="0"/>
               <a:t>(x + W</a:t>
             </a:r>
             <a:r>
-              <a:rPr lang="en-US" altLang="zh-TW" sz="3200" baseline="-25000" dirty="0" smtClean="0"/>
+              <a:rPr lang="en-US" altLang="zh-TW" sz="3200" baseline="-25000" dirty="0"/>
               <a:t>2</a:t>
             </a:r>
             <a:r>
-              <a:rPr lang="en-US" altLang="zh-TW" sz="3200" dirty="0" smtClean="0"/>
+              <a:rPr lang="en-US" altLang="zh-TW" sz="3200" dirty="0"/>
               <a:t> </a:t>
             </a:r>
             <a:r>
-              <a:rPr lang="en-US" altLang="zh-TW" sz="3200" dirty="0" err="1" smtClean="0"/>
+              <a:rPr lang="en-US" altLang="zh-TW" sz="3200" dirty="0" err="1"/>
               <a:t>ReLu</a:t>
             </a:r>
             <a:r>
-              <a:rPr lang="en-US" altLang="zh-TW" sz="3200" dirty="0" smtClean="0"/>
+              <a:rPr lang="en-US" altLang="zh-TW" sz="3200" dirty="0"/>
               <a:t>(W</a:t>
             </a:r>
             <a:r>
-              <a:rPr lang="en-US" altLang="zh-TW" sz="3200" baseline="-25000" dirty="0" smtClean="0"/>
+              <a:rPr lang="en-US" altLang="zh-TW" sz="3200" baseline="-25000" dirty="0"/>
               <a:t>1</a:t>
             </a:r>
             <a:r>
-              <a:rPr lang="en-US" altLang="zh-TW" sz="3200" dirty="0" smtClean="0"/>
+              <a:rPr lang="en-US" altLang="zh-TW" sz="3200" dirty="0"/>
               <a:t>x))</a:t>
             </a:r>
             <a:endParaRPr lang="zh-TW" altLang="en-US" sz="3200" dirty="0"/>
@@ -13473,13 +13302,6 @@
   <p:clrMapOvr>
     <a:masterClrMapping/>
   </p:clrMapOvr>
-  <p:timing>
-    <p:tnLst>
-      <p:par>
-        <p:cTn id="1" dur="indefinite" restart="never" nodeType="tmRoot"/>
-      </p:par>
-    </p:tnLst>
-  </p:timing>
 </p:sld>
 </file>
 
@@ -13523,43 +13345,38 @@
           <a:p>
             <a:r>
               <a:rPr lang="en-US" altLang="zh-TW" dirty="0"/>
+              <a:t># input shape</a:t>
+            </a:r>
+          </a:p>
+          <a:p>
+            <a:r>
+              <a:rPr lang="en-US" altLang="zh-TW" dirty="0"/>
+              <a:t>input = Input(shape=(32,32, 3))</a:t>
+            </a:r>
+          </a:p>
+          <a:p>
+            <a:endParaRPr lang="en-US" altLang="zh-TW" dirty="0"/>
+          </a:p>
+          <a:p>
+            <a:r>
+              <a:rPr lang="en-US" altLang="zh-TW" dirty="0"/>
               <a:t># </a:t>
-            </a:r>
-            <a:r>
-              <a:rPr lang="en-US" altLang="zh-TW" dirty="0" smtClean="0"/>
-              <a:t>input shape</a:t>
-            </a:r>
-            <a:endParaRPr lang="en-US" altLang="zh-TW" dirty="0"/>
-          </a:p>
-          <a:p>
-            <a:r>
-              <a:rPr lang="en-US" altLang="zh-TW" dirty="0"/>
-              <a:t>input = Input(shape=(32,32, 3))</a:t>
-            </a:r>
-          </a:p>
-          <a:p>
-            <a:endParaRPr lang="en-US" altLang="zh-TW" dirty="0"/>
-          </a:p>
-          <a:p>
-            <a:r>
-              <a:rPr lang="en-US" altLang="zh-TW" dirty="0"/>
-              <a:t># </a:t>
-            </a:r>
-            <a:r>
-              <a:rPr lang="en-US" altLang="zh-TW" dirty="0" err="1" smtClean="0"/>
-              <a:t>conv</a:t>
-            </a:r>
-            <a:endParaRPr lang="zh-TW" altLang="en-US" dirty="0"/>
-          </a:p>
-          <a:p>
-            <a:r>
-              <a:rPr lang="en-US" altLang="zh-TW" dirty="0"/>
-              <a:t>x = </a:t>
             </a:r>
             <a:r>
               <a:rPr lang="en-US" altLang="zh-TW" dirty="0" err="1"/>
               <a:t>conv</a:t>
             </a:r>
+            <a:endParaRPr lang="zh-TW" altLang="en-US" dirty="0"/>
+          </a:p>
+          <a:p>
+            <a:r>
+              <a:rPr lang="en-US" altLang="zh-TW" dirty="0"/>
+              <a:t>x = </a:t>
+            </a:r>
+            <a:r>
+              <a:rPr lang="en-US" altLang="zh-TW" dirty="0" err="1"/>
+              <a:t>conv</a:t>
+            </a:r>
             <a:r>
               <a:rPr lang="en-US" altLang="zh-TW" dirty="0"/>
               <a:t>(16, 3)(input)</a:t>
@@ -13571,14 +13388,10 @@
           <a:p>
             <a:r>
               <a:rPr lang="en-US" altLang="zh-TW" dirty="0"/>
-              <a:t># </a:t>
-            </a:r>
-            <a:r>
-              <a:rPr lang="en-US" altLang="zh-TW" dirty="0" smtClean="0"/>
-              <a:t>Residual</a:t>
-            </a:r>
-            <a:r>
-              <a:rPr lang="zh-TW" altLang="en-US" dirty="0" smtClean="0"/>
+              <a:t># Residual</a:t>
+            </a:r>
+            <a:r>
+              <a:rPr lang="zh-TW" altLang="en-US" dirty="0"/>
               <a:t> </a:t>
             </a:r>
             <a:r>
@@ -13676,11 +13489,7 @@
           <a:p>
             <a:r>
               <a:rPr lang="en-US" altLang="zh-TW" dirty="0"/>
-              <a:t># </a:t>
-            </a:r>
-            <a:r>
-              <a:rPr lang="en-US" altLang="zh-TW" dirty="0" smtClean="0"/>
-              <a:t>Pooling</a:t>
+              <a:t># Pooling</a:t>
             </a:r>
             <a:endParaRPr lang="zh-TW" altLang="en-US" dirty="0"/>
           </a:p>
@@ -13696,11 +13505,7 @@
           <a:p>
             <a:r>
               <a:rPr lang="en-US" altLang="zh-TW" dirty="0"/>
-              <a:t># </a:t>
-            </a:r>
-            <a:r>
-              <a:rPr lang="en-US" altLang="zh-TW" dirty="0" smtClean="0"/>
-              <a:t>Dense</a:t>
+              <a:t># Dense</a:t>
             </a:r>
             <a:endParaRPr lang="zh-TW" altLang="en-US" dirty="0"/>
           </a:p>
@@ -13731,7 +13536,7 @@
           </a:p>
           <a:p>
             <a:r>
-              <a:rPr lang="en-US" altLang="zh-TW" dirty="0" smtClean="0"/>
+              <a:rPr lang="en-US" altLang="zh-TW" dirty="0"/>
               <a:t>Construct model</a:t>
             </a:r>
             <a:endParaRPr lang="zh-TW" altLang="en-US" dirty="0"/>
@@ -13768,28 +13573,15 @@
           <a:lstStyle/>
           <a:p>
             <a:r>
-              <a:rPr lang="en-US" altLang="zh-TW" dirty="0" smtClean="0"/>
+              <a:rPr lang="en-US" altLang="zh-TW" dirty="0"/>
               <a:t>Block A(16,1,1-&gt;16,3,1-&gt;64,1,1) X 1</a:t>
             </a:r>
           </a:p>
           <a:p>
             <a:r>
               <a:rPr lang="en-US" altLang="zh-TW" dirty="0"/>
-              <a:t>Block </a:t>
-            </a:r>
-            <a:r>
-              <a:rPr lang="en-US" altLang="zh-TW" dirty="0" smtClean="0"/>
-              <a:t>B(16,1,1-</a:t>
-            </a:r>
-            <a:r>
-              <a:rPr lang="en-US" altLang="zh-TW" dirty="0"/>
-              <a:t>&gt;16,3,1-&gt;64,1,1) X </a:t>
-            </a:r>
-            <a:r>
-              <a:rPr lang="en-US" altLang="zh-TW" dirty="0" smtClean="0"/>
-              <a:t>17</a:t>
-            </a:r>
-            <a:endParaRPr lang="en-US" altLang="zh-TW" dirty="0"/>
+              <a:t>Block B(16,1,1-&gt;16,3,1-&gt;64,1,1) X 17</a:t>
+            </a:r>
           </a:p>
           <a:p>
             <a:endParaRPr lang="zh-TW" altLang="en-US" dirty="0"/>
@@ -13820,39 +13612,14 @@
           <a:p>
             <a:r>
               <a:rPr lang="en-US" altLang="zh-TW" dirty="0"/>
-              <a:t>Block </a:t>
-            </a:r>
-            <a:r>
-              <a:rPr lang="en-US" altLang="zh-TW" dirty="0" smtClean="0"/>
-              <a:t>A(32,1,2-&gt;32,3,1-&gt;128,1,1</a:t>
-            </a:r>
-            <a:r>
-              <a:rPr lang="en-US" altLang="zh-TW" dirty="0"/>
-              <a:t>) X </a:t>
-            </a:r>
-            <a:r>
-              <a:rPr lang="en-US" altLang="zh-TW" dirty="0" smtClean="0"/>
-              <a:t>1</a:t>
-            </a:r>
-          </a:p>
-          <a:p>
-            <a:r>
-              <a:rPr lang="en-US" altLang="zh-TW" dirty="0"/>
-              <a:t>Block </a:t>
-            </a:r>
-            <a:r>
-              <a:rPr lang="en-US" altLang="zh-TW" dirty="0" smtClean="0"/>
-              <a:t>B(32,1,1-&gt;</a:t>
-            </a:r>
-            <a:r>
-              <a:rPr lang="en-US" altLang="zh-TW" dirty="0"/>
-              <a:t>32,3,1-&gt;128,1,1) X </a:t>
-            </a:r>
-            <a:r>
-              <a:rPr lang="en-US" altLang="zh-TW" dirty="0" smtClean="0"/>
-              <a:t>17</a:t>
-            </a:r>
-            <a:endParaRPr lang="en-US" altLang="zh-TW" dirty="0"/>
+              <a:t>Block A(32,1,2-&gt;32,3,1-&gt;128,1,1) X 1</a:t>
+            </a:r>
+          </a:p>
+          <a:p>
+            <a:r>
+              <a:rPr lang="en-US" altLang="zh-TW" dirty="0"/>
+              <a:t>Block B(32,1,1-&gt;32,3,1-&gt;128,1,1) X 17</a:t>
+            </a:r>
           </a:p>
         </p:txBody>
       </p:sp>
@@ -13880,39 +13647,14 @@
           <a:p>
             <a:r>
               <a:rPr lang="en-US" altLang="zh-TW" dirty="0"/>
-              <a:t>Block </a:t>
-            </a:r>
-            <a:r>
-              <a:rPr lang="en-US" altLang="zh-TW" dirty="0" smtClean="0"/>
-              <a:t>A(64,1,2-&gt;64,3,1-&gt;256,1,1</a:t>
-            </a:r>
-            <a:r>
-              <a:rPr lang="en-US" altLang="zh-TW" dirty="0"/>
-              <a:t>) X </a:t>
-            </a:r>
-            <a:r>
-              <a:rPr lang="en-US" altLang="zh-TW" dirty="0" smtClean="0"/>
-              <a:t>1</a:t>
-            </a:r>
-          </a:p>
-          <a:p>
-            <a:r>
-              <a:rPr lang="en-US" altLang="zh-TW" dirty="0"/>
-              <a:t>Block </a:t>
-            </a:r>
-            <a:r>
-              <a:rPr lang="en-US" altLang="zh-TW" dirty="0" smtClean="0"/>
-              <a:t>B(64,1,1-&gt;64,3,1-&gt;256,1,1</a:t>
-            </a:r>
-            <a:r>
-              <a:rPr lang="en-US" altLang="zh-TW" dirty="0"/>
-              <a:t>) X </a:t>
-            </a:r>
-            <a:r>
-              <a:rPr lang="en-US" altLang="zh-TW" dirty="0" smtClean="0"/>
-              <a:t>17</a:t>
-            </a:r>
-            <a:endParaRPr lang="en-US" altLang="zh-TW" dirty="0"/>
+              <a:t>Block A(64,1,2-&gt;64,3,1-&gt;256,1,1) X 1</a:t>
+            </a:r>
+          </a:p>
+          <a:p>
+            <a:r>
+              <a:rPr lang="en-US" altLang="zh-TW" dirty="0"/>
+              <a:t>Block B(64,1,1-&gt;64,3,1-&gt;256,1,1) X 17</a:t>
+            </a:r>
           </a:p>
         </p:txBody>
       </p:sp>
@@ -14194,7 +13936,7 @@
           <a:p>
             <a:pPr algn="ctr"/>
             <a:r>
-              <a:rPr lang="en-US" sz="2800" b="1" dirty="0" smtClean="0">
+              <a:rPr lang="en-US" sz="2800" b="1" dirty="0">
                 <a:solidFill>
                   <a:schemeClr val="accent1"/>
                 </a:solidFill>
@@ -14203,13 +13945,6 @@
               </a:rPr>
               <a:t>Performance</a:t>
             </a:r>
-            <a:endParaRPr lang="en-US" sz="2800" b="1" dirty="0">
-              <a:solidFill>
-                <a:schemeClr val="accent1"/>
-              </a:solidFill>
-              <a:latin typeface="Arial" panose="020B0604020202020204" pitchFamily="34" charset="0"/>
-              <a:cs typeface="Arial" panose="020B0604020202020204" pitchFamily="34" charset="0"/>
-            </a:endParaRPr>
           </a:p>
         </p:txBody>
       </p:sp>
@@ -14239,7 +13974,7 @@
               <a:buChar char="•"/>
             </a:pPr>
             <a:r>
-              <a:rPr lang="en-US" sz="2400" dirty="0" err="1" smtClean="0">
+              <a:rPr lang="en-US" sz="2400" dirty="0" err="1">
                 <a:solidFill>
                   <a:schemeClr val="tx1">
                     <a:lumMod val="95000"/>
@@ -14250,7 +13985,7 @@
               <a:t>ResNet</a:t>
             </a:r>
             <a:r>
-              <a:rPr lang="en-US" sz="2400" dirty="0" smtClean="0">
+              <a:rPr lang="en-US" sz="2400" dirty="0">
                 <a:solidFill>
                   <a:schemeClr val="tx1">
                     <a:lumMod val="95000"/>
@@ -14278,7 +14013,7 @@
               <a:buChar char="•"/>
             </a:pPr>
             <a:r>
-              <a:rPr lang="en-US" sz="2400" dirty="0" smtClean="0">
+              <a:rPr lang="en-US" sz="2400" dirty="0">
                 <a:solidFill>
                   <a:schemeClr val="tx1">
                     <a:lumMod val="95000"/>
@@ -14287,37 +14022,6 @@
                 </a:solidFill>
               </a:rPr>
               <a:t>The first model that overcome the degradation problem. </a:t>
-            </a:r>
-          </a:p>
-          <a:p>
-            <a:pPr marL="342900" indent="-342900" algn="l">
-              <a:buFont typeface="Arial" panose="020B0604020202020204" pitchFamily="34" charset="0"/>
-              <a:buChar char="•"/>
-            </a:pPr>
-            <a:endParaRPr lang="en-US" sz="2400" dirty="0" smtClean="0">
-              <a:solidFill>
-                <a:schemeClr val="tx1">
-                  <a:lumMod val="95000"/>
-                  <a:lumOff val="5000"/>
-                </a:schemeClr>
-              </a:solidFill>
-            </a:endParaRPr>
-          </a:p>
-          <a:p>
-            <a:pPr marL="342900" indent="-342900" algn="l">
-              <a:buFont typeface="Arial" panose="020B0604020202020204" pitchFamily="34" charset="0"/>
-              <a:buChar char="•"/>
-            </a:pPr>
-            <a:r>
-              <a:rPr lang="en-US" sz="2400" dirty="0" smtClean="0">
-                <a:solidFill>
-                  <a:schemeClr val="tx1">
-                    <a:lumMod val="95000"/>
-                    <a:lumOff val="5000"/>
-                  </a:schemeClr>
-                </a:solidFill>
-              </a:rPr>
-              <a:t>Degradation problem: performance improves as the number of hidden layers increases. But up to a number of hidden layers, the performance starts to decrease.  Therefore, cannot train CNN with too many layers. </a:t>
             </a:r>
           </a:p>
           <a:p>
@@ -14340,7 +14044,38 @@
               <a:buChar char="•"/>
             </a:pPr>
             <a:r>
-              <a:rPr lang="en-US" sz="2400" dirty="0" smtClean="0">
+              <a:rPr lang="en-US" sz="2400" dirty="0">
+                <a:solidFill>
+                  <a:schemeClr val="tx1">
+                    <a:lumMod val="95000"/>
+                    <a:lumOff val="5000"/>
+                  </a:schemeClr>
+                </a:solidFill>
+              </a:rPr>
+              <a:t>Degradation problem: performance improves as the number of hidden layers increases. But up to a number of hidden layers, the performance starts to decrease.  Therefore, cannot train CNN with too many layers. </a:t>
+            </a:r>
+          </a:p>
+          <a:p>
+            <a:pPr marL="342900" indent="-342900" algn="l">
+              <a:buFont typeface="Arial" panose="020B0604020202020204" pitchFamily="34" charset="0"/>
+              <a:buChar char="•"/>
+            </a:pPr>
+            <a:endParaRPr lang="en-US" sz="2400" dirty="0">
+              <a:solidFill>
+                <a:schemeClr val="tx1">
+                  <a:lumMod val="95000"/>
+                  <a:lumOff val="5000"/>
+                </a:schemeClr>
+              </a:solidFill>
+            </a:endParaRPr>
+          </a:p>
+          <a:p>
+            <a:pPr marL="342900" indent="-342900" algn="l">
+              <a:buFont typeface="Arial" panose="020B0604020202020204" pitchFamily="34" charset="0"/>
+              <a:buChar char="•"/>
+            </a:pPr>
+            <a:r>
+              <a:rPr lang="en-US" sz="2400" dirty="0">
                 <a:solidFill>
                   <a:schemeClr val="tx1">
                     <a:lumMod val="95000"/>
@@ -14350,14 +14085,6 @@
               </a:rPr>
               <a:t>Proposed to use the Residual block to solve the problem. </a:t>
             </a:r>
-            <a:endParaRPr lang="en-US" sz="2400" dirty="0">
-              <a:solidFill>
-                <a:schemeClr val="tx1">
-                  <a:lumMod val="95000"/>
-                  <a:lumOff val="5000"/>
-                </a:schemeClr>
-              </a:solidFill>
-            </a:endParaRPr>
           </a:p>
         </p:txBody>
       </p:sp>
@@ -14371,13 +14098,6 @@
   <p:clrMapOvr>
     <a:masterClrMapping/>
   </p:clrMapOvr>
-  <p:timing>
-    <p:tnLst>
-      <p:par>
-        <p:cTn id="1" dur="indefinite" restart="never" nodeType="tmRoot"/>
-      </p:par>
-    </p:tnLst>
-  </p:timing>
 </p:sld>
 </file>
 
@@ -14484,7 +14204,7 @@
           <a:p>
             <a:pPr algn="ctr"/>
             <a:r>
-              <a:rPr lang="en-US" sz="3600" b="1" dirty="0" smtClean="0">
+              <a:rPr lang="en-US" sz="3600" b="1" dirty="0">
                 <a:solidFill>
                   <a:schemeClr val="accent1">
                     <a:lumMod val="75000"/>
@@ -14495,15 +14215,6 @@
               </a:rPr>
               <a:t>Architecture</a:t>
             </a:r>
-            <a:endParaRPr lang="en-US" sz="3600" b="1" dirty="0">
-              <a:solidFill>
-                <a:schemeClr val="accent1">
-                  <a:lumMod val="75000"/>
-                </a:schemeClr>
-              </a:solidFill>
-              <a:latin typeface="Arial" panose="020B0604020202020204" pitchFamily="34" charset="0"/>
-              <a:cs typeface="Arial" panose="020B0604020202020204" pitchFamily="34" charset="0"/>
-            </a:endParaRPr>
           </a:p>
         </p:txBody>
       </p:sp>
@@ -14542,18 +14253,18 @@
           <a:p>
             <a:pPr algn="ctr"/>
             <a:r>
-              <a:rPr lang="en-US" altLang="zh-TW" dirty="0" err="1" smtClean="0"/>
+              <a:rPr lang="en-US" altLang="zh-TW" dirty="0" err="1"/>
               <a:t>Conv</a:t>
             </a:r>
             <a:r>
-              <a:rPr lang="en-US" altLang="zh-TW" dirty="0" smtClean="0"/>
+              <a:rPr lang="en-US" altLang="zh-TW" dirty="0"/>
               <a:t> layer</a:t>
             </a:r>
           </a:p>
           <a:p>
             <a:pPr algn="ctr"/>
             <a:r>
-              <a:rPr lang="en-US" altLang="zh-TW" dirty="0" smtClean="0"/>
+              <a:rPr lang="en-US" altLang="zh-TW" dirty="0"/>
               <a:t>16 3X3 filters</a:t>
             </a:r>
             <a:endParaRPr lang="zh-TW" altLang="en-US" dirty="0"/>
@@ -14595,7 +14306,7 @@
           <a:p>
             <a:pPr algn="ctr"/>
             <a:r>
-              <a:rPr lang="en-US" altLang="zh-TW" dirty="0" smtClean="0"/>
+              <a:rPr lang="en-US" altLang="zh-TW" dirty="0"/>
               <a:t>Residual Block</a:t>
             </a:r>
             <a:endParaRPr lang="zh-TW" altLang="en-US" dirty="0"/>
@@ -14709,13 +14420,13 @@
           <a:lstStyle/>
           <a:p>
             <a:r>
-              <a:rPr lang="en-US" altLang="zh-TW" dirty="0" smtClean="0"/>
+              <a:rPr lang="en-US" altLang="zh-TW" dirty="0"/>
               <a:t>Here, use 54 </a:t>
             </a:r>
           </a:p>
           <a:p>
             <a:r>
-              <a:rPr lang="en-US" altLang="zh-TW" dirty="0" smtClean="0"/>
+              <a:rPr lang="en-US" altLang="zh-TW" dirty="0"/>
               <a:t>Residual Blocks</a:t>
             </a:r>
             <a:endParaRPr lang="zh-TW" altLang="en-US" dirty="0"/>
@@ -14877,7 +14588,7 @@
           <a:p>
             <a:pPr algn="ctr"/>
             <a:r>
-              <a:rPr lang="en-US" altLang="zh-TW" dirty="0" err="1" smtClean="0"/>
+              <a:rPr lang="en-US" altLang="zh-TW" dirty="0" err="1"/>
               <a:t>BatchNormalization</a:t>
             </a:r>
             <a:endParaRPr lang="zh-TW" altLang="en-US" dirty="0"/>
@@ -14919,7 +14630,7 @@
           <a:p>
             <a:pPr algn="ctr"/>
             <a:r>
-              <a:rPr lang="en-US" altLang="zh-TW" dirty="0" err="1" smtClean="0"/>
+              <a:rPr lang="en-US" altLang="zh-TW" dirty="0" err="1"/>
               <a:t>ReLU</a:t>
             </a:r>
             <a:endParaRPr lang="zh-TW" altLang="en-US" dirty="0"/>
@@ -15001,7 +14712,7 @@
           <a:p>
             <a:pPr algn="ctr"/>
             <a:r>
-              <a:rPr lang="en-US" altLang="zh-TW" dirty="0" err="1" smtClean="0"/>
+              <a:rPr lang="en-US" altLang="zh-TW" dirty="0" err="1"/>
               <a:t>GlobalAveragePooling</a:t>
             </a:r>
             <a:endParaRPr lang="zh-TW" altLang="en-US" dirty="0"/>
@@ -15083,21 +14794,21 @@
           <a:p>
             <a:pPr algn="ctr"/>
             <a:r>
-              <a:rPr lang="en-US" altLang="zh-TW" dirty="0" smtClean="0"/>
+              <a:rPr lang="en-US" altLang="zh-TW" dirty="0"/>
               <a:t>Dense</a:t>
             </a:r>
           </a:p>
           <a:p>
             <a:pPr algn="ctr"/>
             <a:r>
-              <a:rPr lang="en-US" altLang="zh-TW" dirty="0" smtClean="0"/>
+              <a:rPr lang="en-US" altLang="zh-TW" dirty="0"/>
               <a:t>10</a:t>
             </a:r>
           </a:p>
           <a:p>
             <a:pPr algn="ctr"/>
             <a:r>
-              <a:rPr lang="en-US" altLang="zh-TW" dirty="0" err="1" smtClean="0"/>
+              <a:rPr lang="en-US" altLang="zh-TW" dirty="0" err="1"/>
               <a:t>softmax</a:t>
             </a:r>
             <a:endParaRPr lang="zh-TW" altLang="en-US" dirty="0"/>
@@ -15228,7 +14939,7 @@
           <a:lstStyle/>
           <a:p>
             <a:r>
-              <a:rPr lang="en-US" altLang="zh-TW" dirty="0" smtClean="0"/>
+              <a:rPr lang="en-US" altLang="zh-TW" dirty="0"/>
               <a:t>Explain later</a:t>
             </a:r>
             <a:endParaRPr lang="zh-TW" altLang="en-US" dirty="0"/>
@@ -15296,7 +15007,7 @@
           <a:lstStyle/>
           <a:p>
             <a:r>
-              <a:rPr lang="en-US" altLang="zh-TW" dirty="0" smtClean="0"/>
+              <a:rPr lang="en-US" altLang="zh-TW" dirty="0"/>
               <a:t>Feature extraction</a:t>
             </a:r>
             <a:endParaRPr lang="zh-TW" altLang="en-US" dirty="0"/>
@@ -15326,7 +15037,7 @@
           <a:lstStyle/>
           <a:p>
             <a:r>
-              <a:rPr lang="en-US" altLang="zh-TW" dirty="0" smtClean="0"/>
+              <a:rPr lang="en-US" altLang="zh-TW" dirty="0"/>
               <a:t>Classification</a:t>
             </a:r>
             <a:endParaRPr lang="zh-TW" altLang="en-US" dirty="0"/>
@@ -15383,13 +15094,6 @@
   <p:clrMapOvr>
     <a:masterClrMapping/>
   </p:clrMapOvr>
-  <p:timing>
-    <p:tnLst>
-      <p:par>
-        <p:cTn id="1" dur="indefinite" restart="never" nodeType="tmRoot"/>
-      </p:par>
-    </p:tnLst>
-  </p:timing>
 </p:sld>
 </file>
 
@@ -15473,10 +15177,9 @@
               <a:buChar char="•"/>
             </a:pPr>
             <a:r>
-              <a:rPr lang="en-US" sz="2400" dirty="0" smtClean="0"/>
+              <a:rPr lang="en-US" sz="2400" dirty="0"/>
               <a:t>A shortcut connections between two conv. layers</a:t>
             </a:r>
-            <a:endParaRPr lang="en-US" sz="2400" dirty="0"/>
           </a:p>
         </p:txBody>
       </p:sp>
@@ -15553,7 +15256,7 @@
           <a:p>
             <a:pPr algn="ctr"/>
             <a:r>
-              <a:rPr lang="en-US" altLang="zh-TW" dirty="0" err="1" smtClean="0"/>
+              <a:rPr lang="en-US" altLang="zh-TW" dirty="0" err="1"/>
               <a:t>conv</a:t>
             </a:r>
             <a:endParaRPr lang="zh-TW" altLang="en-US" dirty="0"/>
@@ -15595,7 +15298,7 @@
           <a:p>
             <a:pPr algn="ctr"/>
             <a:r>
-              <a:rPr lang="en-US" altLang="zh-TW" dirty="0" err="1" smtClean="0"/>
+              <a:rPr lang="en-US" altLang="zh-TW" dirty="0" err="1"/>
               <a:t>conv</a:t>
             </a:r>
             <a:endParaRPr lang="zh-TW" altLang="en-US" dirty="0"/>
@@ -15745,7 +15448,7 @@
           <a:lstStyle/>
           <a:p>
             <a:r>
-              <a:rPr lang="en-US" altLang="zh-TW" dirty="0" err="1" smtClean="0"/>
+              <a:rPr lang="en-US" altLang="zh-TW" dirty="0" err="1"/>
               <a:t>ReLU</a:t>
             </a:r>
             <a:endParaRPr lang="zh-TW" altLang="en-US" dirty="0"/>
@@ -15775,7 +15478,7 @@
           <a:lstStyle/>
           <a:p>
             <a:r>
-              <a:rPr lang="en-US" altLang="zh-TW" dirty="0" err="1" smtClean="0"/>
+              <a:rPr lang="en-US" altLang="zh-TW" dirty="0" err="1"/>
               <a:t>ReLU</a:t>
             </a:r>
             <a:endParaRPr lang="zh-TW" altLang="en-US" dirty="0"/>
@@ -15817,7 +15520,7 @@
           <a:p>
             <a:pPr algn="ctr"/>
             <a:r>
-              <a:rPr lang="en-US" altLang="zh-TW" dirty="0" err="1" smtClean="0"/>
+              <a:rPr lang="en-US" altLang="zh-TW" dirty="0" err="1"/>
               <a:t>conv</a:t>
             </a:r>
             <a:endParaRPr lang="zh-TW" altLang="en-US" dirty="0"/>
@@ -15859,7 +15562,7 @@
           <a:p>
             <a:pPr algn="ctr"/>
             <a:r>
-              <a:rPr lang="en-US" altLang="zh-TW" dirty="0" err="1" smtClean="0"/>
+              <a:rPr lang="en-US" altLang="zh-TW" dirty="0" err="1"/>
               <a:t>conv</a:t>
             </a:r>
             <a:endParaRPr lang="zh-TW" altLang="en-US" dirty="0"/>
@@ -16009,7 +15712,7 @@
           <a:lstStyle/>
           <a:p>
             <a:r>
-              <a:rPr lang="en-US" altLang="zh-TW" dirty="0" err="1" smtClean="0"/>
+              <a:rPr lang="en-US" altLang="zh-TW" dirty="0" err="1"/>
               <a:t>ReLU</a:t>
             </a:r>
             <a:endParaRPr lang="zh-TW" altLang="en-US" dirty="0"/>
@@ -16039,7 +15742,7 @@
           <a:lstStyle/>
           <a:p>
             <a:r>
-              <a:rPr lang="en-US" altLang="zh-TW" dirty="0" err="1" smtClean="0"/>
+              <a:rPr lang="en-US" altLang="zh-TW" dirty="0" err="1"/>
               <a:t>ReLU</a:t>
             </a:r>
             <a:endParaRPr lang="zh-TW" altLang="en-US" dirty="0"/>
@@ -16174,7 +15877,7 @@
           <a:p>
             <a:pPr algn="ctr"/>
             <a:r>
-              <a:rPr lang="en-US" altLang="zh-TW" dirty="0" smtClean="0"/>
+              <a:rPr lang="en-US" altLang="zh-TW" dirty="0"/>
               <a:t>Add</a:t>
             </a:r>
             <a:endParaRPr lang="zh-TW" altLang="en-US" dirty="0"/>
@@ -16244,7 +15947,7 @@
           <a:lstStyle/>
           <a:p>
             <a:r>
-              <a:rPr lang="en-US" altLang="zh-TW" dirty="0" smtClean="0"/>
+              <a:rPr lang="en-US" altLang="zh-TW" dirty="0"/>
               <a:t>shortcut</a:t>
             </a:r>
             <a:endParaRPr lang="zh-TW" altLang="en-US" dirty="0"/>
@@ -16274,7 +15977,7 @@
           <a:lstStyle/>
           <a:p>
             <a:r>
-              <a:rPr lang="en-US" altLang="zh-TW" dirty="0" smtClean="0"/>
+              <a:rPr lang="en-US" altLang="zh-TW" dirty="0"/>
               <a:t>X</a:t>
             </a:r>
             <a:endParaRPr lang="zh-TW" altLang="en-US" dirty="0"/>
@@ -16304,7 +16007,7 @@
           <a:lstStyle/>
           <a:p>
             <a:r>
-              <a:rPr lang="en-US" altLang="zh-TW" dirty="0" smtClean="0"/>
+              <a:rPr lang="en-US" altLang="zh-TW" dirty="0"/>
               <a:t>X</a:t>
             </a:r>
             <a:endParaRPr lang="zh-TW" altLang="en-US" dirty="0"/>
@@ -16334,7 +16037,7 @@
           <a:lstStyle/>
           <a:p>
             <a:r>
-              <a:rPr lang="en-US" altLang="zh-TW" dirty="0" smtClean="0"/>
+              <a:rPr lang="en-US" altLang="zh-TW" dirty="0"/>
               <a:t>A Residual block</a:t>
             </a:r>
             <a:endParaRPr lang="zh-TW" altLang="en-US" dirty="0"/>
@@ -16364,7 +16067,7 @@
           <a:lstStyle/>
           <a:p>
             <a:r>
-              <a:rPr lang="en-US" altLang="zh-TW" dirty="0" smtClean="0"/>
+              <a:rPr lang="en-US" altLang="zh-TW" dirty="0"/>
               <a:t>A conv. block</a:t>
             </a:r>
             <a:endParaRPr lang="zh-TW" altLang="en-US" dirty="0"/>
@@ -16381,13 +16084,6 @@
   <p:clrMapOvr>
     <a:masterClrMapping/>
   </p:clrMapOvr>
-  <p:timing>
-    <p:tnLst>
-      <p:par>
-        <p:cTn id="1" dur="indefinite" restart="never" nodeType="tmRoot"/>
-      </p:par>
-    </p:tnLst>
-  </p:timing>
 </p:sld>
 </file>
 
@@ -16443,7 +16139,7 @@
           <a:p>
             <a:pPr algn="ctr"/>
             <a:r>
-              <a:rPr lang="en-US" altLang="zh-TW" dirty="0" err="1" smtClean="0"/>
+              <a:rPr lang="en-US" altLang="zh-TW" dirty="0" err="1"/>
               <a:t>conv</a:t>
             </a:r>
             <a:endParaRPr lang="zh-TW" altLang="en-US" dirty="0"/>
@@ -16485,7 +16181,7 @@
           <a:p>
             <a:pPr algn="ctr"/>
             <a:r>
-              <a:rPr lang="en-US" altLang="zh-TW" dirty="0" err="1" smtClean="0"/>
+              <a:rPr lang="en-US" altLang="zh-TW" dirty="0" err="1"/>
               <a:t>conv</a:t>
             </a:r>
             <a:endParaRPr lang="zh-TW" altLang="en-US" dirty="0"/>
@@ -16635,7 +16331,7 @@
           <a:lstStyle/>
           <a:p>
             <a:r>
-              <a:rPr lang="en-US" altLang="zh-TW" dirty="0" err="1" smtClean="0"/>
+              <a:rPr lang="en-US" altLang="zh-TW" dirty="0" err="1"/>
               <a:t>ReLU</a:t>
             </a:r>
             <a:endParaRPr lang="zh-TW" altLang="en-US" dirty="0"/>
@@ -16665,7 +16361,7 @@
           <a:lstStyle/>
           <a:p>
             <a:r>
-              <a:rPr lang="en-US" altLang="zh-TW" dirty="0" err="1" smtClean="0"/>
+              <a:rPr lang="en-US" altLang="zh-TW" dirty="0" err="1"/>
               <a:t>ReLU</a:t>
             </a:r>
             <a:endParaRPr lang="zh-TW" altLang="en-US" dirty="0"/>
@@ -16800,14 +16496,14 @@
           <a:p>
             <a:pPr algn="ctr"/>
             <a:r>
-              <a:rPr lang="en-US" altLang="zh-TW" dirty="0" smtClean="0"/>
+              <a:rPr lang="en-US" altLang="zh-TW" dirty="0"/>
               <a:t>Add</a:t>
             </a:r>
           </a:p>
           <a:p>
             <a:pPr algn="ctr"/>
             <a:r>
-              <a:rPr lang="en-US" altLang="zh-TW" dirty="0" smtClean="0"/>
+              <a:rPr lang="en-US" altLang="zh-TW" dirty="0"/>
               <a:t>X+X_B</a:t>
             </a:r>
             <a:endParaRPr lang="zh-TW" altLang="en-US" dirty="0"/>
@@ -16877,7 +16573,7 @@
           <a:lstStyle/>
           <a:p>
             <a:r>
-              <a:rPr lang="en-US" altLang="zh-TW" dirty="0" smtClean="0"/>
+              <a:rPr lang="en-US" altLang="zh-TW" dirty="0"/>
               <a:t>shortcut</a:t>
             </a:r>
             <a:endParaRPr lang="zh-TW" altLang="en-US" dirty="0"/>
@@ -16907,7 +16603,7 @@
           <a:lstStyle/>
           <a:p>
             <a:r>
-              <a:rPr lang="en-US" altLang="zh-TW" dirty="0" smtClean="0"/>
+              <a:rPr lang="en-US" altLang="zh-TW" dirty="0"/>
               <a:t>X</a:t>
             </a:r>
             <a:endParaRPr lang="zh-TW" altLang="en-US" dirty="0"/>
@@ -16937,7 +16633,7 @@
           <a:lstStyle/>
           <a:p>
             <a:r>
-              <a:rPr lang="en-US" altLang="zh-TW" dirty="0" smtClean="0"/>
+              <a:rPr lang="en-US" altLang="zh-TW" dirty="0"/>
               <a:t>X</a:t>
             </a:r>
             <a:endParaRPr lang="zh-TW" altLang="en-US" dirty="0"/>
@@ -16967,15 +16663,15 @@
           <a:lstStyle/>
           <a:p>
             <a:r>
-              <a:rPr lang="en-US" altLang="zh-TW" dirty="0" smtClean="0"/>
+              <a:rPr lang="en-US" altLang="zh-TW" dirty="0"/>
               <a:t>Shortcut means that </a:t>
             </a:r>
             <a:r>
-              <a:rPr lang="en-US" altLang="zh-TW" dirty="0" err="1" smtClean="0"/>
+              <a:rPr lang="en-US" altLang="zh-TW" dirty="0" err="1"/>
               <a:t>conv</a:t>
             </a:r>
             <a:r>
-              <a:rPr lang="en-US" altLang="zh-TW" dirty="0" smtClean="0"/>
+              <a:rPr lang="en-US" altLang="zh-TW" dirty="0"/>
               <a:t> result ADD original input denoted by X_B</a:t>
             </a:r>
             <a:endParaRPr lang="zh-TW" altLang="en-US" dirty="0"/>
@@ -17005,7 +16701,7 @@
           <a:lstStyle/>
           <a:p>
             <a:r>
-              <a:rPr lang="en-US" altLang="zh-TW" dirty="0" smtClean="0"/>
+              <a:rPr lang="en-US" altLang="zh-TW" dirty="0"/>
               <a:t>X</a:t>
             </a:r>
             <a:endParaRPr lang="zh-TW" altLang="en-US" dirty="0"/>
@@ -17035,7 +16731,7 @@
           <a:lstStyle/>
           <a:p>
             <a:r>
-              <a:rPr lang="en-US" altLang="zh-TW" dirty="0" smtClean="0"/>
+              <a:rPr lang="en-US" altLang="zh-TW" dirty="0"/>
               <a:t>X_B</a:t>
             </a:r>
             <a:endParaRPr lang="zh-TW" altLang="en-US" dirty="0"/>
@@ -17169,7 +16865,7 @@
               <a:buChar char="§"/>
             </a:pPr>
             <a:r>
-              <a:rPr lang="en-US" sz="2400" b="1" dirty="0" smtClean="0">
+              <a:rPr lang="en-US" sz="2400" b="1" dirty="0">
                 <a:solidFill>
                   <a:srgbClr val="FF0000"/>
                 </a:solidFill>
@@ -17177,26 +16873,25 @@
               <a:t>Residual</a:t>
             </a:r>
             <a:r>
-              <a:rPr lang="en-US" sz="2400" b="1" dirty="0" smtClean="0"/>
+              <a:rPr lang="en-US" sz="2400" b="1" dirty="0"/>
               <a:t> is the </a:t>
             </a:r>
             <a:r>
-              <a:rPr lang="en-US" sz="2400" b="1" dirty="0" err="1" smtClean="0"/>
+              <a:rPr lang="en-US" sz="2400" b="1" dirty="0" err="1"/>
               <a:t>conv</a:t>
             </a:r>
             <a:r>
-              <a:rPr lang="en-US" sz="2400" b="1" dirty="0" smtClean="0"/>
+              <a:rPr lang="en-US" sz="2400" b="1" dirty="0"/>
               <a:t>(X) – X; that is, the result of X after </a:t>
             </a:r>
             <a:r>
-              <a:rPr lang="en-US" sz="2400" b="1" dirty="0" err="1" smtClean="0"/>
+              <a:rPr lang="en-US" sz="2400" b="1" dirty="0" err="1"/>
               <a:t>conv</a:t>
             </a:r>
             <a:r>
-              <a:rPr lang="en-US" sz="2400" b="1" dirty="0" smtClean="0"/>
+              <a:rPr lang="en-US" sz="2400" b="1" dirty="0"/>
               <a:t> minus the original X.</a:t>
             </a:r>
-            <a:endParaRPr lang="en-US" sz="2400" b="1" dirty="0"/>
           </a:p>
           <a:p>
             <a:pPr marL="342900" indent="-342900">
@@ -17220,13 +16915,8 @@
             </a:pPr>
             <a:r>
               <a:rPr lang="en-US" sz="2400" b="1" dirty="0"/>
-              <a:t>The </a:t>
-            </a:r>
-            <a:r>
-              <a:rPr lang="en-US" sz="2400" b="1" dirty="0" smtClean="0"/>
-              <a:t>rational is that, if the previous layers have already learned very well, this layer learns nothing!  However, by adding the shortcut, we haven’t forgot the original details even though we haven’t learn any new features. So adding this layers doesn’t deteriorate the performance! </a:t>
-            </a:r>
-            <a:endParaRPr lang="en-US" sz="2400" b="1" dirty="0"/>
+              <a:t>The rational is that, if the previous layers have already learned very well, this layer learns nothing!  However, by adding the shortcut, we haven’t forgot the original details even though we haven’t learn any new features. So adding this layers doesn’t deteriorate the performance! </a:t>
+            </a:r>
           </a:p>
           <a:p>
             <a:pPr marL="342900" indent="-342900">
@@ -17279,7 +16969,7 @@
           <a:lstStyle/>
           <a:p>
             <a:r>
-              <a:rPr lang="en-US" sz="3600" b="1" dirty="0" smtClean="0">
+              <a:rPr lang="en-US" sz="3600" b="1" dirty="0">
                 <a:solidFill>
                   <a:schemeClr val="accent1">
                     <a:lumMod val="75000"/>
@@ -17290,15 +16980,6 @@
               </a:rPr>
               <a:t>Concept of residual</a:t>
             </a:r>
-            <a:endParaRPr lang="en-US" sz="3600" b="1" dirty="0">
-              <a:solidFill>
-                <a:schemeClr val="accent1">
-                  <a:lumMod val="75000"/>
-                </a:schemeClr>
-              </a:solidFill>
-              <a:latin typeface="Arial" panose="020B0604020202020204" pitchFamily="34" charset="0"/>
-              <a:cs typeface="Arial" panose="020B0604020202020204" pitchFamily="34" charset="0"/>
-            </a:endParaRPr>
           </a:p>
         </p:txBody>
       </p:sp>
@@ -17312,13 +16993,6 @@
   <p:clrMapOvr>
     <a:masterClrMapping/>
   </p:clrMapOvr>
-  <p:timing>
-    <p:tnLst>
-      <p:par>
-        <p:cTn id="1" dur="indefinite" restart="never" nodeType="tmRoot"/>
-      </p:par>
-    </p:tnLst>
-  </p:timing>
 </p:sld>
 </file>
 
@@ -17436,7 +17110,7 @@
               <a:buChar char="§"/>
             </a:pPr>
             <a:r>
-              <a:rPr lang="en-US" sz="2400" b="1" dirty="0" smtClean="0"/>
+              <a:rPr lang="en-US" sz="2400" b="1" dirty="0"/>
               <a:t>Design of the residual block reduces the required training time.</a:t>
             </a:r>
             <a:endParaRPr lang="en-US" sz="2000" dirty="0">
@@ -17470,7 +17144,7 @@
           <a:lstStyle/>
           <a:p>
             <a:r>
-              <a:rPr lang="en-US" sz="3600" b="1" dirty="0" smtClean="0">
+              <a:rPr lang="en-US" sz="3600" b="1" dirty="0">
                 <a:solidFill>
                   <a:schemeClr val="accent1">
                     <a:lumMod val="75000"/>
@@ -17481,15 +17155,6 @@
               </a:rPr>
               <a:t>Design of residual block</a:t>
             </a:r>
-            <a:endParaRPr lang="en-US" sz="3600" b="1" dirty="0">
-              <a:solidFill>
-                <a:schemeClr val="accent1">
-                  <a:lumMod val="75000"/>
-                </a:schemeClr>
-              </a:solidFill>
-              <a:latin typeface="Arial" panose="020B0604020202020204" pitchFamily="34" charset="0"/>
-              <a:cs typeface="Arial" panose="020B0604020202020204" pitchFamily="34" charset="0"/>
-            </a:endParaRPr>
           </a:p>
         </p:txBody>
       </p:sp>
@@ -17528,15 +17193,15 @@
           <a:p>
             <a:pPr algn="ctr"/>
             <a:r>
-              <a:rPr lang="en-US" altLang="zh-TW" dirty="0" err="1" smtClean="0"/>
+              <a:rPr lang="en-US" altLang="zh-TW" dirty="0" err="1"/>
               <a:t>Conv</a:t>
             </a:r>
-            <a:endParaRPr lang="en-US" altLang="zh-TW" dirty="0" smtClean="0"/>
+            <a:endParaRPr lang="en-US" altLang="zh-TW" dirty="0"/>
           </a:p>
           <a:p>
             <a:pPr algn="ctr"/>
             <a:r>
-              <a:rPr lang="en-US" altLang="zh-TW" dirty="0" smtClean="0"/>
+              <a:rPr lang="en-US" altLang="zh-TW" dirty="0"/>
               <a:t>16 1X1 filters</a:t>
             </a:r>
             <a:endParaRPr lang="zh-TW" altLang="en-US" dirty="0"/>
@@ -17578,15 +17243,15 @@
           <a:p>
             <a:pPr algn="ctr"/>
             <a:r>
-              <a:rPr lang="en-US" altLang="zh-TW" dirty="0" err="1" smtClean="0"/>
+              <a:rPr lang="en-US" altLang="zh-TW" dirty="0" err="1"/>
               <a:t>Conv</a:t>
             </a:r>
-            <a:endParaRPr lang="en-US" altLang="zh-TW" dirty="0" smtClean="0"/>
+            <a:endParaRPr lang="en-US" altLang="zh-TW" dirty="0"/>
           </a:p>
           <a:p>
             <a:pPr algn="ctr"/>
             <a:r>
-              <a:rPr lang="en-US" altLang="zh-TW" dirty="0" smtClean="0"/>
+              <a:rPr lang="en-US" altLang="zh-TW" dirty="0"/>
               <a:t>16 3X3 filters</a:t>
             </a:r>
             <a:endParaRPr lang="zh-TW" altLang="en-US" dirty="0"/>
@@ -17736,7 +17401,7 @@
           <a:lstStyle/>
           <a:p>
             <a:r>
-              <a:rPr lang="en-US" altLang="zh-TW" dirty="0" err="1" smtClean="0"/>
+              <a:rPr lang="en-US" altLang="zh-TW" dirty="0" err="1"/>
               <a:t>ReLU</a:t>
             </a:r>
             <a:endParaRPr lang="zh-TW" altLang="en-US" dirty="0"/>
@@ -17901,7 +17566,7 @@
           <a:p>
             <a:pPr algn="ctr"/>
             <a:r>
-              <a:rPr lang="en-US" altLang="zh-TW" dirty="0" smtClean="0"/>
+              <a:rPr lang="en-US" altLang="zh-TW" dirty="0"/>
               <a:t>Add</a:t>
             </a:r>
           </a:p>
@@ -17970,7 +17635,7 @@
           <a:lstStyle/>
           <a:p>
             <a:r>
-              <a:rPr lang="en-US" altLang="zh-TW" dirty="0" smtClean="0"/>
+              <a:rPr lang="en-US" altLang="zh-TW" dirty="0"/>
               <a:t>shortcut</a:t>
             </a:r>
             <a:endParaRPr lang="zh-TW" altLang="en-US" dirty="0"/>
@@ -18000,7 +17665,7 @@
           <a:lstStyle/>
           <a:p>
             <a:r>
-              <a:rPr lang="en-US" altLang="zh-TW" dirty="0" smtClean="0"/>
+              <a:rPr lang="en-US" altLang="zh-TW" dirty="0"/>
               <a:t>X</a:t>
             </a:r>
             <a:endParaRPr lang="zh-TW" altLang="en-US" dirty="0"/>
@@ -18030,7 +17695,7 @@
           <a:lstStyle/>
           <a:p>
             <a:r>
-              <a:rPr lang="en-US" altLang="zh-TW" dirty="0" smtClean="0"/>
+              <a:rPr lang="en-US" altLang="zh-TW" dirty="0"/>
               <a:t>X_B</a:t>
             </a:r>
             <a:endParaRPr lang="zh-TW" altLang="en-US" dirty="0"/>
@@ -18072,15 +17737,15 @@
           <a:p>
             <a:pPr algn="ctr"/>
             <a:r>
-              <a:rPr lang="en-US" altLang="zh-TW" dirty="0" err="1" smtClean="0"/>
+              <a:rPr lang="en-US" altLang="zh-TW" dirty="0" err="1"/>
               <a:t>Conv</a:t>
             </a:r>
-            <a:endParaRPr lang="en-US" altLang="zh-TW" dirty="0" smtClean="0"/>
+            <a:endParaRPr lang="en-US" altLang="zh-TW" dirty="0"/>
           </a:p>
           <a:p>
             <a:pPr algn="ctr"/>
             <a:r>
-              <a:rPr lang="en-US" altLang="zh-TW" dirty="0" smtClean="0"/>
+              <a:rPr lang="en-US" altLang="zh-TW" dirty="0"/>
               <a:t>64 1X1 filters</a:t>
             </a:r>
             <a:endParaRPr lang="zh-TW" altLang="en-US" dirty="0"/>
@@ -18137,13 +17802,6 @@
   <p:clrMapOvr>
     <a:masterClrMapping/>
   </p:clrMapOvr>
-  <p:timing>
-    <p:tnLst>
-      <p:par>
-        <p:cTn id="1" dur="indefinite" restart="never" nodeType="tmRoot"/>
-      </p:par>
-    </p:tnLst>
-  </p:timing>
 </p:sld>
 </file>
 
@@ -18228,11 +17886,11 @@
           <a:lstStyle/>
           <a:p>
             <a:r>
-              <a:rPr lang="en-US" altLang="zh-TW" dirty="0" err="1" smtClean="0"/>
+              <a:rPr lang="en-US" altLang="zh-TW" dirty="0" err="1"/>
               <a:t>ResNet</a:t>
             </a:r>
             <a:r>
-              <a:rPr lang="en-US" altLang="zh-TW" dirty="0" smtClean="0"/>
+              <a:rPr lang="en-US" altLang="zh-TW" dirty="0"/>
               <a:t> architectures</a:t>
             </a:r>
             <a:endParaRPr lang="zh-TW" altLang="en-US" dirty="0"/>
@@ -18311,18 +17969,14 @@
               <a:buAutoNum type="arabicPeriod"/>
             </a:pPr>
             <a:r>
-              <a:rPr lang="en-US" altLang="zh-TW" dirty="0" smtClean="0"/>
+              <a:rPr lang="en-US" altLang="zh-TW" dirty="0"/>
               <a:t>Different number of layers have different architectures; 18-layer and 34-layer have the same structure. The others</a:t>
             </a:r>
           </a:p>
           <a:p>
             <a:r>
               <a:rPr lang="en-US" altLang="zh-TW" dirty="0"/>
-              <a:t>h</a:t>
-            </a:r>
-            <a:r>
-              <a:rPr lang="en-US" altLang="zh-TW" dirty="0" smtClean="0"/>
-              <a:t>ave another same structure.</a:t>
+              <a:t>have another same structure.</a:t>
             </a:r>
           </a:p>
           <a:p>
@@ -18331,7 +17985,7 @@
               <a:buAutoNum type="arabicPeriod" startAt="2"/>
             </a:pPr>
             <a:r>
-              <a:rPr lang="en-US" altLang="zh-TW" dirty="0" smtClean="0"/>
+              <a:rPr lang="en-US" altLang="zh-TW" dirty="0"/>
               <a:t>Residual block which has the same filter dimensions is called “Plain architecture”; </a:t>
             </a:r>
           </a:p>
@@ -18341,24 +17995,8 @@
               <a:buAutoNum type="arabicPeriod" startAt="2"/>
             </a:pPr>
             <a:r>
-              <a:rPr lang="en-US" altLang="zh-TW" dirty="0" smtClean="0"/>
-              <a:t>Residual </a:t>
-            </a:r>
-            <a:r>
-              <a:rPr lang="en-US" altLang="zh-TW" dirty="0"/>
-              <a:t>block which has </a:t>
-            </a:r>
-            <a:r>
-              <a:rPr lang="en-US" altLang="zh-TW" dirty="0" smtClean="0"/>
-              <a:t>different filter </a:t>
-            </a:r>
-            <a:r>
-              <a:rPr lang="en-US" altLang="zh-TW" dirty="0"/>
-              <a:t>dimensions is called </a:t>
-            </a:r>
-            <a:r>
-              <a:rPr lang="en-US" altLang="zh-TW" dirty="0" smtClean="0"/>
-              <a:t>“Bottleneck architecture” .</a:t>
+              <a:rPr lang="en-US" altLang="zh-TW" dirty="0"/>
+              <a:t>Residual block which has different filter dimensions is called “Bottleneck architecture” .</a:t>
             </a:r>
           </a:p>
           <a:p>
@@ -18367,7 +18005,7 @@
               <a:buAutoNum type="arabicPeriod" startAt="2"/>
             </a:pPr>
             <a:r>
-              <a:rPr lang="en-US" altLang="zh-TW" dirty="0" smtClean="0"/>
+              <a:rPr lang="en-US" altLang="zh-TW" dirty="0"/>
               <a:t>Our example is adapted from 50—layer structure. Therefore, it as the bottleneck architecture.</a:t>
             </a:r>
           </a:p>

--- a/112-2/MI5126701 人工智慧與深度學習/W6 0325/6-ResNet.pptx
+++ b/112-2/MI5126701 人工智慧與深度學習/W6 0325/6-ResNet.pptx
@@ -292,37 +292,38 @@
           <a:p>
             <a:pPr lvl="0"/>
             <a:r>
-              <a:rPr lang="zh-CN" altLang="en-US"/>
+              <a:rPr lang="zh-CN" altLang="en-US" smtClean="0"/>
               <a:t>单击此处编辑母版文本样式</a:t>
             </a:r>
           </a:p>
           <a:p>
             <a:pPr lvl="1"/>
             <a:r>
-              <a:rPr lang="zh-CN" altLang="en-US"/>
+              <a:rPr lang="zh-CN" altLang="en-US" smtClean="0"/>
               <a:t>第二级</a:t>
             </a:r>
           </a:p>
           <a:p>
             <a:pPr lvl="2"/>
             <a:r>
-              <a:rPr lang="zh-CN" altLang="en-US"/>
+              <a:rPr lang="zh-CN" altLang="en-US" smtClean="0"/>
               <a:t>第三级</a:t>
             </a:r>
           </a:p>
           <a:p>
             <a:pPr lvl="3"/>
             <a:r>
-              <a:rPr lang="zh-CN" altLang="en-US"/>
+              <a:rPr lang="zh-CN" altLang="en-US" smtClean="0"/>
               <a:t>第四级</a:t>
             </a:r>
           </a:p>
           <a:p>
             <a:pPr lvl="4"/>
             <a:r>
-              <a:rPr lang="zh-CN" altLang="en-US"/>
+              <a:rPr lang="zh-CN" altLang="en-US" smtClean="0"/>
               <a:t>第五级</a:t>
             </a:r>
+            <a:endParaRPr lang="zh-CN" altLang="en-US"/>
           </a:p>
         </p:txBody>
       </p:sp>
@@ -591,7 +592,7 @@
           <a:bodyPr lIns="91427" tIns="45714" rIns="91427" bIns="45714"/>
           <a:lstStyle/>
           <a:p>
-            <a:endParaRPr lang="en-US" dirty="0">
+            <a:endParaRPr lang="en-US">
               <a:latin typeface="Times New Roman" pitchFamily="18" charset="0"/>
               <a:ea typeface="ＭＳ Ｐゴシック" pitchFamily="34" charset="-128"/>
             </a:endParaRPr>
@@ -821,87 +822,7 @@
           <a:bodyPr lIns="91427" tIns="45714" rIns="91427" bIns="45714"/>
           <a:lstStyle/>
           <a:p>
-            <a:r>
-              <a:rPr lang="en-US" altLang="zh-TW" dirty="0" err="1">
-                <a:latin typeface="Times New Roman" pitchFamily="18" charset="0"/>
-                <a:ea typeface="ＭＳ Ｐゴシック" pitchFamily="34" charset="-128"/>
-              </a:rPr>
-              <a:t>ResNet</a:t>
-            </a:r>
-            <a:r>
-              <a:rPr lang="en-US" altLang="zh-TW" dirty="0">
-                <a:latin typeface="Times New Roman" pitchFamily="18" charset="0"/>
-                <a:ea typeface="ＭＳ Ｐゴシック" pitchFamily="34" charset="-128"/>
-              </a:rPr>
-              <a:t> </a:t>
-            </a:r>
-            <a:r>
-              <a:rPr lang="zh-TW" altLang="en-US" dirty="0">
-                <a:latin typeface="Times New Roman" pitchFamily="18" charset="0"/>
-                <a:ea typeface="ＭＳ Ｐゴシック" pitchFamily="34" charset="-128"/>
-              </a:rPr>
-              <a:t>首次出現在 </a:t>
-            </a:r>
-            <a:r>
-              <a:rPr lang="en-US" altLang="zh-TW" dirty="0">
-                <a:latin typeface="Times New Roman" pitchFamily="18" charset="0"/>
-                <a:ea typeface="ＭＳ Ｐゴシック" pitchFamily="34" charset="-128"/>
-              </a:rPr>
-              <a:t>2015 </a:t>
-            </a:r>
-            <a:r>
-              <a:rPr lang="zh-TW" altLang="en-US" dirty="0">
-                <a:latin typeface="Times New Roman" pitchFamily="18" charset="0"/>
-                <a:ea typeface="ＭＳ Ｐゴシック" pitchFamily="34" charset="-128"/>
-              </a:rPr>
-              <a:t>年的 </a:t>
-            </a:r>
-            <a:r>
-              <a:rPr lang="en-US" altLang="zh-TW" dirty="0">
-                <a:latin typeface="Times New Roman" pitchFamily="18" charset="0"/>
-                <a:ea typeface="ＭＳ Ｐゴシック" pitchFamily="34" charset="-128"/>
-              </a:rPr>
-              <a:t>ImageNet </a:t>
-            </a:r>
-            <a:r>
-              <a:rPr lang="zh-TW" altLang="en-US" dirty="0">
-                <a:latin typeface="Times New Roman" pitchFamily="18" charset="0"/>
-                <a:ea typeface="ＭＳ Ｐゴシック" pitchFamily="34" charset="-128"/>
-              </a:rPr>
-              <a:t>競賽中。顯著優於使用 </a:t>
-            </a:r>
-            <a:r>
-              <a:rPr lang="en-US" altLang="zh-TW" dirty="0">
-                <a:latin typeface="Times New Roman" pitchFamily="18" charset="0"/>
-                <a:ea typeface="ＭＳ Ｐゴシック" pitchFamily="34" charset="-128"/>
-              </a:rPr>
-              <a:t>152 </a:t>
-            </a:r>
-            <a:r>
-              <a:rPr lang="zh-TW" altLang="en-US" dirty="0">
-                <a:latin typeface="Times New Roman" pitchFamily="18" charset="0"/>
-                <a:ea typeface="ＭＳ Ｐゴシック" pitchFamily="34" charset="-128"/>
-              </a:rPr>
-              <a:t>層架構的所有其他型號。
-第一個克服退化問題的模型。
-降級問題：性能隨著隱藏層數的增加而提高。但是在一些隱藏層中，性能開始下降。 因此，不能用太多的層來訓練</a:t>
-            </a:r>
-            <a:r>
-              <a:rPr lang="en-US" altLang="zh-TW" dirty="0">
-                <a:latin typeface="Times New Roman" pitchFamily="18" charset="0"/>
-                <a:ea typeface="ＭＳ Ｐゴシック" pitchFamily="34" charset="-128"/>
-              </a:rPr>
-              <a:t>CNN</a:t>
-            </a:r>
-            <a:r>
-              <a:rPr lang="zh-TW" altLang="en-US" dirty="0">
-                <a:latin typeface="Times New Roman" pitchFamily="18" charset="0"/>
-                <a:ea typeface="ＭＳ Ｐゴシック" pitchFamily="34" charset="-128"/>
-              </a:rPr>
-              <a:t>。
-建議使用殘餘塊來解決問題。</a:t>
-            </a:r>
-            <a:endParaRPr lang="en-US" dirty="0">
+            <a:endParaRPr lang="en-US">
               <a:latin typeface="Times New Roman" pitchFamily="18" charset="0"/>
               <a:ea typeface="ＭＳ Ｐゴシック" pitchFamily="34" charset="-128"/>
             </a:endParaRPr>
@@ -1016,7 +937,7 @@
           <a:bodyPr lIns="91427" tIns="45714" rIns="91427" bIns="45714"/>
           <a:lstStyle/>
           <a:p>
-            <a:endParaRPr lang="en-US" dirty="0">
+            <a:endParaRPr lang="en-US">
               <a:latin typeface="Times New Roman" pitchFamily="18" charset="0"/>
               <a:ea typeface="ＭＳ Ｐゴシック" pitchFamily="34" charset="-128"/>
             </a:endParaRPr>
@@ -1131,7 +1052,7 @@
           <a:bodyPr lIns="91427" tIns="45714" rIns="91427" bIns="45714"/>
           <a:lstStyle/>
           <a:p>
-            <a:endParaRPr lang="en-US" dirty="0">
+            <a:endParaRPr lang="en-US">
               <a:latin typeface="Times New Roman" pitchFamily="18" charset="0"/>
               <a:ea typeface="ＭＳ Ｐゴシック" pitchFamily="34" charset="-128"/>
             </a:endParaRPr>
@@ -1246,120 +1167,7 @@
           <a:bodyPr lIns="91427" tIns="45714" rIns="91427" bIns="45714"/>
           <a:lstStyle/>
           <a:p>
-            <a:r>
-              <a:rPr lang="zh-TW" altLang="en-US" b="1" dirty="0">
-                <a:latin typeface="Times New Roman" pitchFamily="18" charset="0"/>
-                <a:ea typeface="ＭＳ Ｐゴシック" pitchFamily="34" charset="-128"/>
-              </a:rPr>
-              <a:t>殘差是 </a:t>
-            </a:r>
-            <a:r>
-              <a:rPr lang="en-US" altLang="zh-TW" b="1" dirty="0">
-                <a:latin typeface="Times New Roman" pitchFamily="18" charset="0"/>
-                <a:ea typeface="ＭＳ Ｐゴシック" pitchFamily="34" charset="-128"/>
-              </a:rPr>
-              <a:t>conv</a:t>
-            </a:r>
-            <a:r>
-              <a:rPr lang="zh-TW" altLang="en-US" b="1" dirty="0">
-                <a:latin typeface="Times New Roman" pitchFamily="18" charset="0"/>
-                <a:ea typeface="ＭＳ Ｐゴシック" pitchFamily="34" charset="-128"/>
-              </a:rPr>
-              <a:t>（</a:t>
-            </a:r>
-            <a:r>
-              <a:rPr lang="en-US" altLang="zh-TW" b="1" dirty="0">
-                <a:latin typeface="Times New Roman" pitchFamily="18" charset="0"/>
-                <a:ea typeface="ＭＳ Ｐゴシック" pitchFamily="34" charset="-128"/>
-              </a:rPr>
-              <a:t>X</a:t>
-            </a:r>
-            <a:r>
-              <a:rPr lang="zh-TW" altLang="en-US" b="1" dirty="0">
-                <a:latin typeface="Times New Roman" pitchFamily="18" charset="0"/>
-                <a:ea typeface="ＭＳ Ｐゴシック" pitchFamily="34" charset="-128"/>
-              </a:rPr>
-              <a:t>） </a:t>
-            </a:r>
-            <a:r>
-              <a:rPr lang="en-US" altLang="zh-TW" b="1" dirty="0">
-                <a:latin typeface="Times New Roman" pitchFamily="18" charset="0"/>
-                <a:ea typeface="ＭＳ Ｐゴシック" pitchFamily="34" charset="-128"/>
-              </a:rPr>
-              <a:t>– X;</a:t>
-            </a:r>
-          </a:p>
-          <a:p>
-            <a:r>
-              <a:rPr lang="zh-TW" altLang="en-US" b="1" dirty="0">
-                <a:latin typeface="Times New Roman" pitchFamily="18" charset="0"/>
-                <a:ea typeface="ＭＳ Ｐゴシック" pitchFamily="34" charset="-128"/>
-              </a:rPr>
-              <a:t>也就是說，轉換后 </a:t>
-            </a:r>
-            <a:r>
-              <a:rPr lang="en-US" altLang="zh-TW" b="1" dirty="0">
-                <a:latin typeface="Times New Roman" pitchFamily="18" charset="0"/>
-                <a:ea typeface="ＭＳ Ｐゴシック" pitchFamily="34" charset="-128"/>
-              </a:rPr>
-              <a:t>X </a:t>
-            </a:r>
-            <a:r>
-              <a:rPr lang="zh-TW" altLang="en-US" b="1" dirty="0">
-                <a:latin typeface="Times New Roman" pitchFamily="18" charset="0"/>
-                <a:ea typeface="ＭＳ Ｐゴシック" pitchFamily="34" charset="-128"/>
-              </a:rPr>
-              <a:t>減去原始 </a:t>
-            </a:r>
-            <a:r>
-              <a:rPr lang="en-US" altLang="zh-TW" b="1" dirty="0">
-                <a:latin typeface="Times New Roman" pitchFamily="18" charset="0"/>
-                <a:ea typeface="ＭＳ Ｐゴシック" pitchFamily="34" charset="-128"/>
-              </a:rPr>
-              <a:t>X </a:t>
-            </a:r>
-            <a:r>
-              <a:rPr lang="zh-TW" altLang="en-US" b="1" dirty="0">
-                <a:latin typeface="Times New Roman" pitchFamily="18" charset="0"/>
-                <a:ea typeface="ＭＳ Ｐゴシック" pitchFamily="34" charset="-128"/>
-              </a:rPr>
-              <a:t>的結果</a:t>
-            </a:r>
-            <a:r>
-              <a:rPr lang="zh-TW" altLang="en-US" dirty="0">
-                <a:latin typeface="Times New Roman" pitchFamily="18" charset="0"/>
-                <a:ea typeface="ＭＳ Ｐゴシック" pitchFamily="34" charset="-128"/>
-              </a:rPr>
-              <a:t>。
-理由是，如果前幾層已經學得很好，那麼這一層什麼也沒學到！ </a:t>
-            </a:r>
-            <a:endParaRPr lang="en-US" altLang="zh-TW" dirty="0">
-              <a:latin typeface="Times New Roman" pitchFamily="18" charset="0"/>
-              <a:ea typeface="ＭＳ Ｐゴシック" pitchFamily="34" charset="-128"/>
-            </a:endParaRPr>
-          </a:p>
-          <a:p>
-            <a:r>
-              <a:rPr lang="zh-TW" altLang="en-US" dirty="0">
-                <a:latin typeface="Times New Roman" pitchFamily="18" charset="0"/>
-                <a:ea typeface="ＭＳ Ｐゴシック" pitchFamily="34" charset="-128"/>
-              </a:rPr>
-              <a:t>但是，通過添加快捷方式，即使我們沒有學習任何新功能，我們也沒有忘記原始細節。</a:t>
-            </a:r>
-            <a:endParaRPr lang="en-US" altLang="zh-TW" dirty="0">
-              <a:latin typeface="Times New Roman" pitchFamily="18" charset="0"/>
-              <a:ea typeface="ＭＳ Ｐゴシック" pitchFamily="34" charset="-128"/>
-            </a:endParaRPr>
-          </a:p>
-          <a:p>
-            <a:r>
-              <a:rPr lang="zh-TW" altLang="en-US" dirty="0">
-                <a:latin typeface="Times New Roman" pitchFamily="18" charset="0"/>
-                <a:ea typeface="ＭＳ Ｐゴシック" pitchFamily="34" charset="-128"/>
-              </a:rPr>
-              <a:t>因此，添加此圖層不會降低性能！</a:t>
-            </a:r>
-            <a:endParaRPr lang="en-US" dirty="0">
+            <a:endParaRPr lang="en-US">
               <a:latin typeface="Times New Roman" pitchFamily="18" charset="0"/>
               <a:ea typeface="ＭＳ Ｐゴシック" pitchFamily="34" charset="-128"/>
             </a:endParaRPr>
@@ -1881,9 +1689,10 @@
           </a:lstStyle>
           <a:p>
             <a:r>
-              <a:rPr lang="zh-CN" altLang="en-US"/>
+              <a:rPr lang="zh-CN" altLang="en-US" smtClean="0"/>
               <a:t>单击此处编辑母版标题样式</a:t>
             </a:r>
+            <a:endParaRPr lang="zh-CN" altLang="en-US"/>
           </a:p>
         </p:txBody>
       </p:sp>
@@ -1945,9 +1754,10 @@
           </a:lstStyle>
           <a:p>
             <a:r>
-              <a:rPr lang="zh-CN" altLang="en-US"/>
+              <a:rPr lang="zh-CN" altLang="en-US" smtClean="0"/>
               <a:t>单击此处编辑母版副标题样式</a:t>
             </a:r>
+            <a:endParaRPr lang="zh-CN" altLang="en-US"/>
           </a:p>
         </p:txBody>
       </p:sp>
@@ -2028,6 +1838,13 @@
   <p:clrMapOvr>
     <a:masterClrMapping/>
   </p:clrMapOvr>
+  <p:timing>
+    <p:tnLst>
+      <p:par>
+        <p:cTn id="1" dur="indefinite" restart="never" nodeType="tmRoot"/>
+      </p:par>
+    </p:tnLst>
+  </p:timing>
 </p:sldLayout>
 </file>
 
@@ -2064,9 +1881,10 @@
           <a:lstStyle/>
           <a:p>
             <a:r>
-              <a:rPr lang="zh-CN" altLang="en-US"/>
+              <a:rPr lang="zh-CN" altLang="en-US" smtClean="0"/>
               <a:t>单击此处编辑母版标题样式</a:t>
             </a:r>
+            <a:endParaRPr lang="zh-CN" altLang="en-US"/>
           </a:p>
         </p:txBody>
       </p:sp>
@@ -2087,37 +1905,38 @@
           <a:p>
             <a:pPr lvl="0"/>
             <a:r>
-              <a:rPr lang="zh-CN" altLang="en-US"/>
+              <a:rPr lang="zh-CN" altLang="en-US" smtClean="0"/>
               <a:t>单击此处编辑母版文本样式</a:t>
             </a:r>
           </a:p>
           <a:p>
             <a:pPr lvl="1"/>
             <a:r>
-              <a:rPr lang="zh-CN" altLang="en-US"/>
+              <a:rPr lang="zh-CN" altLang="en-US" smtClean="0"/>
               <a:t>第二级</a:t>
             </a:r>
           </a:p>
           <a:p>
             <a:pPr lvl="2"/>
             <a:r>
-              <a:rPr lang="zh-CN" altLang="en-US"/>
+              <a:rPr lang="zh-CN" altLang="en-US" smtClean="0"/>
               <a:t>第三级</a:t>
             </a:r>
           </a:p>
           <a:p>
             <a:pPr lvl="3"/>
             <a:r>
-              <a:rPr lang="zh-CN" altLang="en-US"/>
+              <a:rPr lang="zh-CN" altLang="en-US" smtClean="0"/>
               <a:t>第四级</a:t>
             </a:r>
           </a:p>
           <a:p>
             <a:pPr lvl="4"/>
             <a:r>
-              <a:rPr lang="zh-CN" altLang="en-US"/>
+              <a:rPr lang="zh-CN" altLang="en-US" smtClean="0"/>
               <a:t>第五级</a:t>
             </a:r>
+            <a:endParaRPr lang="zh-CN" altLang="en-US"/>
           </a:p>
         </p:txBody>
       </p:sp>
@@ -2239,9 +2058,10 @@
           <a:lstStyle/>
           <a:p>
             <a:r>
-              <a:rPr lang="zh-CN" altLang="en-US"/>
+              <a:rPr lang="zh-CN" altLang="en-US" smtClean="0"/>
               <a:t>单击此处编辑母版标题样式</a:t>
             </a:r>
+            <a:endParaRPr lang="zh-CN" altLang="en-US"/>
           </a:p>
         </p:txBody>
       </p:sp>
@@ -2267,37 +2087,38 @@
           <a:p>
             <a:pPr lvl="0"/>
             <a:r>
-              <a:rPr lang="zh-CN" altLang="en-US"/>
+              <a:rPr lang="zh-CN" altLang="en-US" smtClean="0"/>
               <a:t>单击此处编辑母版文本样式</a:t>
             </a:r>
           </a:p>
           <a:p>
             <a:pPr lvl="1"/>
             <a:r>
-              <a:rPr lang="zh-CN" altLang="en-US"/>
+              <a:rPr lang="zh-CN" altLang="en-US" smtClean="0"/>
               <a:t>第二级</a:t>
             </a:r>
           </a:p>
           <a:p>
             <a:pPr lvl="2"/>
             <a:r>
-              <a:rPr lang="zh-CN" altLang="en-US"/>
+              <a:rPr lang="zh-CN" altLang="en-US" smtClean="0"/>
               <a:t>第三级</a:t>
             </a:r>
           </a:p>
           <a:p>
             <a:pPr lvl="3"/>
             <a:r>
-              <a:rPr lang="zh-CN" altLang="en-US"/>
+              <a:rPr lang="zh-CN" altLang="en-US" smtClean="0"/>
               <a:t>第四级</a:t>
             </a:r>
           </a:p>
           <a:p>
             <a:pPr lvl="4"/>
             <a:r>
-              <a:rPr lang="zh-CN" altLang="en-US"/>
+              <a:rPr lang="zh-CN" altLang="en-US" smtClean="0"/>
               <a:t>第五级</a:t>
             </a:r>
+            <a:endParaRPr lang="zh-CN" altLang="en-US"/>
           </a:p>
         </p:txBody>
       </p:sp>
@@ -2378,6 +2199,13 @@
   <p:clrMapOvr>
     <a:masterClrMapping/>
   </p:clrMapOvr>
+  <p:timing>
+    <p:tnLst>
+      <p:par>
+        <p:cTn id="1" dur="indefinite" restart="never" nodeType="tmRoot"/>
+      </p:par>
+    </p:tnLst>
+  </p:timing>
 </p:sldLayout>
 </file>
 
@@ -2448,6 +2276,13 @@
   <p:clrMapOvr>
     <a:masterClrMapping/>
   </p:clrMapOvr>
+  <p:timing>
+    <p:tnLst>
+      <p:par>
+        <p:cTn id="1" dur="indefinite" restart="never" nodeType="tmRoot"/>
+      </p:par>
+    </p:tnLst>
+  </p:timing>
 </p:sldLayout>
 </file>
 
@@ -2648,7 +2483,7 @@
               <a:buNone/>
             </a:pPr>
             <a:r>
-              <a:rPr lang="en-US" altLang="zh-CN" sz="4800" dirty="0">
+              <a:rPr lang="en-US" altLang="zh-CN" sz="4800" dirty="0" smtClean="0">
                 <a:solidFill>
                   <a:srgbClr val="C00000"/>
                 </a:solidFill>
@@ -2663,7 +2498,7 @@
               <a:t>Thank You</a:t>
             </a:r>
             <a:r>
-              <a:rPr lang="zh-CN" altLang="en-US" sz="4800" dirty="0">
+              <a:rPr lang="zh-CN" altLang="en-US" sz="4800" dirty="0" smtClean="0">
                 <a:solidFill>
                   <a:srgbClr val="C00000"/>
                 </a:solidFill>
@@ -2678,7 +2513,7 @@
               <a:t> </a:t>
             </a:r>
             <a:r>
-              <a:rPr lang="en-US" altLang="zh-CN" sz="4800" dirty="0">
+              <a:rPr lang="en-US" altLang="zh-CN" sz="4800" dirty="0" smtClean="0">
                 <a:solidFill>
                   <a:srgbClr val="C00000"/>
                 </a:solidFill>
@@ -2705,6 +2540,13 @@
   <p:clrMapOvr>
     <a:masterClrMapping/>
   </p:clrMapOvr>
+  <p:timing>
+    <p:tnLst>
+      <p:par>
+        <p:cTn id="1" dur="indefinite" restart="never" nodeType="tmRoot"/>
+      </p:par>
+    </p:tnLst>
+  </p:timing>
 </p:sldLayout>
 </file>
 
@@ -2741,9 +2583,10 @@
           <a:lstStyle/>
           <a:p>
             <a:r>
-              <a:rPr lang="zh-CN" altLang="en-US"/>
+              <a:rPr lang="zh-CN" altLang="en-US" smtClean="0"/>
               <a:t>单击此处编辑母版标题样式</a:t>
             </a:r>
+            <a:endParaRPr lang="zh-CN" altLang="en-US"/>
           </a:p>
         </p:txBody>
       </p:sp>
@@ -2764,37 +2607,38 @@
           <a:p>
             <a:pPr lvl="0"/>
             <a:r>
-              <a:rPr lang="zh-CN" altLang="en-US"/>
+              <a:rPr lang="zh-CN" altLang="en-US" smtClean="0"/>
               <a:t>单击此处编辑母版文本样式</a:t>
             </a:r>
           </a:p>
           <a:p>
             <a:pPr lvl="1"/>
             <a:r>
-              <a:rPr lang="zh-CN" altLang="en-US"/>
+              <a:rPr lang="zh-CN" altLang="en-US" smtClean="0"/>
               <a:t>第二级</a:t>
             </a:r>
           </a:p>
           <a:p>
             <a:pPr lvl="2"/>
             <a:r>
-              <a:rPr lang="zh-CN" altLang="en-US"/>
+              <a:rPr lang="zh-CN" altLang="en-US" smtClean="0"/>
               <a:t>第三级</a:t>
             </a:r>
           </a:p>
           <a:p>
             <a:pPr lvl="3"/>
             <a:r>
-              <a:rPr lang="zh-CN" altLang="en-US"/>
+              <a:rPr lang="zh-CN" altLang="en-US" smtClean="0"/>
               <a:t>第四级</a:t>
             </a:r>
           </a:p>
           <a:p>
             <a:pPr lvl="4"/>
             <a:r>
-              <a:rPr lang="zh-CN" altLang="en-US"/>
+              <a:rPr lang="zh-CN" altLang="en-US" smtClean="0"/>
               <a:t>第五级</a:t>
             </a:r>
+            <a:endParaRPr lang="zh-CN" altLang="en-US"/>
           </a:p>
         </p:txBody>
       </p:sp>
@@ -2875,6 +2719,13 @@
   <p:clrMapOvr>
     <a:masterClrMapping/>
   </p:clrMapOvr>
+  <p:timing>
+    <p:tnLst>
+      <p:par>
+        <p:cTn id="1" dur="indefinite" restart="never" nodeType="tmRoot"/>
+      </p:par>
+    </p:tnLst>
+  </p:timing>
 </p:sldLayout>
 </file>
 
@@ -2920,9 +2771,10 @@
           </a:lstStyle>
           <a:p>
             <a:r>
-              <a:rPr lang="zh-CN" altLang="en-US"/>
+              <a:rPr lang="zh-CN" altLang="en-US" smtClean="0"/>
               <a:t>单击此处编辑母版标题样式</a:t>
             </a:r>
+            <a:endParaRPr lang="zh-CN" altLang="en-US"/>
           </a:p>
         </p:txBody>
       </p:sp>
@@ -3039,7 +2891,7 @@
           <a:p>
             <a:pPr lvl="0"/>
             <a:r>
-              <a:rPr lang="zh-CN" altLang="en-US"/>
+              <a:rPr lang="zh-CN" altLang="en-US" smtClean="0"/>
               <a:t>单击此处编辑母版文本样式</a:t>
             </a:r>
           </a:p>
@@ -3158,9 +3010,10 @@
           <a:lstStyle/>
           <a:p>
             <a:r>
-              <a:rPr lang="zh-CN" altLang="en-US"/>
+              <a:rPr lang="zh-CN" altLang="en-US" smtClean="0"/>
               <a:t>单击此处编辑母版标题样式</a:t>
             </a:r>
+            <a:endParaRPr lang="zh-CN" altLang="en-US"/>
           </a:p>
         </p:txBody>
       </p:sp>
@@ -3186,37 +3039,38 @@
           <a:p>
             <a:pPr lvl="0"/>
             <a:r>
-              <a:rPr lang="zh-CN" altLang="en-US"/>
+              <a:rPr lang="zh-CN" altLang="en-US" smtClean="0"/>
               <a:t>单击此处编辑母版文本样式</a:t>
             </a:r>
           </a:p>
           <a:p>
             <a:pPr lvl="1"/>
             <a:r>
-              <a:rPr lang="zh-CN" altLang="en-US"/>
+              <a:rPr lang="zh-CN" altLang="en-US" smtClean="0"/>
               <a:t>第二级</a:t>
             </a:r>
           </a:p>
           <a:p>
             <a:pPr lvl="2"/>
             <a:r>
-              <a:rPr lang="zh-CN" altLang="en-US"/>
+              <a:rPr lang="zh-CN" altLang="en-US" smtClean="0"/>
               <a:t>第三级</a:t>
             </a:r>
           </a:p>
           <a:p>
             <a:pPr lvl="3"/>
             <a:r>
-              <a:rPr lang="zh-CN" altLang="en-US"/>
+              <a:rPr lang="zh-CN" altLang="en-US" smtClean="0"/>
               <a:t>第四级</a:t>
             </a:r>
           </a:p>
           <a:p>
             <a:pPr lvl="4"/>
             <a:r>
-              <a:rPr lang="zh-CN" altLang="en-US"/>
+              <a:rPr lang="zh-CN" altLang="en-US" smtClean="0"/>
               <a:t>第五级</a:t>
             </a:r>
+            <a:endParaRPr lang="zh-CN" altLang="en-US"/>
           </a:p>
         </p:txBody>
       </p:sp>
@@ -3242,37 +3096,38 @@
           <a:p>
             <a:pPr lvl="0"/>
             <a:r>
-              <a:rPr lang="zh-CN" altLang="en-US"/>
+              <a:rPr lang="zh-CN" altLang="en-US" smtClean="0"/>
               <a:t>单击此处编辑母版文本样式</a:t>
             </a:r>
           </a:p>
           <a:p>
             <a:pPr lvl="1"/>
             <a:r>
-              <a:rPr lang="zh-CN" altLang="en-US"/>
+              <a:rPr lang="zh-CN" altLang="en-US" smtClean="0"/>
               <a:t>第二级</a:t>
             </a:r>
           </a:p>
           <a:p>
             <a:pPr lvl="2"/>
             <a:r>
-              <a:rPr lang="zh-CN" altLang="en-US"/>
+              <a:rPr lang="zh-CN" altLang="en-US" smtClean="0"/>
               <a:t>第三级</a:t>
             </a:r>
           </a:p>
           <a:p>
             <a:pPr lvl="3"/>
             <a:r>
-              <a:rPr lang="zh-CN" altLang="en-US"/>
+              <a:rPr lang="zh-CN" altLang="en-US" smtClean="0"/>
               <a:t>第四级</a:t>
             </a:r>
           </a:p>
           <a:p>
             <a:pPr lvl="4"/>
             <a:r>
-              <a:rPr lang="zh-CN" altLang="en-US"/>
+              <a:rPr lang="zh-CN" altLang="en-US" smtClean="0"/>
               <a:t>第五级</a:t>
             </a:r>
+            <a:endParaRPr lang="zh-CN" altLang="en-US"/>
           </a:p>
         </p:txBody>
       </p:sp>
@@ -3394,9 +3249,10 @@
           <a:lstStyle/>
           <a:p>
             <a:r>
-              <a:rPr lang="zh-CN" altLang="en-US"/>
+              <a:rPr lang="zh-CN" altLang="en-US" smtClean="0"/>
               <a:t>单击此处编辑母版标题样式</a:t>
             </a:r>
+            <a:endParaRPr lang="zh-CN" altLang="en-US"/>
           </a:p>
         </p:txBody>
       </p:sp>
@@ -3459,7 +3315,7 @@
           <a:p>
             <a:pPr lvl="0"/>
             <a:r>
-              <a:rPr lang="zh-CN" altLang="en-US"/>
+              <a:rPr lang="zh-CN" altLang="en-US" smtClean="0"/>
               <a:t>单击此处编辑母版文本样式</a:t>
             </a:r>
           </a:p>
@@ -3487,37 +3343,38 @@
           <a:p>
             <a:pPr lvl="0"/>
             <a:r>
-              <a:rPr lang="zh-CN" altLang="en-US"/>
+              <a:rPr lang="zh-CN" altLang="en-US" smtClean="0"/>
               <a:t>单击此处编辑母版文本样式</a:t>
             </a:r>
           </a:p>
           <a:p>
             <a:pPr lvl="1"/>
             <a:r>
-              <a:rPr lang="zh-CN" altLang="en-US"/>
+              <a:rPr lang="zh-CN" altLang="en-US" smtClean="0"/>
               <a:t>第二级</a:t>
             </a:r>
           </a:p>
           <a:p>
             <a:pPr lvl="2"/>
             <a:r>
-              <a:rPr lang="zh-CN" altLang="en-US"/>
+              <a:rPr lang="zh-CN" altLang="en-US" smtClean="0"/>
               <a:t>第三级</a:t>
             </a:r>
           </a:p>
           <a:p>
             <a:pPr lvl="3"/>
             <a:r>
-              <a:rPr lang="zh-CN" altLang="en-US"/>
+              <a:rPr lang="zh-CN" altLang="en-US" smtClean="0"/>
               <a:t>第四级</a:t>
             </a:r>
           </a:p>
           <a:p>
             <a:pPr lvl="4"/>
             <a:r>
-              <a:rPr lang="zh-CN" altLang="en-US"/>
+              <a:rPr lang="zh-CN" altLang="en-US" smtClean="0"/>
               <a:t>第五级</a:t>
             </a:r>
+            <a:endParaRPr lang="zh-CN" altLang="en-US"/>
           </a:p>
         </p:txBody>
       </p:sp>
@@ -3580,7 +3437,7 @@
           <a:p>
             <a:pPr lvl="0"/>
             <a:r>
-              <a:rPr lang="zh-CN" altLang="en-US"/>
+              <a:rPr lang="zh-CN" altLang="en-US" smtClean="0"/>
               <a:t>单击此处编辑母版文本样式</a:t>
             </a:r>
           </a:p>
@@ -3608,37 +3465,38 @@
           <a:p>
             <a:pPr lvl="0"/>
             <a:r>
-              <a:rPr lang="zh-CN" altLang="en-US"/>
+              <a:rPr lang="zh-CN" altLang="en-US" smtClean="0"/>
               <a:t>单击此处编辑母版文本样式</a:t>
             </a:r>
           </a:p>
           <a:p>
             <a:pPr lvl="1"/>
             <a:r>
-              <a:rPr lang="zh-CN" altLang="en-US"/>
+              <a:rPr lang="zh-CN" altLang="en-US" smtClean="0"/>
               <a:t>第二级</a:t>
             </a:r>
           </a:p>
           <a:p>
             <a:pPr lvl="2"/>
             <a:r>
-              <a:rPr lang="zh-CN" altLang="en-US"/>
+              <a:rPr lang="zh-CN" altLang="en-US" smtClean="0"/>
               <a:t>第三级</a:t>
             </a:r>
           </a:p>
           <a:p>
             <a:pPr lvl="3"/>
             <a:r>
-              <a:rPr lang="zh-CN" altLang="en-US"/>
+              <a:rPr lang="zh-CN" altLang="en-US" smtClean="0"/>
               <a:t>第四级</a:t>
             </a:r>
           </a:p>
           <a:p>
             <a:pPr lvl="4"/>
             <a:r>
-              <a:rPr lang="zh-CN" altLang="en-US"/>
+              <a:rPr lang="zh-CN" altLang="en-US" smtClean="0"/>
               <a:t>第五级</a:t>
             </a:r>
+            <a:endParaRPr lang="zh-CN" altLang="en-US"/>
           </a:p>
         </p:txBody>
       </p:sp>
@@ -3755,9 +3613,10 @@
           <a:lstStyle/>
           <a:p>
             <a:r>
-              <a:rPr lang="zh-CN" altLang="en-US"/>
+              <a:rPr lang="zh-CN" altLang="en-US" smtClean="0"/>
               <a:t>单击此处编辑母版标题样式</a:t>
             </a:r>
+            <a:endParaRPr lang="zh-CN" altLang="en-US"/>
           </a:p>
         </p:txBody>
       </p:sp>
@@ -3980,9 +3839,10 @@
           </a:lstStyle>
           <a:p>
             <a:r>
-              <a:rPr lang="zh-CN" altLang="en-US"/>
+              <a:rPr lang="zh-CN" altLang="en-US" smtClean="0"/>
               <a:t>单击此处编辑母版标题样式</a:t>
             </a:r>
+            <a:endParaRPr lang="zh-CN" altLang="en-US"/>
           </a:p>
         </p:txBody>
       </p:sp>
@@ -4036,37 +3896,38 @@
           <a:p>
             <a:pPr lvl="0"/>
             <a:r>
-              <a:rPr lang="zh-CN" altLang="en-US"/>
+              <a:rPr lang="zh-CN" altLang="en-US" smtClean="0"/>
               <a:t>单击此处编辑母版文本样式</a:t>
             </a:r>
           </a:p>
           <a:p>
             <a:pPr lvl="1"/>
             <a:r>
-              <a:rPr lang="zh-CN" altLang="en-US"/>
+              <a:rPr lang="zh-CN" altLang="en-US" smtClean="0"/>
               <a:t>第二级</a:t>
             </a:r>
           </a:p>
           <a:p>
             <a:pPr lvl="2"/>
             <a:r>
-              <a:rPr lang="zh-CN" altLang="en-US"/>
+              <a:rPr lang="zh-CN" altLang="en-US" smtClean="0"/>
               <a:t>第三级</a:t>
             </a:r>
           </a:p>
           <a:p>
             <a:pPr lvl="3"/>
             <a:r>
-              <a:rPr lang="zh-CN" altLang="en-US"/>
+              <a:rPr lang="zh-CN" altLang="en-US" smtClean="0"/>
               <a:t>第四级</a:t>
             </a:r>
           </a:p>
           <a:p>
             <a:pPr lvl="4"/>
             <a:r>
-              <a:rPr lang="zh-CN" altLang="en-US"/>
+              <a:rPr lang="zh-CN" altLang="en-US" smtClean="0"/>
               <a:t>第五级</a:t>
             </a:r>
+            <a:endParaRPr lang="zh-CN" altLang="en-US"/>
           </a:p>
         </p:txBody>
       </p:sp>
@@ -4129,7 +3990,7 @@
           <a:p>
             <a:pPr lvl="0"/>
             <a:r>
-              <a:rPr lang="zh-CN" altLang="en-US"/>
+              <a:rPr lang="zh-CN" altLang="en-US" smtClean="0"/>
               <a:t>单击此处编辑母版文本样式</a:t>
             </a:r>
           </a:p>
@@ -4257,9 +4118,10 @@
           </a:lstStyle>
           <a:p>
             <a:r>
-              <a:rPr lang="zh-CN" altLang="en-US"/>
+              <a:rPr lang="zh-CN" altLang="en-US" smtClean="0"/>
               <a:t>单击此处编辑母版标题样式</a:t>
             </a:r>
+            <a:endParaRPr lang="zh-CN" altLang="en-US"/>
           </a:p>
         </p:txBody>
       </p:sp>
@@ -4383,7 +4245,7 @@
           <a:p>
             <a:pPr lvl="0"/>
             <a:r>
-              <a:rPr lang="zh-CN" altLang="en-US"/>
+              <a:rPr lang="zh-CN" altLang="en-US" smtClean="0"/>
               <a:t>单击此处编辑母版文本样式</a:t>
             </a:r>
           </a:p>
@@ -4517,9 +4379,10 @@
           <a:lstStyle/>
           <a:p>
             <a:r>
-              <a:rPr lang="zh-CN" altLang="en-US"/>
+              <a:rPr lang="zh-CN" altLang="en-US" smtClean="0"/>
               <a:t>单击此处编辑母版标题样式</a:t>
             </a:r>
+            <a:endParaRPr lang="zh-CN" altLang="en-US"/>
           </a:p>
         </p:txBody>
       </p:sp>
@@ -4550,37 +4413,38 @@
           <a:p>
             <a:pPr lvl="0"/>
             <a:r>
-              <a:rPr lang="zh-CN" altLang="en-US"/>
+              <a:rPr lang="zh-CN" altLang="en-US" smtClean="0"/>
               <a:t>单击此处编辑母版文本样式</a:t>
             </a:r>
           </a:p>
           <a:p>
             <a:pPr lvl="1"/>
             <a:r>
-              <a:rPr lang="zh-CN" altLang="en-US"/>
+              <a:rPr lang="zh-CN" altLang="en-US" smtClean="0"/>
               <a:t>第二级</a:t>
             </a:r>
           </a:p>
           <a:p>
             <a:pPr lvl="2"/>
             <a:r>
-              <a:rPr lang="zh-CN" altLang="en-US"/>
+              <a:rPr lang="zh-CN" altLang="en-US" smtClean="0"/>
               <a:t>第三级</a:t>
             </a:r>
           </a:p>
           <a:p>
             <a:pPr lvl="3"/>
             <a:r>
-              <a:rPr lang="zh-CN" altLang="en-US"/>
+              <a:rPr lang="zh-CN" altLang="en-US" smtClean="0"/>
               <a:t>第四级</a:t>
             </a:r>
           </a:p>
           <a:p>
             <a:pPr lvl="4"/>
             <a:r>
-              <a:rPr lang="zh-CN" altLang="en-US"/>
+              <a:rPr lang="zh-CN" altLang="en-US" smtClean="0"/>
               <a:t>第五级</a:t>
             </a:r>
+            <a:endParaRPr lang="zh-CN" altLang="en-US"/>
           </a:p>
         </p:txBody>
       </p:sp>
@@ -4728,6 +4592,13 @@
     <p:sldLayoutId id="2147483662" r:id="rId12"/>
     <p:sldLayoutId id="2147483663" r:id="rId13"/>
   </p:sldLayoutIdLst>
+  <p:timing>
+    <p:tnLst>
+      <p:par>
+        <p:cTn id="1" dur="indefinite" restart="never" nodeType="tmRoot"/>
+      </p:par>
+    </p:tnLst>
+  </p:timing>
   <p:txStyles>
     <p:titleStyle>
       <a:lvl1pPr algn="l" defTabSz="914400" rtl="0" eaLnBrk="1" latinLnBrk="0" hangingPunct="1">
@@ -5221,7 +5092,7 @@
               <a:buNone/>
             </a:pPr>
             <a:r>
-              <a:rPr lang="en-US" altLang="zh-CN" sz="3600" b="1" dirty="0">
+              <a:rPr lang="en-US" altLang="zh-CN" sz="3600" b="1" dirty="0" smtClean="0">
                 <a:solidFill>
                   <a:schemeClr val="bg1"/>
                 </a:solidFill>
@@ -5229,7 +5100,7 @@
               <a:t>Residual Nets (</a:t>
             </a:r>
             <a:r>
-              <a:rPr lang="en-US" altLang="zh-CN" sz="3600" b="1" dirty="0" err="1">
+              <a:rPr lang="en-US" altLang="zh-CN" sz="3600" b="1" dirty="0" err="1" smtClean="0">
                 <a:solidFill>
                   <a:schemeClr val="bg1"/>
                 </a:solidFill>
@@ -5237,14 +5108,14 @@
               <a:t>ResNet</a:t>
             </a:r>
             <a:r>
-              <a:rPr lang="en-US" altLang="zh-CN" sz="3600" b="1" dirty="0">
+              <a:rPr lang="en-US" altLang="zh-CN" sz="3600" b="1" dirty="0" smtClean="0">
                 <a:solidFill>
                   <a:schemeClr val="bg1"/>
                 </a:solidFill>
               </a:rPr>
               <a:t>)</a:t>
             </a:r>
-            <a:endParaRPr lang="en-US" sz="1800" b="1" dirty="0">
+            <a:endParaRPr lang="en-US" sz="1800" b="1" dirty="0" smtClean="0">
               <a:solidFill>
                 <a:schemeClr val="bg1"/>
               </a:solidFill>
@@ -5256,7 +5127,7 @@
               <a:buNone/>
             </a:pPr>
             <a:r>
-              <a:rPr lang="en-US" b="1" dirty="0">
+              <a:rPr lang="en-US" b="1" dirty="0" smtClean="0">
                 <a:solidFill>
                   <a:schemeClr val="bg1"/>
                 </a:solidFill>
@@ -5269,7 +5140,7 @@
               <a:buFont typeface="Arial" panose="020B0604020202020204" pitchFamily="34" charset="0"/>
               <a:buNone/>
             </a:pPr>
-            <a:endParaRPr lang="en-US" altLang="zh-CN" sz="1600" b="1" dirty="0">
+            <a:endParaRPr lang="en-US" altLang="zh-CN" sz="1600" b="1" dirty="0" smtClean="0">
               <a:solidFill>
                 <a:schemeClr val="bg1"/>
               </a:solidFill>
@@ -5314,7 +5185,7 @@
               <a:buChar char="•"/>
             </a:pPr>
             <a:r>
-              <a:rPr lang="en-US" altLang="zh-CN" sz="2400" b="1" dirty="0"/>
+              <a:rPr lang="en-US" altLang="zh-CN" sz="2400" b="1" dirty="0" smtClean="0"/>
               <a:t>Performance</a:t>
             </a:r>
           </a:p>
@@ -5325,7 +5196,11 @@
             </a:pPr>
             <a:r>
               <a:rPr lang="en-US" altLang="zh-CN" sz="2400" b="1" dirty="0"/>
-              <a:t>Architecture</a:t>
+              <a:t>A</a:t>
+            </a:r>
+            <a:r>
+              <a:rPr lang="en-US" altLang="zh-CN" sz="2400" b="1" dirty="0" smtClean="0"/>
+              <a:t>rchitecture</a:t>
             </a:r>
           </a:p>
           <a:p>
@@ -5334,7 +5209,7 @@
               <a:buChar char="•"/>
             </a:pPr>
             <a:r>
-              <a:rPr lang="en-US" altLang="zh-CN" sz="2400" b="1" dirty="0"/>
+              <a:rPr lang="en-US" altLang="zh-CN" sz="2400" b="1" dirty="0" smtClean="0"/>
               <a:t>Residual Block</a:t>
             </a:r>
           </a:p>
@@ -5344,10 +5219,10 @@
               <a:buChar char="•"/>
             </a:pPr>
             <a:r>
-              <a:rPr lang="en-US" altLang="zh-CN" sz="2400" b="1" dirty="0" err="1"/>
+              <a:rPr lang="en-US" altLang="zh-CN" sz="2400" b="1" dirty="0" err="1" smtClean="0"/>
               <a:t>BatchNormalization</a:t>
             </a:r>
-            <a:endParaRPr lang="en-US" altLang="zh-CN" sz="2400" b="1" dirty="0"/>
+            <a:endParaRPr lang="en-US" altLang="zh-CN" sz="2400" b="1" dirty="0" smtClean="0"/>
           </a:p>
           <a:p>
             <a:pPr marL="342900" indent="-342900">
@@ -5355,7 +5230,7 @@
               <a:buChar char="•"/>
             </a:pPr>
             <a:r>
-              <a:rPr lang="en-US" altLang="zh-CN" sz="2400" b="1" dirty="0" err="1"/>
+              <a:rPr lang="en-US" altLang="zh-CN" sz="2400" b="1" dirty="0" err="1" smtClean="0"/>
               <a:t>GlobalAveragePooling</a:t>
             </a:r>
             <a:endParaRPr lang="en-US" altLang="zh-CN" sz="2400" b="1" dirty="0"/>
@@ -5366,11 +5241,11 @@
               <a:buChar char="•"/>
             </a:pPr>
             <a:r>
-              <a:rPr lang="en-US" altLang="zh-CN" sz="2400" b="1" dirty="0" err="1"/>
+              <a:rPr lang="en-US" altLang="zh-CN" sz="2400" b="1" dirty="0" err="1" smtClean="0"/>
               <a:t>ResNet</a:t>
             </a:r>
             <a:r>
-              <a:rPr lang="en-US" altLang="zh-CN" sz="2400" b="1" dirty="0"/>
+              <a:rPr lang="en-US" altLang="zh-CN" sz="2400" b="1" dirty="0" smtClean="0"/>
               <a:t> Design</a:t>
             </a:r>
           </a:p>
@@ -5380,14 +5255,14 @@
               <a:buChar char="•"/>
             </a:pPr>
             <a:r>
-              <a:rPr lang="en-US" altLang="zh-CN" sz="2400" b="1" dirty="0"/>
+              <a:rPr lang="en-US" altLang="zh-CN" sz="2400" b="1" dirty="0" smtClean="0"/>
               <a:t>Functional API of </a:t>
             </a:r>
             <a:r>
-              <a:rPr lang="en-US" altLang="zh-CN" sz="2400" b="1" dirty="0" err="1"/>
+              <a:rPr lang="en-US" altLang="zh-CN" sz="2400" b="1" dirty="0" err="1" smtClean="0"/>
               <a:t>TensorFlow</a:t>
             </a:r>
-            <a:endParaRPr lang="en-US" altLang="zh-CN" sz="2400" b="1" dirty="0"/>
+            <a:endParaRPr lang="en-US" altLang="zh-CN" sz="2400" b="1" dirty="0" smtClean="0"/>
           </a:p>
           <a:p>
             <a:pPr marL="342900" indent="-342900">
@@ -5395,7 +5270,7 @@
               <a:buChar char="•"/>
             </a:pPr>
             <a:r>
-              <a:rPr lang="en-US" altLang="zh-CN" sz="2400" b="1" dirty="0"/>
+              <a:rPr lang="en-US" altLang="zh-CN" sz="2400" b="1" dirty="0" smtClean="0"/>
               <a:t>Program for Cifar10</a:t>
             </a:r>
           </a:p>
@@ -5404,7 +5279,7 @@
               <a:buFont typeface="Arial" panose="020B0604020202020204" pitchFamily="34" charset="0"/>
               <a:buChar char="•"/>
             </a:pPr>
-            <a:endParaRPr lang="en-US" altLang="zh-CN" sz="2400" b="1" dirty="0"/>
+            <a:endParaRPr lang="en-US" altLang="zh-CN" sz="2400" b="1" dirty="0" smtClean="0"/>
           </a:p>
         </p:txBody>
       </p:sp>
@@ -5418,6 +5293,13 @@
   <p:clrMapOvr>
     <a:masterClrMapping/>
   </p:clrMapOvr>
+  <p:timing>
+    <p:tnLst>
+      <p:par>
+        <p:cTn id="1" dur="indefinite" restart="never" nodeType="tmRoot"/>
+      </p:par>
+    </p:tnLst>
+  </p:timing>
 </p:sld>
 </file>
 
@@ -5535,15 +5417,15 @@
               <a:buChar char="§"/>
             </a:pPr>
             <a:r>
-              <a:rPr lang="en-US" sz="2400" b="1" dirty="0"/>
+              <a:rPr lang="en-US" sz="2400" b="1" dirty="0" smtClean="0"/>
               <a:t>A layer in between the </a:t>
             </a:r>
             <a:r>
-              <a:rPr lang="en-US" sz="2400" b="1" dirty="0" err="1"/>
+              <a:rPr lang="en-US" sz="2400" b="1" dirty="0" err="1" smtClean="0"/>
               <a:t>conv</a:t>
             </a:r>
             <a:r>
-              <a:rPr lang="en-US" sz="2400" b="1" dirty="0"/>
+              <a:rPr lang="en-US" sz="2400" b="1" dirty="0" smtClean="0"/>
               <a:t> layer and the activation layer</a:t>
             </a:r>
           </a:p>
@@ -5557,9 +5439,10 @@
               <a:buChar char="§"/>
             </a:pPr>
             <a:r>
-              <a:rPr lang="en-US" sz="2400" b="1" dirty="0"/>
+              <a:rPr lang="en-US" sz="2400" b="1" dirty="0" smtClean="0"/>
               <a:t>To transform the feature map to standard normal distribution, mean = 0 and standard deviation = 1.</a:t>
             </a:r>
+            <a:endParaRPr lang="en-US" sz="2400" b="1" dirty="0"/>
           </a:p>
           <a:p>
             <a:pPr marL="342900" indent="-342900">
@@ -5582,7 +5465,7 @@
               <a:buChar char="§"/>
             </a:pPr>
             <a:r>
-              <a:rPr lang="en-US" sz="2400" b="1" dirty="0"/>
+              <a:rPr lang="en-US" sz="2400" b="1" dirty="0" smtClean="0"/>
               <a:t>To ease the training and prevent overfitting.</a:t>
             </a:r>
           </a:p>
@@ -5596,7 +5479,7 @@
               <a:buChar char="§"/>
             </a:pPr>
             <a:r>
-              <a:rPr lang="en-US" sz="2400" b="1" dirty="0"/>
+              <a:rPr lang="en-US" sz="2400" b="1" dirty="0" smtClean="0"/>
               <a:t>Better than the dropout layer, and cannot be used with the dropout layer.</a:t>
             </a:r>
           </a:p>
@@ -5651,7 +5534,7 @@
           <a:lstStyle/>
           <a:p>
             <a:r>
-              <a:rPr lang="en-US" sz="3600" b="1" dirty="0" err="1">
+              <a:rPr lang="en-US" sz="3600" b="1" dirty="0" err="1" smtClean="0">
                 <a:solidFill>
                   <a:schemeClr val="accent1">
                     <a:lumMod val="75000"/>
@@ -5684,6 +5567,13 @@
   <p:clrMapOvr>
     <a:masterClrMapping/>
   </p:clrMapOvr>
+  <p:timing>
+    <p:tnLst>
+      <p:par>
+        <p:cTn id="1" dur="indefinite" restart="never" nodeType="tmRoot"/>
+      </p:par>
+    </p:tnLst>
+  </p:timing>
 </p:sld>
 </file>
 
@@ -5801,7 +5691,7 @@
               <a:buChar char="§"/>
             </a:pPr>
             <a:r>
-              <a:rPr lang="en-US" sz="2400" b="1" dirty="0"/>
+              <a:rPr lang="en-US" sz="2400" b="1" dirty="0" smtClean="0"/>
               <a:t>To average pooling a channel of a multi-channel feature map to a number</a:t>
             </a:r>
           </a:p>
@@ -5815,9 +5705,10 @@
               <a:buChar char="§"/>
             </a:pPr>
             <a:r>
-              <a:rPr lang="en-US" sz="2400" b="1" dirty="0"/>
+              <a:rPr lang="en-US" sz="2400" b="1" dirty="0" smtClean="0"/>
               <a:t>GlobalAveragePooling2D can be used to replace the flatten layer</a:t>
             </a:r>
+            <a:endParaRPr lang="en-US" sz="2400" b="1" dirty="0"/>
           </a:p>
           <a:p>
             <a:pPr marL="342900" indent="-342900">
@@ -5881,7 +5772,7 @@
           <a:lstStyle/>
           <a:p>
             <a:r>
-              <a:rPr lang="en-US" sz="3600" b="1" dirty="0">
+              <a:rPr lang="en-US" sz="3600" b="1" dirty="0" smtClean="0">
                 <a:solidFill>
                   <a:schemeClr val="accent1">
                     <a:lumMod val="75000"/>
@@ -5892,6 +5783,15 @@
               </a:rPr>
               <a:t>GlobalAveragePooling2D</a:t>
             </a:r>
+            <a:endParaRPr lang="en-US" sz="3600" b="1" dirty="0">
+              <a:solidFill>
+                <a:schemeClr val="accent1">
+                  <a:lumMod val="75000"/>
+                </a:schemeClr>
+              </a:solidFill>
+              <a:latin typeface="Arial" panose="020B0604020202020204" pitchFamily="34" charset="0"/>
+              <a:cs typeface="Arial" panose="020B0604020202020204" pitchFamily="34" charset="0"/>
+            </a:endParaRPr>
           </a:p>
         </p:txBody>
       </p:sp>
@@ -6118,7 +6018,7 @@
           <a:lstStyle/>
           <a:p>
             <a:r>
-              <a:rPr lang="en-US" altLang="zh-TW" dirty="0"/>
+              <a:rPr lang="en-US" altLang="zh-TW" dirty="0" smtClean="0"/>
               <a:t>A</a:t>
             </a:r>
             <a:endParaRPr lang="zh-TW" altLang="en-US" dirty="0"/>
@@ -6148,7 +6048,7 @@
           <a:lstStyle/>
           <a:p>
             <a:r>
-              <a:rPr lang="en-US" altLang="zh-TW" dirty="0"/>
+              <a:rPr lang="en-US" altLang="zh-TW" dirty="0" smtClean="0"/>
               <a:t>B</a:t>
             </a:r>
             <a:endParaRPr lang="zh-TW" altLang="en-US" dirty="0"/>
@@ -6178,7 +6078,7 @@
           <a:lstStyle/>
           <a:p>
             <a:r>
-              <a:rPr lang="en-US" altLang="zh-TW" dirty="0"/>
+              <a:rPr lang="en-US" altLang="zh-TW" dirty="0" smtClean="0"/>
               <a:t>Map A average pooled to the red node</a:t>
             </a:r>
             <a:endParaRPr lang="zh-TW" altLang="en-US" dirty="0"/>
@@ -6208,7 +6108,7 @@
           <a:lstStyle/>
           <a:p>
             <a:r>
-              <a:rPr lang="en-US" altLang="zh-TW" dirty="0"/>
+              <a:rPr lang="en-US" altLang="zh-TW" dirty="0" smtClean="0"/>
               <a:t>Map B average pooled to the blue node</a:t>
             </a:r>
             <a:endParaRPr lang="zh-TW" altLang="en-US" dirty="0"/>
@@ -6238,7 +6138,7 @@
           <a:lstStyle/>
           <a:p>
             <a:r>
-              <a:rPr lang="en-US" altLang="zh-TW" dirty="0"/>
+              <a:rPr lang="en-US" altLang="zh-TW" dirty="0" smtClean="0"/>
               <a:t>A 1-dimensional array to the next dense layer</a:t>
             </a:r>
             <a:endParaRPr lang="zh-TW" altLang="en-US" dirty="0"/>
@@ -6293,6 +6193,13 @@
   <p:clrMapOvr>
     <a:masterClrMapping/>
   </p:clrMapOvr>
+  <p:timing>
+    <p:tnLst>
+      <p:par>
+        <p:cTn id="1" dur="indefinite" restart="never" nodeType="tmRoot"/>
+      </p:par>
+    </p:tnLst>
+  </p:timing>
 </p:sld>
 </file>
 
@@ -6410,23 +6317,23 @@
               <a:buChar char="§"/>
             </a:pPr>
             <a:r>
-              <a:rPr lang="en-US" sz="2400" b="1" dirty="0"/>
+              <a:rPr lang="en-US" sz="2400" b="1" dirty="0" smtClean="0"/>
               <a:t>We have sequential and functional API in </a:t>
             </a:r>
             <a:r>
-              <a:rPr lang="en-US" sz="2400" b="1" dirty="0" err="1"/>
+              <a:rPr lang="en-US" sz="2400" b="1" dirty="0" err="1" smtClean="0"/>
               <a:t>TensorFlow</a:t>
             </a:r>
             <a:r>
-              <a:rPr lang="en-US" sz="2400" b="1" dirty="0"/>
+              <a:rPr lang="en-US" sz="2400" b="1" dirty="0" smtClean="0"/>
               <a:t> (or </a:t>
             </a:r>
             <a:r>
-              <a:rPr lang="en-US" sz="2400" b="1" dirty="0" err="1"/>
+              <a:rPr lang="en-US" sz="2400" b="1" dirty="0" err="1" smtClean="0"/>
               <a:t>Keras</a:t>
             </a:r>
             <a:r>
-              <a:rPr lang="en-US" sz="2400" b="1" dirty="0"/>
+              <a:rPr lang="en-US" sz="2400" b="1" dirty="0" smtClean="0"/>
               <a:t>) layer structure</a:t>
             </a:r>
             <a:endParaRPr lang="en-US" sz="2000" dirty="0">
@@ -6460,7 +6367,7 @@
           <a:lstStyle/>
           <a:p>
             <a:r>
-              <a:rPr lang="en-US" sz="3600" b="1" dirty="0">
+              <a:rPr lang="en-US" sz="3600" b="1" dirty="0" smtClean="0">
                 <a:solidFill>
                   <a:schemeClr val="accent1">
                     <a:lumMod val="75000"/>
@@ -6471,6 +6378,15 @@
               </a:rPr>
               <a:t>Functional API</a:t>
             </a:r>
+            <a:endParaRPr lang="en-US" sz="3600" b="1" dirty="0">
+              <a:solidFill>
+                <a:schemeClr val="accent1">
+                  <a:lumMod val="75000"/>
+                </a:schemeClr>
+              </a:solidFill>
+              <a:latin typeface="Arial" panose="020B0604020202020204" pitchFamily="34" charset="0"/>
+              <a:cs typeface="Arial" panose="020B0604020202020204" pitchFamily="34" charset="0"/>
+            </a:endParaRPr>
           </a:p>
         </p:txBody>
       </p:sp>
@@ -6509,7 +6425,7 @@
           <a:p>
             <a:pPr algn="ctr"/>
             <a:r>
-              <a:rPr lang="en-US" altLang="zh-TW" dirty="0"/>
+              <a:rPr lang="en-US" altLang="zh-TW" dirty="0" smtClean="0"/>
               <a:t>layer</a:t>
             </a:r>
             <a:endParaRPr lang="zh-TW" altLang="en-US" dirty="0"/>
@@ -6551,7 +6467,7 @@
           <a:p>
             <a:pPr algn="ctr"/>
             <a:r>
-              <a:rPr lang="en-US" altLang="zh-TW" dirty="0"/>
+              <a:rPr lang="en-US" altLang="zh-TW" dirty="0" smtClean="0"/>
               <a:t>layer</a:t>
             </a:r>
             <a:endParaRPr lang="zh-TW" altLang="en-US" dirty="0"/>
@@ -6581,7 +6497,7 @@
           <a:lstStyle/>
           <a:p>
             <a:r>
-              <a:rPr lang="en-US" altLang="zh-TW" dirty="0"/>
+              <a:rPr lang="en-US" altLang="zh-TW" dirty="0" smtClean="0"/>
               <a:t>output</a:t>
             </a:r>
             <a:endParaRPr lang="zh-TW" altLang="en-US" dirty="0"/>
@@ -6611,7 +6527,7 @@
           <a:lstStyle/>
           <a:p>
             <a:r>
-              <a:rPr lang="en-US" altLang="zh-TW" dirty="0"/>
+              <a:rPr lang="en-US" altLang="zh-TW" dirty="0" smtClean="0"/>
               <a:t>Sequential </a:t>
             </a:r>
             <a:endParaRPr lang="zh-TW" altLang="en-US" dirty="0"/>
@@ -6641,7 +6557,7 @@
           <a:lstStyle/>
           <a:p>
             <a:r>
-              <a:rPr lang="en-US" altLang="zh-TW" dirty="0"/>
+              <a:rPr lang="en-US" altLang="zh-TW" dirty="0" smtClean="0"/>
               <a:t>Input</a:t>
             </a:r>
             <a:endParaRPr lang="zh-TW" altLang="en-US" dirty="0"/>
@@ -6683,7 +6599,7 @@
           <a:p>
             <a:pPr algn="ctr"/>
             <a:r>
-              <a:rPr lang="en-US" altLang="zh-TW" dirty="0"/>
+              <a:rPr lang="en-US" altLang="zh-TW" dirty="0" smtClean="0"/>
               <a:t>layer</a:t>
             </a:r>
             <a:endParaRPr lang="zh-TW" altLang="en-US" dirty="0"/>
@@ -6725,7 +6641,7 @@
           <a:p>
             <a:pPr algn="ctr"/>
             <a:r>
-              <a:rPr lang="en-US" altLang="zh-TW" dirty="0"/>
+              <a:rPr lang="en-US" altLang="zh-TW" dirty="0" smtClean="0"/>
               <a:t>layer</a:t>
             </a:r>
             <a:endParaRPr lang="zh-TW" altLang="en-US" dirty="0"/>
@@ -6755,7 +6671,7 @@
           <a:lstStyle/>
           <a:p>
             <a:r>
-              <a:rPr lang="en-US" altLang="zh-TW" dirty="0"/>
+              <a:rPr lang="en-US" altLang="zh-TW" dirty="0" smtClean="0"/>
               <a:t>output</a:t>
             </a:r>
             <a:endParaRPr lang="zh-TW" altLang="en-US" dirty="0"/>
@@ -6785,7 +6701,7 @@
           <a:lstStyle/>
           <a:p>
             <a:r>
-              <a:rPr lang="en-US" altLang="zh-TW" dirty="0"/>
+              <a:rPr lang="en-US" altLang="zh-TW" dirty="0" smtClean="0"/>
               <a:t>Input</a:t>
             </a:r>
             <a:endParaRPr lang="zh-TW" altLang="en-US" dirty="0"/>
@@ -6863,7 +6779,7 @@
           <a:p>
             <a:pPr algn="ctr"/>
             <a:r>
-              <a:rPr lang="en-US" altLang="zh-TW" dirty="0"/>
+              <a:rPr lang="en-US" altLang="zh-TW" dirty="0" smtClean="0"/>
               <a:t>merge</a:t>
             </a:r>
             <a:endParaRPr lang="zh-TW" altLang="en-US" dirty="0"/>
@@ -7138,7 +7054,7 @@
           <a:lstStyle/>
           <a:p>
             <a:r>
-              <a:rPr lang="en-US" altLang="zh-TW" dirty="0"/>
+              <a:rPr lang="en-US" altLang="zh-TW" dirty="0" smtClean="0"/>
               <a:t>Non-linear</a:t>
             </a:r>
             <a:endParaRPr lang="zh-TW" altLang="en-US" dirty="0"/>
@@ -7180,7 +7096,7 @@
           <a:p>
             <a:pPr algn="ctr"/>
             <a:r>
-              <a:rPr lang="en-US" altLang="zh-TW" dirty="0"/>
+              <a:rPr lang="en-US" altLang="zh-TW" dirty="0" smtClean="0"/>
               <a:t>layer</a:t>
             </a:r>
             <a:endParaRPr lang="zh-TW" altLang="en-US" dirty="0"/>
@@ -7222,7 +7138,7 @@
           <a:p>
             <a:pPr algn="ctr"/>
             <a:r>
-              <a:rPr lang="en-US" altLang="zh-TW" dirty="0"/>
+              <a:rPr lang="en-US" altLang="zh-TW" dirty="0" smtClean="0"/>
               <a:t>classification</a:t>
             </a:r>
             <a:endParaRPr lang="zh-TW" altLang="en-US" dirty="0"/>
@@ -7252,7 +7168,7 @@
           <a:lstStyle/>
           <a:p>
             <a:r>
-              <a:rPr lang="en-US" altLang="zh-TW" dirty="0"/>
+              <a:rPr lang="en-US" altLang="zh-TW" dirty="0" smtClean="0"/>
               <a:t>output</a:t>
             </a:r>
             <a:endParaRPr lang="zh-TW" altLang="en-US" dirty="0"/>
@@ -7282,7 +7198,7 @@
           <a:lstStyle/>
           <a:p>
             <a:r>
-              <a:rPr lang="en-US" altLang="zh-TW" dirty="0"/>
+              <a:rPr lang="en-US" altLang="zh-TW" dirty="0" smtClean="0"/>
               <a:t>Input</a:t>
             </a:r>
             <a:endParaRPr lang="zh-TW" altLang="en-US" dirty="0"/>
@@ -7360,7 +7276,7 @@
           <a:p>
             <a:pPr algn="ctr"/>
             <a:r>
-              <a:rPr lang="en-US" altLang="zh-TW" dirty="0"/>
+              <a:rPr lang="en-US" altLang="zh-TW" dirty="0" smtClean="0"/>
               <a:t>regression</a:t>
             </a:r>
             <a:endParaRPr lang="zh-TW" altLang="en-US" dirty="0"/>
@@ -7493,7 +7409,7 @@
           <a:lstStyle/>
           <a:p>
             <a:r>
-              <a:rPr lang="en-US" altLang="zh-TW" dirty="0"/>
+              <a:rPr lang="en-US" altLang="zh-TW" dirty="0" smtClean="0"/>
               <a:t>output</a:t>
             </a:r>
             <a:endParaRPr lang="zh-TW" altLang="en-US" dirty="0"/>
@@ -7556,7 +7472,7 @@
           <a:lstStyle/>
           <a:p>
             <a:r>
-              <a:rPr lang="en-US" altLang="zh-TW" dirty="0"/>
+              <a:rPr lang="en-US" altLang="zh-TW" dirty="0" smtClean="0"/>
               <a:t>Multiple output</a:t>
             </a:r>
             <a:endParaRPr lang="zh-TW" altLang="en-US" dirty="0"/>
@@ -7573,6 +7489,13 @@
   <p:clrMapOvr>
     <a:masterClrMapping/>
   </p:clrMapOvr>
+  <p:timing>
+    <p:tnLst>
+      <p:par>
+        <p:cTn id="1" dur="indefinite" restart="never" nodeType="tmRoot"/>
+      </p:par>
+    </p:tnLst>
+  </p:timing>
 </p:sld>
 </file>
 
@@ -7617,78 +7540,86 @@
           <a:p>
             <a:r>
               <a:rPr lang="en-US" altLang="zh-TW" dirty="0"/>
-              <a:t>model = sequential()</a:t>
+              <a:t>m</a:t>
+            </a:r>
+            <a:r>
+              <a:rPr lang="en-US" altLang="zh-TW" dirty="0" smtClean="0"/>
+              <a:t>odel = sequential()</a:t>
+            </a:r>
+          </a:p>
+          <a:p>
+            <a:r>
+              <a:rPr lang="en-US" altLang="zh-TW" dirty="0" err="1" smtClean="0"/>
+              <a:t>model.add</a:t>
+            </a:r>
+            <a:r>
+              <a:rPr lang="en-US" altLang="zh-TW" dirty="0" smtClean="0"/>
+              <a:t>(Dense(256, activation= ‘</a:t>
+            </a:r>
+            <a:r>
+              <a:rPr lang="en-US" altLang="zh-TW" dirty="0" err="1" smtClean="0"/>
+              <a:t>Sigmod</a:t>
+            </a:r>
+            <a:r>
+              <a:rPr lang="en-US" altLang="zh-TW" dirty="0" smtClean="0"/>
+              <a:t>’, </a:t>
+            </a:r>
+            <a:r>
+              <a:rPr lang="en-US" altLang="zh-TW" dirty="0" err="1" smtClean="0"/>
+              <a:t>intput_shaple</a:t>
+            </a:r>
+            <a:r>
+              <a:rPr lang="en-US" altLang="zh-TW" dirty="0" smtClean="0"/>
+              <a:t>(784,)))</a:t>
+            </a:r>
+          </a:p>
+          <a:p>
+            <a:r>
+              <a:rPr lang="en-US" altLang="zh-TW" dirty="0" err="1" smtClean="0"/>
+              <a:t>model.add</a:t>
+            </a:r>
+            <a:r>
+              <a:rPr lang="en-US" altLang="zh-TW" dirty="0" smtClean="0"/>
+              <a:t>(Dense(128, activation=‘</a:t>
+            </a:r>
+            <a:r>
+              <a:rPr lang="en-US" altLang="zh-TW" dirty="0" err="1" smtClean="0"/>
+              <a:t>Sigmod</a:t>
+            </a:r>
+            <a:r>
+              <a:rPr lang="en-US" altLang="zh-TW" dirty="0" smtClean="0"/>
+              <a:t>’))</a:t>
             </a:r>
           </a:p>
           <a:p>
             <a:r>
               <a:rPr lang="en-US" altLang="zh-TW" dirty="0" err="1"/>
+              <a:t>m</a:t>
+            </a:r>
+            <a:r>
+              <a:rPr lang="en-US" altLang="zh-TW" dirty="0" err="1" smtClean="0"/>
+              <a:t>odel.add</a:t>
+            </a:r>
+            <a:r>
+              <a:rPr lang="en-US" altLang="zh-TW" dirty="0" smtClean="0"/>
+              <a:t>(Dropout(rate=0.5))</a:t>
+            </a:r>
+          </a:p>
+          <a:p>
+            <a:r>
+              <a:rPr lang="en-US" altLang="zh-TW" dirty="0" err="1" smtClean="0"/>
               <a:t>model.add</a:t>
             </a:r>
             <a:r>
-              <a:rPr lang="en-US" altLang="zh-TW" dirty="0"/>
-              <a:t>(Dense(256, activation= ‘</a:t>
-            </a:r>
-            <a:r>
-              <a:rPr lang="en-US" altLang="zh-TW" dirty="0" err="1"/>
-              <a:t>Sigmod</a:t>
-            </a:r>
-            <a:r>
-              <a:rPr lang="en-US" altLang="zh-TW" dirty="0"/>
-              <a:t>’, </a:t>
-            </a:r>
-            <a:r>
-              <a:rPr lang="en-US" altLang="zh-TW" dirty="0" err="1"/>
-              <a:t>intput_shaple</a:t>
-            </a:r>
-            <a:r>
-              <a:rPr lang="en-US" altLang="zh-TW" dirty="0"/>
-              <a:t>(784,)))</a:t>
-            </a:r>
-          </a:p>
-          <a:p>
-            <a:r>
-              <a:rPr lang="en-US" altLang="zh-TW" dirty="0" err="1"/>
-              <a:t>model.add</a:t>
-            </a:r>
-            <a:r>
-              <a:rPr lang="en-US" altLang="zh-TW" dirty="0"/>
-              <a:t>(Dense(128, activation=‘</a:t>
-            </a:r>
-            <a:r>
-              <a:rPr lang="en-US" altLang="zh-TW" dirty="0" err="1"/>
-              <a:t>Sigmod</a:t>
-            </a:r>
-            <a:r>
-              <a:rPr lang="en-US" altLang="zh-TW" dirty="0"/>
-              <a:t>’))</a:t>
-            </a:r>
-          </a:p>
-          <a:p>
-            <a:r>
-              <a:rPr lang="en-US" altLang="zh-TW" dirty="0" err="1"/>
-              <a:t>model.add</a:t>
-            </a:r>
-            <a:r>
-              <a:rPr lang="en-US" altLang="zh-TW" dirty="0"/>
-              <a:t>(Dropout(rate=0.5))</a:t>
-            </a:r>
-          </a:p>
-          <a:p>
-            <a:r>
-              <a:rPr lang="en-US" altLang="zh-TW" dirty="0" err="1"/>
-              <a:t>model.add</a:t>
-            </a:r>
-            <a:r>
-              <a:rPr lang="en-US" altLang="zh-TW" dirty="0"/>
+              <a:rPr lang="en-US" altLang="zh-TW" dirty="0" smtClean="0"/>
               <a:t>(Dense(10, activation=‘</a:t>
             </a:r>
             <a:r>
-              <a:rPr lang="en-US" altLang="zh-TW" dirty="0" err="1"/>
+              <a:rPr lang="en-US" altLang="zh-TW" dirty="0" err="1" smtClean="0"/>
               <a:t>softmax</a:t>
             </a:r>
             <a:r>
-              <a:rPr lang="en-US" altLang="zh-TW" dirty="0"/>
+              <a:rPr lang="en-US" altLang="zh-TW" dirty="0" smtClean="0"/>
               <a:t>’))</a:t>
             </a:r>
             <a:endParaRPr lang="zh-TW" altLang="en-US" dirty="0"/>
@@ -7718,7 +7649,7 @@
           <a:lstStyle/>
           <a:p>
             <a:r>
-              <a:rPr lang="en-US" altLang="zh-TW" dirty="0"/>
+              <a:rPr lang="en-US" altLang="zh-TW" dirty="0" smtClean="0"/>
               <a:t>Sequential</a:t>
             </a:r>
             <a:endParaRPr lang="zh-TW" altLang="en-US" dirty="0"/>
@@ -7749,60 +7680,76 @@
           <a:p>
             <a:r>
               <a:rPr lang="en-US" altLang="zh-TW" dirty="0"/>
-              <a:t>input = Input(shape=(784,))</a:t>
+              <a:t>i</a:t>
+            </a:r>
+            <a:r>
+              <a:rPr lang="en-US" altLang="zh-TW" dirty="0" smtClean="0"/>
+              <a:t>nput = Input(shape=(784,))</a:t>
             </a:r>
           </a:p>
           <a:p>
             <a:r>
               <a:rPr lang="en-US" altLang="zh-TW" dirty="0"/>
-              <a:t>x=Dense(256, activation= ‘</a:t>
-            </a:r>
-            <a:r>
-              <a:rPr lang="en-US" altLang="zh-TW" dirty="0" err="1"/>
+              <a:t>x</a:t>
+            </a:r>
+            <a:r>
+              <a:rPr lang="en-US" altLang="zh-TW" dirty="0" smtClean="0"/>
+              <a:t>=Dense(256, activation= ‘</a:t>
+            </a:r>
+            <a:r>
+              <a:rPr lang="en-US" altLang="zh-TW" dirty="0" err="1" smtClean="0"/>
               <a:t>Sigmod</a:t>
             </a:r>
             <a:r>
+              <a:rPr lang="en-US" altLang="zh-TW" dirty="0" smtClean="0"/>
+              <a:t>’)(input)</a:t>
+            </a:r>
+          </a:p>
+          <a:p>
+            <a:r>
               <a:rPr lang="en-US" altLang="zh-TW" dirty="0"/>
-              <a:t>’)(input)</a:t>
+              <a:t>x</a:t>
+            </a:r>
+            <a:r>
+              <a:rPr lang="en-US" altLang="zh-TW" dirty="0" smtClean="0"/>
+              <a:t>=Dense(128, activation=‘</a:t>
+            </a:r>
+            <a:r>
+              <a:rPr lang="en-US" altLang="zh-TW" dirty="0" err="1" smtClean="0"/>
+              <a:t>Sigmod</a:t>
+            </a:r>
+            <a:r>
+              <a:rPr lang="en-US" altLang="zh-TW" dirty="0" smtClean="0"/>
+              <a:t>’)(x)</a:t>
             </a:r>
           </a:p>
           <a:p>
             <a:r>
               <a:rPr lang="en-US" altLang="zh-TW" dirty="0"/>
-              <a:t>x=Dense(128, activation=‘</a:t>
-            </a:r>
-            <a:r>
-              <a:rPr lang="en-US" altLang="zh-TW" dirty="0" err="1"/>
-              <a:t>Sigmod</a:t>
-            </a:r>
-            <a:r>
-              <a:rPr lang="en-US" altLang="zh-TW" dirty="0"/>
+              <a:t>x</a:t>
+            </a:r>
+            <a:r>
+              <a:rPr lang="en-US" altLang="zh-TW" dirty="0" smtClean="0"/>
+              <a:t>=Dropout(rate=0.5)(x)</a:t>
+            </a:r>
+          </a:p>
+          <a:p>
+            <a:r>
+              <a:rPr lang="en-US" altLang="zh-TW" dirty="0" smtClean="0"/>
+              <a:t>x==Dense(10, activation=‘</a:t>
+            </a:r>
+            <a:r>
+              <a:rPr lang="en-US" altLang="zh-TW" dirty="0" err="1" smtClean="0"/>
+              <a:t>softmax</a:t>
+            </a:r>
+            <a:r>
+              <a:rPr lang="en-US" altLang="zh-TW" dirty="0" smtClean="0"/>
               <a:t>’)(x)</a:t>
             </a:r>
           </a:p>
           <a:p>
             <a:r>
-              <a:rPr lang="en-US" altLang="zh-TW" dirty="0"/>
-              <a:t>x=Dropout(rate=0.5)(x)</a:t>
-            </a:r>
-          </a:p>
-          <a:p>
-            <a:r>
-              <a:rPr lang="en-US" altLang="zh-TW" dirty="0"/>
-              <a:t>x==Dense(10, activation=‘</a:t>
-            </a:r>
-            <a:r>
-              <a:rPr lang="en-US" altLang="zh-TW" dirty="0" err="1"/>
-              <a:t>softmax</a:t>
-            </a:r>
-            <a:r>
-              <a:rPr lang="en-US" altLang="zh-TW" dirty="0"/>
-              <a:t>’)(x)</a:t>
-            </a:r>
-          </a:p>
-          <a:p>
-            <a:r>
-              <a:rPr lang="en-US" altLang="zh-TW" dirty="0"/>
+              <a:rPr lang="en-US" altLang="zh-TW" dirty="0" smtClean="0"/>
               <a:t>model Model(inputs=input, outputs=x) </a:t>
             </a:r>
             <a:endParaRPr lang="zh-TW" altLang="en-US" dirty="0"/>
@@ -7832,7 +7779,7 @@
           <a:lstStyle/>
           <a:p>
             <a:r>
-              <a:rPr lang="en-US" altLang="zh-TW" dirty="0"/>
+              <a:rPr lang="en-US" altLang="zh-TW" dirty="0" smtClean="0"/>
               <a:t>Functional API</a:t>
             </a:r>
             <a:endParaRPr lang="zh-TW" altLang="en-US" dirty="0"/>
@@ -7865,7 +7812,7 @@
               <a:buAutoNum type="arabicPeriod"/>
             </a:pPr>
             <a:r>
-              <a:rPr lang="en-US" altLang="zh-TW" dirty="0"/>
+              <a:rPr lang="en-US" altLang="zh-TW" dirty="0" smtClean="0"/>
               <a:t>Input shape must be specified at input</a:t>
             </a:r>
           </a:p>
@@ -7874,7 +7821,7 @@
               <a:buAutoNum type="arabicPeriod"/>
             </a:pPr>
             <a:r>
-              <a:rPr lang="en-US" altLang="zh-TW" dirty="0"/>
+              <a:rPr lang="en-US" altLang="zh-TW" dirty="0" smtClean="0"/>
               <a:t>Using x as thread to link output to the input of the next layer</a:t>
             </a:r>
           </a:p>
@@ -7883,7 +7830,7 @@
               <a:buAutoNum type="arabicPeriod"/>
             </a:pPr>
             <a:r>
-              <a:rPr lang="en-US" altLang="zh-TW" dirty="0"/>
+              <a:rPr lang="en-US" altLang="zh-TW" dirty="0" smtClean="0"/>
               <a:t>Use model to specify the whole model including input and output</a:t>
             </a:r>
             <a:endParaRPr lang="zh-TW" altLang="en-US" dirty="0"/>
@@ -7957,7 +7904,7 @@
             <a:lstStyle/>
             <a:p>
               <a:r>
-                <a:rPr lang="en-US" altLang="zh-TW" dirty="0"/>
+                <a:rPr lang="en-US" altLang="zh-TW" dirty="0" smtClean="0"/>
                 <a:t>Residual block A</a:t>
               </a:r>
               <a:endParaRPr lang="zh-TW" altLang="en-US" dirty="0"/>
@@ -7999,7 +7946,7 @@
             <a:p>
               <a:pPr algn="ctr"/>
               <a:r>
-                <a:rPr lang="en-US" altLang="zh-TW" dirty="0" err="1"/>
+                <a:rPr lang="en-US" altLang="zh-TW" dirty="0" err="1" smtClean="0"/>
                 <a:t>BatchNormalixation</a:t>
               </a:r>
               <a:endParaRPr lang="zh-TW" altLang="en-US" dirty="0"/>
@@ -8041,7 +7988,7 @@
             <a:p>
               <a:pPr algn="ctr"/>
               <a:r>
-                <a:rPr lang="en-US" altLang="zh-TW" dirty="0" err="1"/>
+                <a:rPr lang="en-US" altLang="zh-TW" dirty="0" err="1" smtClean="0"/>
                 <a:t>ReLU</a:t>
               </a:r>
               <a:endParaRPr lang="zh-TW" altLang="en-US" dirty="0"/>
@@ -8083,7 +8030,7 @@
             <a:p>
               <a:pPr algn="ctr"/>
               <a:r>
-                <a:rPr lang="en-US" altLang="zh-TW" dirty="0" err="1"/>
+                <a:rPr lang="en-US" altLang="zh-TW" dirty="0" err="1" smtClean="0"/>
                 <a:t>Conv</a:t>
               </a:r>
               <a:endParaRPr lang="zh-TW" altLang="en-US" dirty="0"/>
@@ -8125,7 +8072,7 @@
             <a:p>
               <a:pPr algn="ctr"/>
               <a:r>
-                <a:rPr lang="en-US" altLang="zh-TW" dirty="0" err="1"/>
+                <a:rPr lang="en-US" altLang="zh-TW" dirty="0" err="1" smtClean="0"/>
                 <a:t>BatchNormalixation</a:t>
               </a:r>
               <a:endParaRPr lang="zh-TW" altLang="en-US" dirty="0"/>
@@ -8167,7 +8114,7 @@
             <a:p>
               <a:pPr algn="ctr"/>
               <a:r>
-                <a:rPr lang="en-US" altLang="zh-TW" dirty="0" err="1"/>
+                <a:rPr lang="en-US" altLang="zh-TW" dirty="0" err="1" smtClean="0"/>
                 <a:t>ReLU</a:t>
               </a:r>
               <a:endParaRPr lang="zh-TW" altLang="en-US" dirty="0"/>
@@ -8209,7 +8156,7 @@
             <a:p>
               <a:pPr algn="ctr"/>
               <a:r>
-                <a:rPr lang="en-US" altLang="zh-TW" dirty="0" err="1"/>
+                <a:rPr lang="en-US" altLang="zh-TW" dirty="0" err="1" smtClean="0"/>
                 <a:t>Conv</a:t>
               </a:r>
               <a:endParaRPr lang="zh-TW" altLang="en-US" dirty="0"/>
@@ -8251,7 +8198,7 @@
             <a:p>
               <a:pPr algn="ctr"/>
               <a:r>
-                <a:rPr lang="en-US" altLang="zh-TW" dirty="0" err="1"/>
+                <a:rPr lang="en-US" altLang="zh-TW" dirty="0" err="1" smtClean="0"/>
                 <a:t>BatchNormalixation</a:t>
               </a:r>
               <a:endParaRPr lang="zh-TW" altLang="en-US" dirty="0"/>
@@ -8293,7 +8240,7 @@
             <a:p>
               <a:pPr algn="ctr"/>
               <a:r>
-                <a:rPr lang="en-US" altLang="zh-TW" dirty="0" err="1"/>
+                <a:rPr lang="en-US" altLang="zh-TW" dirty="0" err="1" smtClean="0"/>
                 <a:t>ReLU</a:t>
               </a:r>
               <a:endParaRPr lang="zh-TW" altLang="en-US" dirty="0"/>
@@ -8335,7 +8282,7 @@
             <a:p>
               <a:pPr algn="ctr"/>
               <a:r>
-                <a:rPr lang="en-US" altLang="zh-TW" dirty="0" err="1"/>
+                <a:rPr lang="en-US" altLang="zh-TW" dirty="0" err="1" smtClean="0"/>
                 <a:t>Conv</a:t>
               </a:r>
               <a:endParaRPr lang="zh-TW" altLang="en-US" dirty="0"/>
@@ -8377,7 +8324,7 @@
             <a:p>
               <a:pPr algn="ctr"/>
               <a:r>
-                <a:rPr lang="en-US" altLang="zh-TW" dirty="0"/>
+                <a:rPr lang="en-US" altLang="zh-TW" dirty="0" smtClean="0"/>
                 <a:t>Add</a:t>
               </a:r>
               <a:endParaRPr lang="zh-TW" altLang="en-US" dirty="0"/>
@@ -8878,7 +8825,7 @@
             <a:lstStyle/>
             <a:p>
               <a:r>
-                <a:rPr lang="en-US" altLang="zh-TW" dirty="0"/>
+                <a:rPr lang="en-US" altLang="zh-TW" dirty="0" smtClean="0"/>
                 <a:t>Residual block B</a:t>
               </a:r>
               <a:endParaRPr lang="zh-TW" altLang="en-US" dirty="0"/>
@@ -8920,7 +8867,7 @@
             <a:p>
               <a:pPr algn="ctr"/>
               <a:r>
-                <a:rPr lang="en-US" altLang="zh-TW" dirty="0" err="1"/>
+                <a:rPr lang="en-US" altLang="zh-TW" dirty="0" err="1" smtClean="0"/>
                 <a:t>BatchNormalixation</a:t>
               </a:r>
               <a:endParaRPr lang="zh-TW" altLang="en-US" dirty="0"/>
@@ -8962,7 +8909,7 @@
             <a:p>
               <a:pPr algn="ctr"/>
               <a:r>
-                <a:rPr lang="en-US" altLang="zh-TW" dirty="0" err="1"/>
+                <a:rPr lang="en-US" altLang="zh-TW" dirty="0" err="1" smtClean="0"/>
                 <a:t>ReLU</a:t>
               </a:r>
               <a:endParaRPr lang="zh-TW" altLang="en-US" dirty="0"/>
@@ -9004,7 +8951,7 @@
             <a:p>
               <a:pPr algn="ctr"/>
               <a:r>
-                <a:rPr lang="en-US" altLang="zh-TW" dirty="0" err="1"/>
+                <a:rPr lang="en-US" altLang="zh-TW" dirty="0" err="1" smtClean="0"/>
                 <a:t>Conv</a:t>
               </a:r>
               <a:endParaRPr lang="zh-TW" altLang="en-US" dirty="0"/>
@@ -9046,7 +8993,7 @@
             <a:p>
               <a:pPr algn="ctr"/>
               <a:r>
-                <a:rPr lang="en-US" altLang="zh-TW" dirty="0" err="1"/>
+                <a:rPr lang="en-US" altLang="zh-TW" dirty="0" err="1" smtClean="0"/>
                 <a:t>BatchNormalixation</a:t>
               </a:r>
               <a:endParaRPr lang="zh-TW" altLang="en-US" dirty="0"/>
@@ -9088,7 +9035,7 @@
             <a:p>
               <a:pPr algn="ctr"/>
               <a:r>
-                <a:rPr lang="en-US" altLang="zh-TW" dirty="0" err="1"/>
+                <a:rPr lang="en-US" altLang="zh-TW" dirty="0" err="1" smtClean="0"/>
                 <a:t>ReLU</a:t>
               </a:r>
               <a:endParaRPr lang="zh-TW" altLang="en-US" dirty="0"/>
@@ -9130,7 +9077,7 @@
             <a:p>
               <a:pPr algn="ctr"/>
               <a:r>
-                <a:rPr lang="en-US" altLang="zh-TW" dirty="0" err="1"/>
+                <a:rPr lang="en-US" altLang="zh-TW" dirty="0" err="1" smtClean="0"/>
                 <a:t>Conv</a:t>
               </a:r>
               <a:endParaRPr lang="zh-TW" altLang="en-US" dirty="0"/>
@@ -9172,7 +9119,7 @@
             <a:p>
               <a:pPr algn="ctr"/>
               <a:r>
-                <a:rPr lang="en-US" altLang="zh-TW" dirty="0" err="1"/>
+                <a:rPr lang="en-US" altLang="zh-TW" dirty="0" err="1" smtClean="0"/>
                 <a:t>BatchNormalixation</a:t>
               </a:r>
               <a:endParaRPr lang="zh-TW" altLang="en-US" dirty="0"/>
@@ -9214,7 +9161,7 @@
             <a:p>
               <a:pPr algn="ctr"/>
               <a:r>
-                <a:rPr lang="en-US" altLang="zh-TW" dirty="0" err="1"/>
+                <a:rPr lang="en-US" altLang="zh-TW" dirty="0" err="1" smtClean="0"/>
                 <a:t>ReLU</a:t>
               </a:r>
               <a:endParaRPr lang="zh-TW" altLang="en-US" dirty="0"/>
@@ -9256,7 +9203,7 @@
             <a:p>
               <a:pPr algn="ctr"/>
               <a:r>
-                <a:rPr lang="en-US" altLang="zh-TW" dirty="0" err="1"/>
+                <a:rPr lang="en-US" altLang="zh-TW" dirty="0" err="1" smtClean="0"/>
                 <a:t>Conv</a:t>
               </a:r>
               <a:endParaRPr lang="zh-TW" altLang="en-US" dirty="0"/>
@@ -9298,7 +9245,7 @@
             <a:p>
               <a:pPr algn="ctr"/>
               <a:r>
-                <a:rPr lang="en-US" altLang="zh-TW" dirty="0"/>
+                <a:rPr lang="en-US" altLang="zh-TW" dirty="0" smtClean="0"/>
                 <a:t>Add</a:t>
               </a:r>
               <a:endParaRPr lang="zh-TW" altLang="en-US" dirty="0"/>
@@ -9859,7 +9806,7 @@
               <a:buChar char="§"/>
             </a:pPr>
             <a:r>
-              <a:rPr lang="en-US" altLang="zh-TW" sz="2400" dirty="0">
+              <a:rPr lang="en-US" altLang="zh-TW" sz="2400" dirty="0" smtClean="0">
                 <a:solidFill>
                   <a:schemeClr val="tx1">
                     <a:lumMod val="95000"/>
@@ -9906,8 +9853,49 @@
                   </a:schemeClr>
                 </a:solidFill>
               </a:rPr>
-              <a:t>Residual Block B (16,1,1 -&gt;16,3,1-&gt;64,1,1) X 17</a:t>
-            </a:r>
+              <a:t>Residual Block </a:t>
+            </a:r>
+            <a:r>
+              <a:rPr lang="en-US" altLang="zh-TW" sz="2400" dirty="0" smtClean="0">
+                <a:solidFill>
+                  <a:schemeClr val="tx1">
+                    <a:lumMod val="95000"/>
+                    <a:lumOff val="5000"/>
+                  </a:schemeClr>
+                </a:solidFill>
+              </a:rPr>
+              <a:t>B </a:t>
+            </a:r>
+            <a:r>
+              <a:rPr lang="en-US" altLang="zh-TW" sz="2400" dirty="0">
+                <a:solidFill>
+                  <a:schemeClr val="tx1">
+                    <a:lumMod val="95000"/>
+                    <a:lumOff val="5000"/>
+                  </a:schemeClr>
+                </a:solidFill>
+              </a:rPr>
+              <a:t>(16,1,1 -&gt;16,3,1-&gt;64,1,1) X </a:t>
+            </a:r>
+            <a:r>
+              <a:rPr lang="en-US" altLang="zh-TW" sz="2400" dirty="0" smtClean="0">
+                <a:solidFill>
+                  <a:schemeClr val="tx1">
+                    <a:lumMod val="95000"/>
+                    <a:lumOff val="5000"/>
+                  </a:schemeClr>
+                </a:solidFill>
+              </a:rPr>
+              <a:t>17</a:t>
+            </a:r>
+            <a:endParaRPr lang="en-US" altLang="zh-TW" sz="2400" dirty="0">
+              <a:solidFill>
+                <a:schemeClr val="tx1">
+                  <a:lumMod val="95000"/>
+                  <a:lumOff val="5000"/>
+                </a:schemeClr>
+              </a:solidFill>
+            </a:endParaRPr>
           </a:p>
           <a:p>
             <a:pPr marL="342900" indent="-342900">
@@ -9945,7 +9933,29 @@
                   </a:schemeClr>
                 </a:solidFill>
               </a:rPr>
-              <a:t>Residual Block A (32,1,2 -&gt;32,3,1-&gt;128,1,1) X 1</a:t>
+              <a:t>Residual Block A </a:t>
+            </a:r>
+            <a:r>
+              <a:rPr lang="en-US" altLang="zh-TW" sz="2400" dirty="0" smtClean="0">
+                <a:solidFill>
+                  <a:schemeClr val="tx1">
+                    <a:lumMod val="95000"/>
+                    <a:lumOff val="5000"/>
+                  </a:schemeClr>
+                </a:solidFill>
+              </a:rPr>
+              <a:t>(32,1,2 -&gt;32,3,1-&gt;128,1,1</a:t>
+            </a:r>
+            <a:r>
+              <a:rPr lang="en-US" altLang="zh-TW" sz="2400" dirty="0">
+                <a:solidFill>
+                  <a:schemeClr val="tx1">
+                    <a:lumMod val="95000"/>
+                    <a:lumOff val="5000"/>
+                  </a:schemeClr>
+                </a:solidFill>
+              </a:rPr>
+              <a:t>) X 1</a:t>
             </a:r>
           </a:p>
           <a:p>
@@ -9984,7 +9994,62 @@
                   </a:schemeClr>
                 </a:solidFill>
               </a:rPr>
-              <a:t>Residual Block B (32,1,1 -&gt;32,3,1-&gt;128,1,1) X 17</a:t>
+              <a:t>Residual Block </a:t>
+            </a:r>
+            <a:r>
+              <a:rPr lang="en-US" altLang="zh-TW" sz="2400" dirty="0" smtClean="0">
+                <a:solidFill>
+                  <a:schemeClr val="tx1">
+                    <a:lumMod val="95000"/>
+                    <a:lumOff val="5000"/>
+                  </a:schemeClr>
+                </a:solidFill>
+              </a:rPr>
+              <a:t>B </a:t>
+            </a:r>
+            <a:r>
+              <a:rPr lang="en-US" altLang="zh-TW" sz="2400" dirty="0">
+                <a:solidFill>
+                  <a:schemeClr val="tx1">
+                    <a:lumMod val="95000"/>
+                    <a:lumOff val="5000"/>
+                  </a:schemeClr>
+                </a:solidFill>
+              </a:rPr>
+              <a:t>(</a:t>
+            </a:r>
+            <a:r>
+              <a:rPr lang="en-US" altLang="zh-TW" sz="2400" dirty="0" smtClean="0">
+                <a:solidFill>
+                  <a:schemeClr val="tx1">
+                    <a:lumMod val="95000"/>
+                    <a:lumOff val="5000"/>
+                  </a:schemeClr>
+                </a:solidFill>
+              </a:rPr>
+              <a:t>32,1,1 </a:t>
+            </a:r>
+            <a:r>
+              <a:rPr lang="en-US" altLang="zh-TW" sz="2400" dirty="0">
+                <a:solidFill>
+                  <a:schemeClr val="tx1">
+                    <a:lumMod val="95000"/>
+                    <a:lumOff val="5000"/>
+                  </a:schemeClr>
+                </a:solidFill>
+              </a:rPr>
+              <a:t>-&gt;32,3,1-&gt;128,1,1) X </a:t>
+            </a:r>
+            <a:r>
+              <a:rPr lang="en-US" altLang="zh-TW" sz="2400" dirty="0" smtClean="0">
+                <a:solidFill>
+                  <a:schemeClr val="tx1">
+                    <a:lumMod val="95000"/>
+                    <a:lumOff val="5000"/>
+                  </a:schemeClr>
+                </a:solidFill>
+              </a:rPr>
+              <a:t>17</a:t>
             </a:r>
           </a:p>
           <a:p>
@@ -10023,7 +10088,29 @@
                   </a:schemeClr>
                 </a:solidFill>
               </a:rPr>
-              <a:t>Residual Block A (64,1,2 -&gt;64,3,1-&gt;256,1,1) X 1</a:t>
+              <a:t>Residual Block A </a:t>
+            </a:r>
+            <a:r>
+              <a:rPr lang="en-US" altLang="zh-TW" sz="2400" dirty="0" smtClean="0">
+                <a:solidFill>
+                  <a:schemeClr val="tx1">
+                    <a:lumMod val="95000"/>
+                    <a:lumOff val="5000"/>
+                  </a:schemeClr>
+                </a:solidFill>
+              </a:rPr>
+              <a:t>(64,1,2 -&gt;64,3,1-&gt;256,1,1</a:t>
+            </a:r>
+            <a:r>
+              <a:rPr lang="en-US" altLang="zh-TW" sz="2400" dirty="0">
+                <a:solidFill>
+                  <a:schemeClr val="tx1">
+                    <a:lumMod val="95000"/>
+                    <a:lumOff val="5000"/>
+                  </a:schemeClr>
+                </a:solidFill>
+              </a:rPr>
+              <a:t>) X 1</a:t>
             </a:r>
           </a:p>
           <a:p>
@@ -10062,8 +10149,48 @@
                   </a:schemeClr>
                 </a:solidFill>
               </a:rPr>
-              <a:t>Residual Block B (64,1,1 -&gt;64,3,1-&gt;256,1,1) X 17</a:t>
-            </a:r>
+              <a:t>Residual Block B </a:t>
+            </a:r>
+            <a:r>
+              <a:rPr lang="en-US" altLang="zh-TW" sz="2400" dirty="0" smtClean="0">
+                <a:solidFill>
+                  <a:schemeClr val="tx1">
+                    <a:lumMod val="95000"/>
+                    <a:lumOff val="5000"/>
+                  </a:schemeClr>
+                </a:solidFill>
+              </a:rPr>
+              <a:t>(64,1,1 -&gt;64,3,1-&gt;256,1,1</a:t>
+            </a:r>
+            <a:r>
+              <a:rPr lang="en-US" altLang="zh-TW" sz="2400" dirty="0">
+                <a:solidFill>
+                  <a:schemeClr val="tx1">
+                    <a:lumMod val="95000"/>
+                    <a:lumOff val="5000"/>
+                  </a:schemeClr>
+                </a:solidFill>
+              </a:rPr>
+              <a:t>) X 17</a:t>
+            </a:r>
+          </a:p>
+          <a:p>
+            <a:pPr marL="342900" indent="-342900">
+              <a:buClr>
+                <a:srgbClr val="C00000"/>
+              </a:buClr>
+              <a:buSzPct val="166000"/>
+              <a:buFont typeface="Wingdings" panose="05000000000000000000" pitchFamily="2" charset="2"/>
+              <a:buChar char="§"/>
+            </a:pPr>
+            <a:endParaRPr lang="en-US" altLang="zh-TW" sz="2400" dirty="0" smtClean="0">
+              <a:solidFill>
+                <a:schemeClr val="tx1">
+                  <a:lumMod val="95000"/>
+                  <a:lumOff val="5000"/>
+                </a:schemeClr>
+              </a:solidFill>
+            </a:endParaRPr>
           </a:p>
           <a:p>
             <a:pPr marL="342900" indent="-342900">
@@ -10092,6 +10219,39 @@
               <a:buFont typeface="Wingdings" panose="05000000000000000000" pitchFamily="2" charset="2"/>
               <a:buChar char="§"/>
             </a:pPr>
+            <a:r>
+              <a:rPr lang="en-US" altLang="zh-TW" sz="2400" dirty="0" smtClean="0">
+                <a:solidFill>
+                  <a:schemeClr val="tx1">
+                    <a:lumMod val="95000"/>
+                    <a:lumOff val="5000"/>
+                  </a:schemeClr>
+                </a:solidFill>
+              </a:rPr>
+              <a:t>Note that </a:t>
+            </a:r>
+            <a:r>
+              <a:rPr lang="en-US" altLang="zh-TW" sz="2400" dirty="0" err="1" smtClean="0">
+                <a:solidFill>
+                  <a:schemeClr val="tx1">
+                    <a:lumMod val="95000"/>
+                    <a:lumOff val="5000"/>
+                  </a:schemeClr>
+                </a:solidFill>
+              </a:rPr>
+              <a:t>conv</a:t>
+            </a:r>
+            <a:r>
+              <a:rPr lang="en-US" altLang="zh-TW" sz="2400" dirty="0" smtClean="0">
+                <a:solidFill>
+                  <a:schemeClr val="tx1">
+                    <a:lumMod val="95000"/>
+                    <a:lumOff val="5000"/>
+                  </a:schemeClr>
+                </a:solidFill>
+              </a:rPr>
+              <a:t>(16, 1,1):  16---number of filters, 1---filter dim., 1---step size </a:t>
+            </a:r>
             <a:endParaRPr lang="en-US" altLang="zh-TW" sz="2400" dirty="0">
               <a:solidFill>
                 <a:schemeClr val="tx1">
@@ -10100,49 +10260,6 @@
                 </a:schemeClr>
               </a:solidFill>
             </a:endParaRPr>
-          </a:p>
-          <a:p>
-            <a:pPr marL="342900" indent="-342900">
-              <a:buClr>
-                <a:srgbClr val="C00000"/>
-              </a:buClr>
-              <a:buSzPct val="166000"/>
-              <a:buFont typeface="Wingdings" panose="05000000000000000000" pitchFamily="2" charset="2"/>
-              <a:buChar char="§"/>
-            </a:pPr>
-            <a:r>
-              <a:rPr lang="en-US" altLang="zh-TW" sz="2400" dirty="0">
-                <a:solidFill>
-                  <a:schemeClr val="tx1">
-                    <a:lumMod val="95000"/>
-                    <a:lumOff val="5000"/>
-                  </a:schemeClr>
-                </a:solidFill>
-              </a:rPr>
-              <a:t>Note that </a:t>
-            </a:r>
-            <a:r>
-              <a:rPr lang="en-US" altLang="zh-TW" sz="2400" dirty="0" err="1">
-                <a:solidFill>
-                  <a:schemeClr val="tx1">
-                    <a:lumMod val="95000"/>
-                    <a:lumOff val="5000"/>
-                  </a:schemeClr>
-                </a:solidFill>
-              </a:rPr>
-              <a:t>conv</a:t>
-            </a:r>
-            <a:r>
-              <a:rPr lang="en-US" altLang="zh-TW" sz="2400" dirty="0">
-                <a:solidFill>
-                  <a:schemeClr val="tx1">
-                    <a:lumMod val="95000"/>
-                    <a:lumOff val="5000"/>
-                  </a:schemeClr>
-                </a:solidFill>
-              </a:rPr>
-              <a:t>(16, 1,1):  16---number of filters, 1---filter dim., 1---step size </a:t>
-            </a:r>
           </a:p>
           <a:p>
             <a:pPr marL="342900" indent="-342900">
@@ -10187,7 +10304,7 @@
           <a:lstStyle/>
           <a:p>
             <a:r>
-              <a:rPr lang="en-US" sz="3600" b="1" dirty="0">
+              <a:rPr lang="en-US" sz="3600" b="1" dirty="0" smtClean="0">
                 <a:solidFill>
                   <a:schemeClr val="accent1">
                     <a:lumMod val="75000"/>
@@ -10198,6 +10315,15 @@
               </a:rPr>
               <a:t>The model</a:t>
             </a:r>
+            <a:endParaRPr lang="en-US" sz="3600" b="1" dirty="0">
+              <a:solidFill>
+                <a:schemeClr val="accent1">
+                  <a:lumMod val="75000"/>
+                </a:schemeClr>
+              </a:solidFill>
+              <a:latin typeface="Arial" panose="020B0604020202020204" pitchFamily="34" charset="0"/>
+              <a:cs typeface="Arial" panose="020B0604020202020204" pitchFamily="34" charset="0"/>
+            </a:endParaRPr>
           </a:p>
         </p:txBody>
       </p:sp>
@@ -10211,6 +10337,13 @@
   <p:clrMapOvr>
     <a:masterClrMapping/>
   </p:clrMapOvr>
+  <p:timing>
+    <p:tnLst>
+      <p:par>
+        <p:cTn id="1" dur="indefinite" restart="never" nodeType="tmRoot"/>
+      </p:par>
+    </p:tnLst>
+  </p:timing>
 </p:sld>
 </file>
 
@@ -10268,7 +10401,7 @@
             <a:lstStyle/>
             <a:p>
               <a:r>
-                <a:rPr lang="en-US" altLang="zh-TW" dirty="0"/>
+                <a:rPr lang="en-US" altLang="zh-TW" dirty="0" smtClean="0"/>
                 <a:t>Residual block A</a:t>
               </a:r>
               <a:endParaRPr lang="zh-TW" altLang="en-US" dirty="0"/>
@@ -10310,7 +10443,7 @@
             <a:p>
               <a:pPr algn="ctr"/>
               <a:r>
-                <a:rPr lang="en-US" altLang="zh-TW" dirty="0" err="1"/>
+                <a:rPr lang="en-US" altLang="zh-TW" dirty="0" err="1" smtClean="0"/>
                 <a:t>BatchNormalixation</a:t>
               </a:r>
               <a:endParaRPr lang="zh-TW" altLang="en-US" dirty="0"/>
@@ -10352,7 +10485,7 @@
             <a:p>
               <a:pPr algn="ctr"/>
               <a:r>
-                <a:rPr lang="en-US" altLang="zh-TW" dirty="0" err="1"/>
+                <a:rPr lang="en-US" altLang="zh-TW" dirty="0" err="1" smtClean="0"/>
                 <a:t>ReLU</a:t>
               </a:r>
               <a:endParaRPr lang="zh-TW" altLang="en-US" dirty="0"/>
@@ -10394,7 +10527,7 @@
             <a:p>
               <a:pPr algn="ctr"/>
               <a:r>
-                <a:rPr lang="en-US" altLang="zh-TW" dirty="0" err="1"/>
+                <a:rPr lang="en-US" altLang="zh-TW" dirty="0" err="1" smtClean="0"/>
                 <a:t>Conv</a:t>
               </a:r>
               <a:endParaRPr lang="zh-TW" altLang="en-US" dirty="0"/>
@@ -10436,7 +10569,7 @@
             <a:p>
               <a:pPr algn="ctr"/>
               <a:r>
-                <a:rPr lang="en-US" altLang="zh-TW" dirty="0" err="1"/>
+                <a:rPr lang="en-US" altLang="zh-TW" dirty="0" err="1" smtClean="0"/>
                 <a:t>BatchNormalixation</a:t>
               </a:r>
               <a:endParaRPr lang="zh-TW" altLang="en-US" dirty="0"/>
@@ -10478,7 +10611,7 @@
             <a:p>
               <a:pPr algn="ctr"/>
               <a:r>
-                <a:rPr lang="en-US" altLang="zh-TW" dirty="0" err="1"/>
+                <a:rPr lang="en-US" altLang="zh-TW" dirty="0" err="1" smtClean="0"/>
                 <a:t>ReLU</a:t>
               </a:r>
               <a:endParaRPr lang="zh-TW" altLang="en-US" dirty="0"/>
@@ -10520,7 +10653,7 @@
             <a:p>
               <a:pPr algn="ctr"/>
               <a:r>
-                <a:rPr lang="en-US" altLang="zh-TW" dirty="0" err="1"/>
+                <a:rPr lang="en-US" altLang="zh-TW" dirty="0" err="1" smtClean="0"/>
                 <a:t>Conv</a:t>
               </a:r>
               <a:endParaRPr lang="zh-TW" altLang="en-US" dirty="0"/>
@@ -10562,7 +10695,7 @@
             <a:p>
               <a:pPr algn="ctr"/>
               <a:r>
-                <a:rPr lang="en-US" altLang="zh-TW" dirty="0" err="1"/>
+                <a:rPr lang="en-US" altLang="zh-TW" dirty="0" err="1" smtClean="0"/>
                 <a:t>BatchNormalixation</a:t>
               </a:r>
               <a:endParaRPr lang="zh-TW" altLang="en-US" dirty="0"/>
@@ -10604,7 +10737,7 @@
             <a:p>
               <a:pPr algn="ctr"/>
               <a:r>
-                <a:rPr lang="en-US" altLang="zh-TW" dirty="0" err="1"/>
+                <a:rPr lang="en-US" altLang="zh-TW" dirty="0" err="1" smtClean="0"/>
                 <a:t>ReLU</a:t>
               </a:r>
               <a:endParaRPr lang="zh-TW" altLang="en-US" dirty="0"/>
@@ -10646,7 +10779,7 @@
             <a:p>
               <a:pPr algn="ctr"/>
               <a:r>
-                <a:rPr lang="en-US" altLang="zh-TW" dirty="0" err="1"/>
+                <a:rPr lang="en-US" altLang="zh-TW" dirty="0" err="1" smtClean="0"/>
                 <a:t>Conv</a:t>
               </a:r>
               <a:endParaRPr lang="zh-TW" altLang="en-US" dirty="0"/>
@@ -10688,7 +10821,7 @@
             <a:p>
               <a:pPr algn="ctr"/>
               <a:r>
-                <a:rPr lang="en-US" altLang="zh-TW" dirty="0"/>
+                <a:rPr lang="en-US" altLang="zh-TW" dirty="0" smtClean="0"/>
                 <a:t>Add</a:t>
               </a:r>
               <a:endParaRPr lang="zh-TW" altLang="en-US" dirty="0"/>
@@ -11145,10 +11278,14 @@
           <a:p>
             <a:r>
               <a:rPr lang="en-US" altLang="zh-TW" dirty="0"/>
-              <a:t># Block</a:t>
-            </a:r>
-            <a:r>
-              <a:rPr lang="zh-TW" altLang="en-US" dirty="0"/>
+              <a:t># </a:t>
+            </a:r>
+            <a:r>
+              <a:rPr lang="en-US" altLang="zh-TW" dirty="0" smtClean="0"/>
+              <a:t>Block</a:t>
+            </a:r>
+            <a:r>
+              <a:rPr lang="zh-TW" altLang="en-US" dirty="0" smtClean="0"/>
               <a:t> </a:t>
             </a:r>
             <a:r>
@@ -11244,12 +11381,99 @@
               <a:t>        # </a:t>
             </a:r>
             <a:r>
+              <a:rPr lang="en-US" altLang="zh-TW" dirty="0" err="1" smtClean="0"/>
+              <a:t>conv</a:t>
+            </a:r>
+            <a:r>
+              <a:rPr lang="zh-TW" altLang="en-US" dirty="0" smtClean="0"/>
+              <a:t> </a:t>
+            </a:r>
+            <a:r>
+              <a:rPr lang="zh-TW" altLang="en-US" dirty="0"/>
+              <a:t>→ </a:t>
+            </a:r>
+            <a:r>
+              <a:rPr lang="en-US" altLang="zh-TW" dirty="0"/>
+              <a:t>BN → </a:t>
+            </a:r>
+            <a:r>
+              <a:rPr lang="en-US" altLang="zh-TW" dirty="0" err="1"/>
+              <a:t>ReLU</a:t>
+            </a:r>
+            <a:endParaRPr lang="en-US" altLang="zh-TW" dirty="0"/>
+          </a:p>
+          <a:p>
+            <a:r>
+              <a:rPr lang="en-US" altLang="zh-TW" dirty="0"/>
+              <a:t>        x = </a:t>
+            </a:r>
+            <a:r>
               <a:rPr lang="en-US" altLang="zh-TW" dirty="0" err="1"/>
               <a:t>conv</a:t>
             </a:r>
             <a:r>
+              <a:rPr lang="en-US" altLang="zh-TW" dirty="0"/>
+              <a:t>(filters // 4, 1, strides)(</a:t>
+            </a:r>
+            <a:r>
+              <a:rPr lang="en-US" altLang="zh-TW" dirty="0" err="1"/>
+              <a:t>x_b</a:t>
+            </a:r>
+            <a:r>
+              <a:rPr lang="en-US" altLang="zh-TW" dirty="0"/>
+              <a:t>)</a:t>
+            </a:r>
+          </a:p>
+          <a:p>
+            <a:r>
+              <a:rPr lang="en-US" altLang="zh-TW" dirty="0"/>
+              <a:t>        x = </a:t>
+            </a:r>
+            <a:r>
+              <a:rPr lang="en-US" altLang="zh-TW" dirty="0" err="1"/>
+              <a:t>BatchNormalization</a:t>
+            </a:r>
+            <a:r>
+              <a:rPr lang="en-US" altLang="zh-TW" dirty="0"/>
+              <a:t>()(x)</a:t>
+            </a:r>
+          </a:p>
+          <a:p>
+            <a:r>
+              <a:rPr lang="en-US" altLang="zh-TW" dirty="0"/>
+              <a:t>        x = Activation('</a:t>
+            </a:r>
+            <a:r>
+              <a:rPr lang="en-US" altLang="zh-TW" dirty="0" err="1"/>
+              <a:t>relu</a:t>
+            </a:r>
+            <a:r>
+              <a:rPr lang="en-US" altLang="zh-TW" dirty="0"/>
+              <a:t>')(x)</a:t>
+            </a:r>
+          </a:p>
+          <a:p>
+            <a:r>
+              <a:rPr lang="en-US" altLang="zh-TW" dirty="0"/>
+              <a:t>        </a:t>
+            </a:r>
+          </a:p>
+          <a:p>
+            <a:r>
+              <a:rPr lang="en-US" altLang="zh-TW" dirty="0"/>
+              <a:t>        # </a:t>
+            </a:r>
+            <a:r>
+              <a:rPr lang="en-US" altLang="zh-TW" dirty="0" err="1" smtClean="0"/>
+              <a:t>conv</a:t>
+            </a:r>
+            <a:r>
+              <a:rPr lang="zh-TW" altLang="en-US" dirty="0" smtClean="0"/>
+              <a:t> </a:t>
+            </a:r>
+            <a:r>
               <a:rPr lang="zh-TW" altLang="en-US" dirty="0"/>
-              <a:t> → </a:t>
+              <a:t>→ </a:t>
             </a:r>
             <a:r>
               <a:rPr lang="en-US" altLang="zh-TW" dirty="0"/>
@@ -11272,15 +11496,7 @@
             </a:r>
             <a:r>
               <a:rPr lang="en-US" altLang="zh-TW" dirty="0"/>
-              <a:t>(filters // 4, 1, strides)(</a:t>
-            </a:r>
-            <a:r>
-              <a:rPr lang="en-US" altLang="zh-TW" dirty="0" err="1"/>
-              <a:t>x_b</a:t>
-            </a:r>
-            <a:r>
-              <a:rPr lang="en-US" altLang="zh-TW" dirty="0"/>
-              <a:t>)</a:t>
+              <a:t>(filters // 4, 3)(x)</a:t>
             </a:r>
           </a:p>
           <a:p>
@@ -11312,10 +11528,7 @@
             </a:r>
           </a:p>
           <a:p>
-            <a:r>
-              <a:rPr lang="en-US" altLang="zh-TW" dirty="0"/>
-              <a:t>        </a:t>
-            </a:r>
+            <a:endParaRPr lang="en-US" altLang="zh-TW" dirty="0"/>
           </a:p>
           <a:p>
             <a:r>
@@ -11323,63 +11536,31 @@
               <a:t>        # </a:t>
             </a:r>
             <a:r>
+              <a:rPr lang="en-US" altLang="zh-TW" dirty="0" err="1" smtClean="0"/>
+              <a:t>conv</a:t>
+            </a:r>
+            <a:r>
+              <a:rPr lang="zh-TW" altLang="en-US" dirty="0" smtClean="0"/>
+              <a:t>→</a:t>
+            </a:r>
+            <a:endParaRPr lang="zh-TW" altLang="en-US" dirty="0"/>
+          </a:p>
+          <a:p>
+            <a:r>
+              <a:rPr lang="zh-TW" altLang="en-US" dirty="0"/>
+              <a:t>        </a:t>
+            </a:r>
+            <a:r>
+              <a:rPr lang="en-US" altLang="zh-TW" dirty="0"/>
+              <a:t>x = </a:t>
+            </a:r>
+            <a:r>
               <a:rPr lang="en-US" altLang="zh-TW" dirty="0" err="1"/>
               <a:t>conv</a:t>
             </a:r>
             <a:r>
-              <a:rPr lang="zh-TW" altLang="en-US" dirty="0"/>
-              <a:t> → </a:t>
-            </a:r>
-            <a:r>
               <a:rPr lang="en-US" altLang="zh-TW" dirty="0"/>
-              <a:t>BN → </a:t>
-            </a:r>
-            <a:r>
-              <a:rPr lang="en-US" altLang="zh-TW" dirty="0" err="1"/>
-              <a:t>ReLU</a:t>
-            </a:r>
-            <a:endParaRPr lang="en-US" altLang="zh-TW" dirty="0"/>
-          </a:p>
-          <a:p>
-            <a:r>
-              <a:rPr lang="en-US" altLang="zh-TW" dirty="0"/>
-              <a:t>        x = </a:t>
-            </a:r>
-            <a:r>
-              <a:rPr lang="en-US" altLang="zh-TW" dirty="0" err="1"/>
-              <a:t>conv</a:t>
-            </a:r>
-            <a:r>
-              <a:rPr lang="en-US" altLang="zh-TW" dirty="0"/>
-              <a:t>(filters // 4, 3)(x)</a:t>
-            </a:r>
-          </a:p>
-          <a:p>
-            <a:r>
-              <a:rPr lang="en-US" altLang="zh-TW" dirty="0"/>
-              <a:t>        x = </a:t>
-            </a:r>
-            <a:r>
-              <a:rPr lang="en-US" altLang="zh-TW" dirty="0" err="1"/>
-              <a:t>BatchNormalization</a:t>
-            </a:r>
-            <a:r>
-              <a:rPr lang="en-US" altLang="zh-TW" dirty="0"/>
-              <a:t>()(x)</a:t>
-            </a:r>
-          </a:p>
-          <a:p>
-            <a:r>
-              <a:rPr lang="en-US" altLang="zh-TW" dirty="0"/>
-              <a:t>        x = Activation('</a:t>
-            </a:r>
-            <a:r>
-              <a:rPr lang="en-US" altLang="zh-TW" dirty="0" err="1"/>
-              <a:t>relu</a:t>
-            </a:r>
-            <a:r>
-              <a:rPr lang="en-US" altLang="zh-TW" dirty="0"/>
-              <a:t>')(x)</a:t>
+              <a:t>(filters, 1)(x)</a:t>
             </a:r>
           </a:p>
           <a:p>
@@ -11391,44 +11572,13 @@
               <a:t>        # </a:t>
             </a:r>
             <a:r>
-              <a:rPr lang="en-US" altLang="zh-TW" dirty="0" err="1"/>
-              <a:t>conv</a:t>
-            </a:r>
-            <a:r>
-              <a:rPr lang="zh-TW" altLang="en-US" dirty="0"/>
-              <a:t>→</a:t>
-            </a:r>
-          </a:p>
-          <a:p>
-            <a:r>
-              <a:rPr lang="zh-TW" altLang="en-US" dirty="0"/>
-              <a:t>        </a:t>
-            </a:r>
-            <a:r>
-              <a:rPr lang="en-US" altLang="zh-TW" dirty="0"/>
-              <a:t>x = </a:t>
-            </a:r>
-            <a:r>
-              <a:rPr lang="en-US" altLang="zh-TW" dirty="0" err="1"/>
-              <a:t>conv</a:t>
-            </a:r>
-            <a:r>
-              <a:rPr lang="en-US" altLang="zh-TW" dirty="0"/>
-              <a:t>(filters, 1)(x)</a:t>
-            </a:r>
-          </a:p>
-          <a:p>
-            <a:endParaRPr lang="en-US" altLang="zh-TW" dirty="0"/>
-          </a:p>
-          <a:p>
-            <a:r>
-              <a:rPr lang="en-US" altLang="zh-TW" dirty="0"/>
-              <a:t>        # adjust shape </a:t>
-            </a:r>
-          </a:p>
-          <a:p>
-            <a:r>
-              <a:rPr lang="zh-TW" altLang="en-US" dirty="0"/>
+              <a:rPr lang="en-US" altLang="zh-TW" dirty="0" smtClean="0"/>
+              <a:t>adjust shape </a:t>
+            </a:r>
+          </a:p>
+          <a:p>
+            <a:r>
+              <a:rPr lang="zh-TW" altLang="en-US" dirty="0" smtClean="0"/>
               <a:t>        </a:t>
             </a:r>
             <a:r>
@@ -11555,7 +11705,7 @@
             <a:lstStyle/>
             <a:p>
               <a:r>
-                <a:rPr lang="en-US" altLang="zh-TW" dirty="0"/>
+                <a:rPr lang="en-US" altLang="zh-TW" dirty="0" smtClean="0"/>
                 <a:t>Residual block B</a:t>
               </a:r>
               <a:endParaRPr lang="zh-TW" altLang="en-US" dirty="0"/>
@@ -11597,7 +11747,7 @@
             <a:p>
               <a:pPr algn="ctr"/>
               <a:r>
-                <a:rPr lang="en-US" altLang="zh-TW" dirty="0" err="1"/>
+                <a:rPr lang="en-US" altLang="zh-TW" dirty="0" err="1" smtClean="0"/>
                 <a:t>BatchNormalixation</a:t>
               </a:r>
               <a:endParaRPr lang="zh-TW" altLang="en-US" dirty="0"/>
@@ -11639,7 +11789,7 @@
             <a:p>
               <a:pPr algn="ctr"/>
               <a:r>
-                <a:rPr lang="en-US" altLang="zh-TW" dirty="0" err="1"/>
+                <a:rPr lang="en-US" altLang="zh-TW" dirty="0" err="1" smtClean="0"/>
                 <a:t>ReLU</a:t>
               </a:r>
               <a:endParaRPr lang="zh-TW" altLang="en-US" dirty="0"/>
@@ -11681,7 +11831,7 @@
             <a:p>
               <a:pPr algn="ctr"/>
               <a:r>
-                <a:rPr lang="en-US" altLang="zh-TW" dirty="0" err="1"/>
+                <a:rPr lang="en-US" altLang="zh-TW" dirty="0" err="1" smtClean="0"/>
                 <a:t>Conv</a:t>
               </a:r>
               <a:endParaRPr lang="zh-TW" altLang="en-US" dirty="0"/>
@@ -11723,7 +11873,7 @@
             <a:p>
               <a:pPr algn="ctr"/>
               <a:r>
-                <a:rPr lang="en-US" altLang="zh-TW" dirty="0" err="1"/>
+                <a:rPr lang="en-US" altLang="zh-TW" dirty="0" err="1" smtClean="0"/>
                 <a:t>BatchNormalixation</a:t>
               </a:r>
               <a:endParaRPr lang="zh-TW" altLang="en-US" dirty="0"/>
@@ -11765,7 +11915,7 @@
             <a:p>
               <a:pPr algn="ctr"/>
               <a:r>
-                <a:rPr lang="en-US" altLang="zh-TW" dirty="0" err="1"/>
+                <a:rPr lang="en-US" altLang="zh-TW" dirty="0" err="1" smtClean="0"/>
                 <a:t>ReLU</a:t>
               </a:r>
               <a:endParaRPr lang="zh-TW" altLang="en-US" dirty="0"/>
@@ -11807,7 +11957,7 @@
             <a:p>
               <a:pPr algn="ctr"/>
               <a:r>
-                <a:rPr lang="en-US" altLang="zh-TW" dirty="0" err="1"/>
+                <a:rPr lang="en-US" altLang="zh-TW" dirty="0" err="1" smtClean="0"/>
                 <a:t>Conv</a:t>
               </a:r>
               <a:endParaRPr lang="zh-TW" altLang="en-US" dirty="0"/>
@@ -11849,7 +11999,7 @@
             <a:p>
               <a:pPr algn="ctr"/>
               <a:r>
-                <a:rPr lang="en-US" altLang="zh-TW" dirty="0" err="1"/>
+                <a:rPr lang="en-US" altLang="zh-TW" dirty="0" err="1" smtClean="0"/>
                 <a:t>BatchNormalixation</a:t>
               </a:r>
               <a:endParaRPr lang="zh-TW" altLang="en-US" dirty="0"/>
@@ -11891,7 +12041,7 @@
             <a:p>
               <a:pPr algn="ctr"/>
               <a:r>
-                <a:rPr lang="en-US" altLang="zh-TW" dirty="0" err="1"/>
+                <a:rPr lang="en-US" altLang="zh-TW" dirty="0" err="1" smtClean="0"/>
                 <a:t>ReLU</a:t>
               </a:r>
               <a:endParaRPr lang="zh-TW" altLang="en-US" dirty="0"/>
@@ -11933,7 +12083,7 @@
             <a:p>
               <a:pPr algn="ctr"/>
               <a:r>
-                <a:rPr lang="en-US" altLang="zh-TW" dirty="0" err="1"/>
+                <a:rPr lang="en-US" altLang="zh-TW" dirty="0" err="1" smtClean="0"/>
                 <a:t>Conv</a:t>
               </a:r>
               <a:endParaRPr lang="zh-TW" altLang="en-US" dirty="0"/>
@@ -11975,7 +12125,7 @@
             <a:p>
               <a:pPr algn="ctr"/>
               <a:r>
-                <a:rPr lang="en-US" altLang="zh-TW" dirty="0"/>
+                <a:rPr lang="en-US" altLang="zh-TW" dirty="0" smtClean="0"/>
                 <a:t>Add</a:t>
               </a:r>
               <a:endParaRPr lang="zh-TW" altLang="en-US" dirty="0"/>
@@ -12432,8 +12582,13 @@
           <a:p>
             <a:r>
               <a:rPr lang="en-US" altLang="zh-TW" dirty="0"/>
-              <a:t># Block B</a:t>
-            </a:r>
+              <a:t># </a:t>
+            </a:r>
+            <a:r>
+              <a:rPr lang="en-US" altLang="zh-TW" dirty="0" smtClean="0"/>
+              <a:t>Block B</a:t>
+            </a:r>
+            <a:endParaRPr lang="en-US" altLang="zh-TW" dirty="0"/>
           </a:p>
           <a:p>
             <a:r>
@@ -12538,11 +12693,82 @@
               <a:t>        # </a:t>
             </a:r>
             <a:r>
+              <a:rPr lang="en-US" altLang="zh-TW" dirty="0" err="1" smtClean="0"/>
+              <a:t>conv</a:t>
+            </a:r>
+            <a:r>
+              <a:rPr lang="zh-TW" altLang="en-US" dirty="0" smtClean="0"/>
+              <a:t>→ </a:t>
+            </a:r>
+            <a:r>
+              <a:rPr lang="en-US" altLang="zh-TW" dirty="0"/>
+              <a:t>BN → </a:t>
+            </a:r>
+            <a:r>
+              <a:rPr lang="en-US" altLang="zh-TW" dirty="0" err="1"/>
+              <a:t>ReLU</a:t>
+            </a:r>
+            <a:endParaRPr lang="en-US" altLang="zh-TW" dirty="0"/>
+          </a:p>
+          <a:p>
+            <a:r>
+              <a:rPr lang="en-US" altLang="zh-TW" dirty="0"/>
+              <a:t>        x = </a:t>
+            </a:r>
+            <a:r>
               <a:rPr lang="en-US" altLang="zh-TW" dirty="0" err="1"/>
               <a:t>conv</a:t>
             </a:r>
             <a:r>
-              <a:rPr lang="zh-TW" altLang="en-US" dirty="0"/>
+              <a:rPr lang="en-US" altLang="zh-TW" dirty="0"/>
+              <a:t>(filters // 4, 1)(x)</a:t>
+            </a:r>
+          </a:p>
+          <a:p>
+            <a:r>
+              <a:rPr lang="en-US" altLang="zh-TW" dirty="0"/>
+              <a:t>        x = </a:t>
+            </a:r>
+            <a:r>
+              <a:rPr lang="en-US" altLang="zh-TW" dirty="0" err="1"/>
+              <a:t>BatchNormalization</a:t>
+            </a:r>
+            <a:r>
+              <a:rPr lang="en-US" altLang="zh-TW" dirty="0"/>
+              <a:t>()(x)</a:t>
+            </a:r>
+          </a:p>
+          <a:p>
+            <a:r>
+              <a:rPr lang="en-US" altLang="zh-TW" dirty="0"/>
+              <a:t>        x = Activation('</a:t>
+            </a:r>
+            <a:r>
+              <a:rPr lang="en-US" altLang="zh-TW" dirty="0" err="1"/>
+              <a:t>relu</a:t>
+            </a:r>
+            <a:r>
+              <a:rPr lang="en-US" altLang="zh-TW" dirty="0"/>
+              <a:t>')(x)</a:t>
+            </a:r>
+          </a:p>
+          <a:p>
+            <a:r>
+              <a:rPr lang="en-US" altLang="zh-TW" dirty="0"/>
+              <a:t>        </a:t>
+            </a:r>
+          </a:p>
+          <a:p>
+            <a:r>
+              <a:rPr lang="en-US" altLang="zh-TW" dirty="0"/>
+              <a:t>        # </a:t>
+            </a:r>
+            <a:r>
+              <a:rPr lang="en-US" altLang="zh-TW" dirty="0" err="1" smtClean="0"/>
+              <a:t>conv</a:t>
+            </a:r>
+            <a:r>
+              <a:rPr lang="zh-TW" altLang="en-US" dirty="0" smtClean="0"/>
               <a:t>→ </a:t>
             </a:r>
             <a:r>
@@ -12566,7 +12792,7 @@
             </a:r>
             <a:r>
               <a:rPr lang="en-US" altLang="zh-TW" dirty="0"/>
-              <a:t>(filters // 4, 1)(x)</a:t>
+              <a:t>(filters // 4, 3)(x)</a:t>
             </a:r>
           </a:p>
           <a:p>
@@ -12609,84 +12835,14 @@
               <a:t>        # </a:t>
             </a:r>
             <a:r>
-              <a:rPr lang="en-US" altLang="zh-TW" dirty="0" err="1"/>
+              <a:rPr lang="en-US" altLang="zh-TW" dirty="0" err="1" smtClean="0"/>
               <a:t>conv</a:t>
             </a:r>
             <a:r>
-              <a:rPr lang="zh-TW" altLang="en-US" dirty="0"/>
-              <a:t>→ </a:t>
-            </a:r>
-            <a:r>
-              <a:rPr lang="en-US" altLang="zh-TW" dirty="0"/>
-              <a:t>BN → </a:t>
-            </a:r>
-            <a:r>
-              <a:rPr lang="en-US" altLang="zh-TW" dirty="0" err="1"/>
-              <a:t>ReLU</a:t>
-            </a:r>
-            <a:endParaRPr lang="en-US" altLang="zh-TW" dirty="0"/>
-          </a:p>
-          <a:p>
-            <a:r>
-              <a:rPr lang="en-US" altLang="zh-TW" dirty="0"/>
-              <a:t>        x = </a:t>
-            </a:r>
-            <a:r>
-              <a:rPr lang="en-US" altLang="zh-TW" dirty="0" err="1"/>
-              <a:t>conv</a:t>
-            </a:r>
-            <a:r>
-              <a:rPr lang="en-US" altLang="zh-TW" dirty="0"/>
-              <a:t>(filters // 4, 3)(x)</a:t>
-            </a:r>
-          </a:p>
-          <a:p>
-            <a:r>
-              <a:rPr lang="en-US" altLang="zh-TW" dirty="0"/>
-              <a:t>        x = </a:t>
-            </a:r>
-            <a:r>
-              <a:rPr lang="en-US" altLang="zh-TW" dirty="0" err="1"/>
-              <a:t>BatchNormalization</a:t>
-            </a:r>
-            <a:r>
-              <a:rPr lang="en-US" altLang="zh-TW" dirty="0"/>
-              <a:t>()(x)</a:t>
-            </a:r>
-          </a:p>
-          <a:p>
-            <a:r>
-              <a:rPr lang="en-US" altLang="zh-TW" dirty="0"/>
-              <a:t>        x = Activation('</a:t>
-            </a:r>
-            <a:r>
-              <a:rPr lang="en-US" altLang="zh-TW" dirty="0" err="1"/>
-              <a:t>relu</a:t>
-            </a:r>
-            <a:r>
-              <a:rPr lang="en-US" altLang="zh-TW" dirty="0"/>
-              <a:t>')(x)</a:t>
-            </a:r>
-          </a:p>
-          <a:p>
-            <a:r>
-              <a:rPr lang="en-US" altLang="zh-TW" dirty="0"/>
-              <a:t>        </a:t>
-            </a:r>
-          </a:p>
-          <a:p>
-            <a:r>
-              <a:rPr lang="en-US" altLang="zh-TW" dirty="0"/>
-              <a:t>        # </a:t>
-            </a:r>
-            <a:r>
-              <a:rPr lang="en-US" altLang="zh-TW" dirty="0" err="1"/>
-              <a:t>conv</a:t>
-            </a:r>
-            <a:r>
-              <a:rPr lang="zh-TW" altLang="en-US" dirty="0"/>
+              <a:rPr lang="zh-TW" altLang="en-US" dirty="0" smtClean="0"/>
               <a:t>→</a:t>
             </a:r>
+            <a:endParaRPr lang="zh-TW" altLang="en-US" dirty="0"/>
           </a:p>
           <a:p>
             <a:r>
@@ -12790,19 +12946,23 @@
           <a:lstStyle/>
           <a:p>
             <a:r>
+              <a:rPr lang="en-US" altLang="zh-TW" dirty="0" smtClean="0"/>
+              <a:t>Construct block</a:t>
+            </a:r>
+            <a:r>
+              <a:rPr lang="zh-TW" altLang="en-US" dirty="0" smtClean="0"/>
+              <a:t> </a:t>
+            </a:r>
+            <a:r>
               <a:rPr lang="en-US" altLang="zh-TW" dirty="0"/>
-              <a:t>Construct block</a:t>
-            </a:r>
-            <a:r>
-              <a:rPr lang="zh-TW" altLang="en-US" dirty="0"/>
-              <a:t> </a:t>
-            </a:r>
-            <a:r>
-              <a:rPr lang="en-US" altLang="zh-TW" dirty="0"/>
-              <a:t>A×1 Block </a:t>
-            </a:r>
-            <a:r>
-              <a:rPr lang="zh-TW" altLang="en-US" dirty="0"/>
+              <a:t>A×1 </a:t>
+            </a:r>
+            <a:r>
+              <a:rPr lang="en-US" altLang="zh-TW" dirty="0" smtClean="0"/>
+              <a:t>Block </a:t>
+            </a:r>
+            <a:r>
+              <a:rPr lang="zh-TW" altLang="en-US" dirty="0" smtClean="0"/>
               <a:t> </a:t>
             </a:r>
             <a:r>
@@ -13088,7 +13248,7 @@
               <a:buChar char="•"/>
             </a:pPr>
             <a:r>
-              <a:rPr lang="en-US" sz="2400" dirty="0" err="1">
+              <a:rPr lang="en-US" sz="2400" dirty="0" err="1" smtClean="0">
                 <a:solidFill>
                   <a:schemeClr val="tx1">
                     <a:lumMod val="95000"/>
@@ -13099,7 +13259,7 @@
               <a:t>ResNet</a:t>
             </a:r>
             <a:r>
-              <a:rPr lang="en-US" sz="2400" dirty="0">
+              <a:rPr lang="en-US" sz="2400" dirty="0" smtClean="0">
                 <a:solidFill>
                   <a:schemeClr val="tx1">
                     <a:lumMod val="95000"/>
@@ -13107,10 +13267,21 @@
                   </a:schemeClr>
                 </a:solidFill>
               </a:rPr>
-              <a:t> : </a:t>
-            </a:r>
-            <a:r>
-              <a:rPr lang="en-US" sz="2400" dirty="0" err="1">
+              <a:t> </a:t>
+            </a:r>
+            <a:r>
+              <a:rPr lang="en-US" sz="2400" dirty="0" smtClean="0">
+                <a:solidFill>
+                  <a:schemeClr val="tx1">
+                    <a:lumMod val="95000"/>
+                    <a:lumOff val="5000"/>
+                  </a:schemeClr>
+                </a:solidFill>
+              </a:rPr>
+              <a:t>: </a:t>
+            </a:r>
+            <a:r>
+              <a:rPr lang="en-US" sz="2400" dirty="0" err="1" smtClean="0">
                 <a:solidFill>
                   <a:schemeClr val="tx1">
                     <a:lumMod val="95000"/>
@@ -13121,7 +13292,7 @@
               <a:t>Kaiming</a:t>
             </a:r>
             <a:r>
-              <a:rPr lang="en-US" sz="2400" dirty="0">
+              <a:rPr lang="en-US" sz="2400" dirty="0" smtClean="0">
                 <a:solidFill>
                   <a:schemeClr val="tx1">
                     <a:lumMod val="95000"/>
@@ -13132,7 +13303,7 @@
               <a:t> He, </a:t>
             </a:r>
             <a:r>
-              <a:rPr lang="en-US" sz="2400" dirty="0" err="1">
+              <a:rPr lang="en-US" sz="2400" dirty="0" err="1" smtClean="0">
                 <a:solidFill>
                   <a:schemeClr val="tx1">
                     <a:lumMod val="95000"/>
@@ -13143,7 +13314,7 @@
               <a:t>Xiangyu</a:t>
             </a:r>
             <a:r>
-              <a:rPr lang="en-US" sz="2400" dirty="0">
+              <a:rPr lang="en-US" sz="2400" dirty="0" smtClean="0">
                 <a:solidFill>
                   <a:schemeClr val="tx1">
                     <a:lumMod val="95000"/>
@@ -13154,7 +13325,7 @@
               <a:t> </a:t>
             </a:r>
             <a:r>
-              <a:rPr lang="en-US" sz="2400" dirty="0" err="1">
+              <a:rPr lang="en-US" sz="2400" dirty="0" err="1" smtClean="0">
                 <a:solidFill>
                   <a:schemeClr val="tx1">
                     <a:lumMod val="95000"/>
@@ -13165,7 +13336,7 @@
               <a:t>Zhand</a:t>
             </a:r>
             <a:r>
-              <a:rPr lang="en-US" sz="2400" dirty="0">
+              <a:rPr lang="en-US" sz="2400" dirty="0" smtClean="0">
                 <a:solidFill>
                   <a:schemeClr val="tx1">
                     <a:lumMod val="95000"/>
@@ -13176,7 +13347,7 @@
               <a:t> et al.  (</a:t>
             </a:r>
             <a:r>
-              <a:rPr lang="zh-TW" altLang="en-US" sz="2400" dirty="0">
+              <a:rPr lang="zh-TW" altLang="en-US" sz="2400" dirty="0" smtClean="0">
                 <a:solidFill>
                   <a:schemeClr val="tx1">
                     <a:lumMod val="95000"/>
@@ -13187,7 +13358,7 @@
               <a:t>殘差網路</a:t>
             </a:r>
             <a:r>
-              <a:rPr lang="en-US" altLang="zh-TW" sz="2400" dirty="0">
+              <a:rPr lang="en-US" altLang="zh-TW" sz="2400" dirty="0" smtClean="0">
                 <a:solidFill>
                   <a:schemeClr val="tx1">
                     <a:lumMod val="95000"/>
@@ -13198,7 +13369,7 @@
               <a:t>), used in </a:t>
             </a:r>
             <a:r>
-              <a:rPr lang="en-US" altLang="zh-TW" sz="2400" dirty="0" err="1">
+              <a:rPr lang="en-US" altLang="zh-TW" sz="2400" dirty="0" err="1" smtClean="0">
                 <a:solidFill>
                   <a:schemeClr val="tx1">
                     <a:lumMod val="95000"/>
@@ -13209,7 +13380,7 @@
               <a:t>ChatGPT</a:t>
             </a:r>
             <a:r>
-              <a:rPr lang="en-US" altLang="zh-TW" sz="2400" dirty="0">
+              <a:rPr lang="en-US" altLang="zh-TW" sz="2400" dirty="0" smtClean="0">
                 <a:solidFill>
                   <a:schemeClr val="tx1">
                     <a:lumMod val="95000"/>
@@ -13219,7 +13390,7 @@
               </a:rPr>
               <a:t>, Transformer, Bert etc.</a:t>
             </a:r>
-            <a:endParaRPr lang="en-US" sz="2400" dirty="0">
+            <a:endParaRPr lang="en-US" sz="2400" dirty="0" smtClean="0">
               <a:solidFill>
                 <a:schemeClr val="tx1">
                   <a:lumMod val="95000"/>
@@ -13253,39 +13424,39 @@
           <a:lstStyle/>
           <a:p>
             <a:r>
-              <a:rPr lang="en-US" altLang="zh-TW" sz="3200" dirty="0"/>
+              <a:rPr lang="en-US" altLang="zh-TW" sz="3200" dirty="0" smtClean="0"/>
               <a:t>y=</a:t>
             </a:r>
             <a:r>
-              <a:rPr lang="en-US" altLang="zh-TW" sz="3200" dirty="0" err="1"/>
+              <a:rPr lang="en-US" altLang="zh-TW" sz="3200" dirty="0" err="1" smtClean="0"/>
               <a:t>ReLu</a:t>
             </a:r>
             <a:r>
-              <a:rPr lang="en-US" altLang="zh-TW" sz="3200" dirty="0"/>
+              <a:rPr lang="en-US" altLang="zh-TW" sz="3200" dirty="0" smtClean="0"/>
               <a:t>(x + W</a:t>
             </a:r>
             <a:r>
-              <a:rPr lang="en-US" altLang="zh-TW" sz="3200" baseline="-25000" dirty="0"/>
+              <a:rPr lang="en-US" altLang="zh-TW" sz="3200" baseline="-25000" dirty="0" smtClean="0"/>
               <a:t>2</a:t>
             </a:r>
             <a:r>
-              <a:rPr lang="en-US" altLang="zh-TW" sz="3200" dirty="0"/>
+              <a:rPr lang="en-US" altLang="zh-TW" sz="3200" dirty="0" smtClean="0"/>
               <a:t> </a:t>
             </a:r>
             <a:r>
-              <a:rPr lang="en-US" altLang="zh-TW" sz="3200" dirty="0" err="1"/>
+              <a:rPr lang="en-US" altLang="zh-TW" sz="3200" dirty="0" err="1" smtClean="0"/>
               <a:t>ReLu</a:t>
             </a:r>
             <a:r>
-              <a:rPr lang="en-US" altLang="zh-TW" sz="3200" dirty="0"/>
+              <a:rPr lang="en-US" altLang="zh-TW" sz="3200" dirty="0" smtClean="0"/>
               <a:t>(W</a:t>
             </a:r>
             <a:r>
-              <a:rPr lang="en-US" altLang="zh-TW" sz="3200" baseline="-25000" dirty="0"/>
+              <a:rPr lang="en-US" altLang="zh-TW" sz="3200" baseline="-25000" dirty="0" smtClean="0"/>
               <a:t>1</a:t>
             </a:r>
             <a:r>
-              <a:rPr lang="en-US" altLang="zh-TW" sz="3200" dirty="0"/>
+              <a:rPr lang="en-US" altLang="zh-TW" sz="3200" dirty="0" smtClean="0"/>
               <a:t>x))</a:t>
             </a:r>
             <a:endParaRPr lang="zh-TW" altLang="en-US" sz="3200" dirty="0"/>
@@ -13302,6 +13473,13 @@
   <p:clrMapOvr>
     <a:masterClrMapping/>
   </p:clrMapOvr>
+  <p:timing>
+    <p:tnLst>
+      <p:par>
+        <p:cTn id="1" dur="indefinite" restart="never" nodeType="tmRoot"/>
+      </p:par>
+    </p:tnLst>
+  </p:timing>
 </p:sld>
 </file>
 
@@ -13345,8 +13523,13 @@
           <a:p>
             <a:r>
               <a:rPr lang="en-US" altLang="zh-TW" dirty="0"/>
-              <a:t># input shape</a:t>
-            </a:r>
+              <a:t># </a:t>
+            </a:r>
+            <a:r>
+              <a:rPr lang="en-US" altLang="zh-TW" dirty="0" smtClean="0"/>
+              <a:t>input shape</a:t>
+            </a:r>
+            <a:endParaRPr lang="en-US" altLang="zh-TW" dirty="0"/>
           </a:p>
           <a:p>
             <a:r>
@@ -13363,10 +13546,45 @@
               <a:t># </a:t>
             </a:r>
             <a:r>
+              <a:rPr lang="en-US" altLang="zh-TW" dirty="0" err="1" smtClean="0"/>
+              <a:t>conv</a:t>
+            </a:r>
+            <a:endParaRPr lang="zh-TW" altLang="en-US" dirty="0"/>
+          </a:p>
+          <a:p>
+            <a:r>
+              <a:rPr lang="en-US" altLang="zh-TW" dirty="0"/>
+              <a:t>x = </a:t>
+            </a:r>
+            <a:r>
               <a:rPr lang="en-US" altLang="zh-TW" dirty="0" err="1"/>
               <a:t>conv</a:t>
             </a:r>
-            <a:endParaRPr lang="zh-TW" altLang="en-US" dirty="0"/>
+            <a:r>
+              <a:rPr lang="en-US" altLang="zh-TW" dirty="0"/>
+              <a:t>(16, 3)(input)</a:t>
+            </a:r>
+          </a:p>
+          <a:p>
+            <a:endParaRPr lang="en-US" altLang="zh-TW" dirty="0"/>
+          </a:p>
+          <a:p>
+            <a:r>
+              <a:rPr lang="en-US" altLang="zh-TW" dirty="0"/>
+              <a:t># </a:t>
+            </a:r>
+            <a:r>
+              <a:rPr lang="en-US" altLang="zh-TW" dirty="0" smtClean="0"/>
+              <a:t>Residual</a:t>
+            </a:r>
+            <a:r>
+              <a:rPr lang="zh-TW" altLang="en-US" dirty="0" smtClean="0"/>
+              <a:t> </a:t>
+            </a:r>
+            <a:r>
+              <a:rPr lang="en-US" altLang="zh-TW" dirty="0"/>
+              <a:t>x 54</a:t>
+            </a:r>
           </a:p>
           <a:p>
             <a:r>
@@ -13375,28 +13593,11 @@
             </a:r>
             <a:r>
               <a:rPr lang="en-US" altLang="zh-TW" dirty="0" err="1"/>
-              <a:t>conv</a:t>
+              <a:t>residual_block</a:t>
             </a:r>
             <a:r>
               <a:rPr lang="en-US" altLang="zh-TW" dirty="0"/>
-              <a:t>(16, 3)(input)</a:t>
-            </a:r>
-          </a:p>
-          <a:p>
-            <a:endParaRPr lang="en-US" altLang="zh-TW" dirty="0"/>
-          </a:p>
-          <a:p>
-            <a:r>
-              <a:rPr lang="en-US" altLang="zh-TW" dirty="0"/>
-              <a:t># Residual</a:t>
-            </a:r>
-            <a:r>
-              <a:rPr lang="zh-TW" altLang="en-US" dirty="0"/>
-              <a:t> </a:t>
-            </a:r>
-            <a:r>
-              <a:rPr lang="en-US" altLang="zh-TW" dirty="0"/>
-              <a:t>x 54</a:t>
+              <a:t>(64, 1, 18)(x)</a:t>
             </a:r>
           </a:p>
           <a:p>
@@ -13410,7 +13611,7 @@
             </a:r>
             <a:r>
               <a:rPr lang="en-US" altLang="zh-TW" dirty="0"/>
-              <a:t>(64, 1, 18)(x)</a:t>
+              <a:t>(128, 2, 18)(x)</a:t>
             </a:r>
           </a:p>
           <a:p>
@@ -13424,8 +13625,22 @@
             </a:r>
             <a:r>
               <a:rPr lang="en-US" altLang="zh-TW" dirty="0"/>
-              <a:t>(128, 2, 18)(x)</a:t>
-            </a:r>
+              <a:t>(256, 2, 18)(x)</a:t>
+            </a:r>
+          </a:p>
+          <a:p>
+            <a:endParaRPr lang="en-US" altLang="zh-TW" dirty="0"/>
+          </a:p>
+          <a:p>
+            <a:r>
+              <a:rPr lang="en-US" altLang="zh-TW" dirty="0"/>
+              <a:t># → BN → </a:t>
+            </a:r>
+            <a:r>
+              <a:rPr lang="en-US" altLang="zh-TW" dirty="0" err="1"/>
+              <a:t>ReLU</a:t>
+            </a:r>
+            <a:endParaRPr lang="en-US" altLang="zh-TW" dirty="0"/>
           </a:p>
           <a:p>
             <a:r>
@@ -13434,34 +13649,6 @@
             </a:r>
             <a:r>
               <a:rPr lang="en-US" altLang="zh-TW" dirty="0" err="1"/>
-              <a:t>residual_block</a:t>
-            </a:r>
-            <a:r>
-              <a:rPr lang="en-US" altLang="zh-TW" dirty="0"/>
-              <a:t>(256, 2, 18)(x)</a:t>
-            </a:r>
-          </a:p>
-          <a:p>
-            <a:endParaRPr lang="en-US" altLang="zh-TW" dirty="0"/>
-          </a:p>
-          <a:p>
-            <a:r>
-              <a:rPr lang="en-US" altLang="zh-TW" dirty="0"/>
-              <a:t># → BN → </a:t>
-            </a:r>
-            <a:r>
-              <a:rPr lang="en-US" altLang="zh-TW" dirty="0" err="1"/>
-              <a:t>ReLU</a:t>
-            </a:r>
-            <a:endParaRPr lang="en-US" altLang="zh-TW" dirty="0"/>
-          </a:p>
-          <a:p>
-            <a:r>
-              <a:rPr lang="en-US" altLang="zh-TW" dirty="0"/>
-              <a:t>x = </a:t>
-            </a:r>
-            <a:r>
-              <a:rPr lang="en-US" altLang="zh-TW" dirty="0" err="1"/>
               <a:t>BatchNormalization</a:t>
             </a:r>
             <a:r>
@@ -13489,7 +13676,11 @@
           <a:p>
             <a:r>
               <a:rPr lang="en-US" altLang="zh-TW" dirty="0"/>
-              <a:t># Pooling</a:t>
+              <a:t># </a:t>
+            </a:r>
+            <a:r>
+              <a:rPr lang="en-US" altLang="zh-TW" dirty="0" smtClean="0"/>
+              <a:t>Pooling</a:t>
             </a:r>
             <a:endParaRPr lang="zh-TW" altLang="en-US" dirty="0"/>
           </a:p>
@@ -13505,7 +13696,11 @@
           <a:p>
             <a:r>
               <a:rPr lang="en-US" altLang="zh-TW" dirty="0"/>
-              <a:t># Dense</a:t>
+              <a:t># </a:t>
+            </a:r>
+            <a:r>
+              <a:rPr lang="en-US" altLang="zh-TW" dirty="0" smtClean="0"/>
+              <a:t>Dense</a:t>
             </a:r>
             <a:endParaRPr lang="zh-TW" altLang="en-US" dirty="0"/>
           </a:p>
@@ -13536,7 +13731,7 @@
           </a:p>
           <a:p>
             <a:r>
-              <a:rPr lang="en-US" altLang="zh-TW" dirty="0"/>
+              <a:rPr lang="en-US" altLang="zh-TW" dirty="0" smtClean="0"/>
               <a:t>Construct model</a:t>
             </a:r>
             <a:endParaRPr lang="zh-TW" altLang="en-US" dirty="0"/>
@@ -13573,15 +13768,28 @@
           <a:lstStyle/>
           <a:p>
             <a:r>
+              <a:rPr lang="en-US" altLang="zh-TW" dirty="0" smtClean="0"/>
+              <a:t>Block A(16,1,1-&gt;16,3,1-&gt;64,1,1) X 1</a:t>
+            </a:r>
+          </a:p>
+          <a:p>
+            <a:r>
               <a:rPr lang="en-US" altLang="zh-TW" dirty="0"/>
-              <a:t>Block A(16,1,1-&gt;16,3,1-&gt;64,1,1) X 1</a:t>
-            </a:r>
-          </a:p>
-          <a:p>
+              <a:t>Block </a:t>
+            </a:r>
+            <a:r>
+              <a:rPr lang="en-US" altLang="zh-TW" dirty="0" smtClean="0"/>
+              <a:t>B(16,1,1-</a:t>
+            </a:r>
             <a:r>
               <a:rPr lang="en-US" altLang="zh-TW" dirty="0"/>
-              <a:t>Block B(16,1,1-&gt;16,3,1-&gt;64,1,1) X 17</a:t>
-            </a:r>
+              <a:t>&gt;16,3,1-&gt;64,1,1) X </a:t>
+            </a:r>
+            <a:r>
+              <a:rPr lang="en-US" altLang="zh-TW" dirty="0" smtClean="0"/>
+              <a:t>17</a:t>
+            </a:r>
+            <a:endParaRPr lang="en-US" altLang="zh-TW" dirty="0"/>
           </a:p>
           <a:p>
             <a:endParaRPr lang="zh-TW" altLang="en-US" dirty="0"/>
@@ -13612,14 +13820,39 @@
           <a:p>
             <a:r>
               <a:rPr lang="en-US" altLang="zh-TW" dirty="0"/>
-              <a:t>Block A(32,1,2-&gt;32,3,1-&gt;128,1,1) X 1</a:t>
-            </a:r>
-          </a:p>
-          <a:p>
+              <a:t>Block </a:t>
+            </a:r>
+            <a:r>
+              <a:rPr lang="en-US" altLang="zh-TW" dirty="0" smtClean="0"/>
+              <a:t>A(32,1,2-&gt;32,3,1-&gt;128,1,1</a:t>
+            </a:r>
             <a:r>
               <a:rPr lang="en-US" altLang="zh-TW" dirty="0"/>
-              <a:t>Block B(32,1,1-&gt;32,3,1-&gt;128,1,1) X 17</a:t>
-            </a:r>
+              <a:t>) X </a:t>
+            </a:r>
+            <a:r>
+              <a:rPr lang="en-US" altLang="zh-TW" dirty="0" smtClean="0"/>
+              <a:t>1</a:t>
+            </a:r>
+          </a:p>
+          <a:p>
+            <a:r>
+              <a:rPr lang="en-US" altLang="zh-TW" dirty="0"/>
+              <a:t>Block </a:t>
+            </a:r>
+            <a:r>
+              <a:rPr lang="en-US" altLang="zh-TW" dirty="0" smtClean="0"/>
+              <a:t>B(32,1,1-&gt;</a:t>
+            </a:r>
+            <a:r>
+              <a:rPr lang="en-US" altLang="zh-TW" dirty="0"/>
+              <a:t>32,3,1-&gt;128,1,1) X </a:t>
+            </a:r>
+            <a:r>
+              <a:rPr lang="en-US" altLang="zh-TW" dirty="0" smtClean="0"/>
+              <a:t>17</a:t>
+            </a:r>
+            <a:endParaRPr lang="en-US" altLang="zh-TW" dirty="0"/>
           </a:p>
         </p:txBody>
       </p:sp>
@@ -13647,14 +13880,39 @@
           <a:p>
             <a:r>
               <a:rPr lang="en-US" altLang="zh-TW" dirty="0"/>
-              <a:t>Block A(64,1,2-&gt;64,3,1-&gt;256,1,1) X 1</a:t>
-            </a:r>
-          </a:p>
-          <a:p>
+              <a:t>Block </a:t>
+            </a:r>
+            <a:r>
+              <a:rPr lang="en-US" altLang="zh-TW" dirty="0" smtClean="0"/>
+              <a:t>A(64,1,2-&gt;64,3,1-&gt;256,1,1</a:t>
+            </a:r>
             <a:r>
               <a:rPr lang="en-US" altLang="zh-TW" dirty="0"/>
-              <a:t>Block B(64,1,1-&gt;64,3,1-&gt;256,1,1) X 17</a:t>
-            </a:r>
+              <a:t>) X </a:t>
+            </a:r>
+            <a:r>
+              <a:rPr lang="en-US" altLang="zh-TW" dirty="0" smtClean="0"/>
+              <a:t>1</a:t>
+            </a:r>
+          </a:p>
+          <a:p>
+            <a:r>
+              <a:rPr lang="en-US" altLang="zh-TW" dirty="0"/>
+              <a:t>Block </a:t>
+            </a:r>
+            <a:r>
+              <a:rPr lang="en-US" altLang="zh-TW" dirty="0" smtClean="0"/>
+              <a:t>B(64,1,1-&gt;64,3,1-&gt;256,1,1</a:t>
+            </a:r>
+            <a:r>
+              <a:rPr lang="en-US" altLang="zh-TW" dirty="0"/>
+              <a:t>) X </a:t>
+            </a:r>
+            <a:r>
+              <a:rPr lang="en-US" altLang="zh-TW" dirty="0" smtClean="0"/>
+              <a:t>17</a:t>
+            </a:r>
+            <a:endParaRPr lang="en-US" altLang="zh-TW" dirty="0"/>
           </a:p>
         </p:txBody>
       </p:sp>
@@ -13936,7 +14194,7 @@
           <a:p>
             <a:pPr algn="ctr"/>
             <a:r>
-              <a:rPr lang="en-US" sz="2800" b="1" dirty="0">
+              <a:rPr lang="en-US" sz="2800" b="1" dirty="0" smtClean="0">
                 <a:solidFill>
                   <a:schemeClr val="accent1"/>
                 </a:solidFill>
@@ -13945,6 +14203,13 @@
               </a:rPr>
               <a:t>Performance</a:t>
             </a:r>
+            <a:endParaRPr lang="en-US" sz="2800" b="1" dirty="0">
+              <a:solidFill>
+                <a:schemeClr val="accent1"/>
+              </a:solidFill>
+              <a:latin typeface="Arial" panose="020B0604020202020204" pitchFamily="34" charset="0"/>
+              <a:cs typeface="Arial" panose="020B0604020202020204" pitchFamily="34" charset="0"/>
+            </a:endParaRPr>
           </a:p>
         </p:txBody>
       </p:sp>
@@ -13974,7 +14239,7 @@
               <a:buChar char="•"/>
             </a:pPr>
             <a:r>
-              <a:rPr lang="en-US" sz="2400" dirty="0" err="1">
+              <a:rPr lang="en-US" sz="2400" dirty="0" err="1" smtClean="0">
                 <a:solidFill>
                   <a:schemeClr val="tx1">
                     <a:lumMod val="95000"/>
@@ -13985,7 +14250,7 @@
               <a:t>ResNet</a:t>
             </a:r>
             <a:r>
-              <a:rPr lang="en-US" sz="2400" dirty="0">
+              <a:rPr lang="en-US" sz="2400" dirty="0" smtClean="0">
                 <a:solidFill>
                   <a:schemeClr val="tx1">
                     <a:lumMod val="95000"/>
@@ -14013,7 +14278,7 @@
               <a:buChar char="•"/>
             </a:pPr>
             <a:r>
-              <a:rPr lang="en-US" sz="2400" dirty="0">
+              <a:rPr lang="en-US" sz="2400" dirty="0" smtClean="0">
                 <a:solidFill>
                   <a:schemeClr val="tx1">
                     <a:lumMod val="95000"/>
@@ -14022,6 +14287,37 @@
                 </a:solidFill>
               </a:rPr>
               <a:t>The first model that overcome the degradation problem. </a:t>
+            </a:r>
+          </a:p>
+          <a:p>
+            <a:pPr marL="342900" indent="-342900" algn="l">
+              <a:buFont typeface="Arial" panose="020B0604020202020204" pitchFamily="34" charset="0"/>
+              <a:buChar char="•"/>
+            </a:pPr>
+            <a:endParaRPr lang="en-US" sz="2400" dirty="0" smtClean="0">
+              <a:solidFill>
+                <a:schemeClr val="tx1">
+                  <a:lumMod val="95000"/>
+                  <a:lumOff val="5000"/>
+                </a:schemeClr>
+              </a:solidFill>
+            </a:endParaRPr>
+          </a:p>
+          <a:p>
+            <a:pPr marL="342900" indent="-342900" algn="l">
+              <a:buFont typeface="Arial" panose="020B0604020202020204" pitchFamily="34" charset="0"/>
+              <a:buChar char="•"/>
+            </a:pPr>
+            <a:r>
+              <a:rPr lang="en-US" sz="2400" dirty="0" smtClean="0">
+                <a:solidFill>
+                  <a:schemeClr val="tx1">
+                    <a:lumMod val="95000"/>
+                    <a:lumOff val="5000"/>
+                  </a:schemeClr>
+                </a:solidFill>
+              </a:rPr>
+              <a:t>Degradation problem: performance improves as the number of hidden layers increases. But up to a number of hidden layers, the performance starts to decrease.  Therefore, cannot train CNN with too many layers. </a:t>
             </a:r>
           </a:p>
           <a:p>
@@ -14044,7 +14340,7 @@
               <a:buChar char="•"/>
             </a:pPr>
             <a:r>
-              <a:rPr lang="en-US" sz="2400" dirty="0">
+              <a:rPr lang="en-US" sz="2400" dirty="0" smtClean="0">
                 <a:solidFill>
                   <a:schemeClr val="tx1">
                     <a:lumMod val="95000"/>
@@ -14052,14 +14348,8 @@
                   </a:schemeClr>
                 </a:solidFill>
               </a:rPr>
-              <a:t>Degradation problem: performance improves as the number of hidden layers increases. But up to a number of hidden layers, the performance starts to decrease.  Therefore, cannot train CNN with too many layers. </a:t>
-            </a:r>
-          </a:p>
-          <a:p>
-            <a:pPr marL="342900" indent="-342900" algn="l">
-              <a:buFont typeface="Arial" panose="020B0604020202020204" pitchFamily="34" charset="0"/>
-              <a:buChar char="•"/>
-            </a:pPr>
+              <a:t>Proposed to use the Residual block to solve the problem. </a:t>
+            </a:r>
             <a:endParaRPr lang="en-US" sz="2400" dirty="0">
               <a:solidFill>
                 <a:schemeClr val="tx1">
@@ -14068,23 +14358,6 @@
                 </a:schemeClr>
               </a:solidFill>
             </a:endParaRPr>
-          </a:p>
-          <a:p>
-            <a:pPr marL="342900" indent="-342900" algn="l">
-              <a:buFont typeface="Arial" panose="020B0604020202020204" pitchFamily="34" charset="0"/>
-              <a:buChar char="•"/>
-            </a:pPr>
-            <a:r>
-              <a:rPr lang="en-US" sz="2400" dirty="0">
-                <a:solidFill>
-                  <a:schemeClr val="tx1">
-                    <a:lumMod val="95000"/>
-                    <a:lumOff val="5000"/>
-                  </a:schemeClr>
-                </a:solidFill>
-              </a:rPr>
-              <a:t>Proposed to use the Residual block to solve the problem. </a:t>
-            </a:r>
           </a:p>
         </p:txBody>
       </p:sp>
@@ -14098,6 +14371,13 @@
   <p:clrMapOvr>
     <a:masterClrMapping/>
   </p:clrMapOvr>
+  <p:timing>
+    <p:tnLst>
+      <p:par>
+        <p:cTn id="1" dur="indefinite" restart="never" nodeType="tmRoot"/>
+      </p:par>
+    </p:tnLst>
+  </p:timing>
 </p:sld>
 </file>
 
@@ -14204,7 +14484,7 @@
           <a:p>
             <a:pPr algn="ctr"/>
             <a:r>
-              <a:rPr lang="en-US" sz="3600" b="1" dirty="0">
+              <a:rPr lang="en-US" sz="3600" b="1" dirty="0" smtClean="0">
                 <a:solidFill>
                   <a:schemeClr val="accent1">
                     <a:lumMod val="75000"/>
@@ -14215,6 +14495,15 @@
               </a:rPr>
               <a:t>Architecture</a:t>
             </a:r>
+            <a:endParaRPr lang="en-US" sz="3600" b="1" dirty="0">
+              <a:solidFill>
+                <a:schemeClr val="accent1">
+                  <a:lumMod val="75000"/>
+                </a:schemeClr>
+              </a:solidFill>
+              <a:latin typeface="Arial" panose="020B0604020202020204" pitchFamily="34" charset="0"/>
+              <a:cs typeface="Arial" panose="020B0604020202020204" pitchFamily="34" charset="0"/>
+            </a:endParaRPr>
           </a:p>
         </p:txBody>
       </p:sp>
@@ -14253,18 +14542,18 @@
           <a:p>
             <a:pPr algn="ctr"/>
             <a:r>
-              <a:rPr lang="en-US" altLang="zh-TW" dirty="0" err="1"/>
+              <a:rPr lang="en-US" altLang="zh-TW" dirty="0" err="1" smtClean="0"/>
               <a:t>Conv</a:t>
             </a:r>
             <a:r>
-              <a:rPr lang="en-US" altLang="zh-TW" dirty="0"/>
+              <a:rPr lang="en-US" altLang="zh-TW" dirty="0" smtClean="0"/>
               <a:t> layer</a:t>
             </a:r>
           </a:p>
           <a:p>
             <a:pPr algn="ctr"/>
             <a:r>
-              <a:rPr lang="en-US" altLang="zh-TW" dirty="0"/>
+              <a:rPr lang="en-US" altLang="zh-TW" dirty="0" smtClean="0"/>
               <a:t>16 3X3 filters</a:t>
             </a:r>
             <a:endParaRPr lang="zh-TW" altLang="en-US" dirty="0"/>
@@ -14306,7 +14595,7 @@
           <a:p>
             <a:pPr algn="ctr"/>
             <a:r>
-              <a:rPr lang="en-US" altLang="zh-TW" dirty="0"/>
+              <a:rPr lang="en-US" altLang="zh-TW" dirty="0" smtClean="0"/>
               <a:t>Residual Block</a:t>
             </a:r>
             <a:endParaRPr lang="zh-TW" altLang="en-US" dirty="0"/>
@@ -14420,13 +14709,13 @@
           <a:lstStyle/>
           <a:p>
             <a:r>
-              <a:rPr lang="en-US" altLang="zh-TW" dirty="0"/>
+              <a:rPr lang="en-US" altLang="zh-TW" dirty="0" smtClean="0"/>
               <a:t>Here, use 54 </a:t>
             </a:r>
           </a:p>
           <a:p>
             <a:r>
-              <a:rPr lang="en-US" altLang="zh-TW" dirty="0"/>
+              <a:rPr lang="en-US" altLang="zh-TW" dirty="0" smtClean="0"/>
               <a:t>Residual Blocks</a:t>
             </a:r>
             <a:endParaRPr lang="zh-TW" altLang="en-US" dirty="0"/>
@@ -14588,7 +14877,7 @@
           <a:p>
             <a:pPr algn="ctr"/>
             <a:r>
-              <a:rPr lang="en-US" altLang="zh-TW" dirty="0" err="1"/>
+              <a:rPr lang="en-US" altLang="zh-TW" dirty="0" err="1" smtClean="0"/>
               <a:t>BatchNormalization</a:t>
             </a:r>
             <a:endParaRPr lang="zh-TW" altLang="en-US" dirty="0"/>
@@ -14630,7 +14919,7 @@
           <a:p>
             <a:pPr algn="ctr"/>
             <a:r>
-              <a:rPr lang="en-US" altLang="zh-TW" dirty="0" err="1"/>
+              <a:rPr lang="en-US" altLang="zh-TW" dirty="0" err="1" smtClean="0"/>
               <a:t>ReLU</a:t>
             </a:r>
             <a:endParaRPr lang="zh-TW" altLang="en-US" dirty="0"/>
@@ -14712,7 +15001,7 @@
           <a:p>
             <a:pPr algn="ctr"/>
             <a:r>
-              <a:rPr lang="en-US" altLang="zh-TW" dirty="0" err="1"/>
+              <a:rPr lang="en-US" altLang="zh-TW" dirty="0" err="1" smtClean="0"/>
               <a:t>GlobalAveragePooling</a:t>
             </a:r>
             <a:endParaRPr lang="zh-TW" altLang="en-US" dirty="0"/>
@@ -14794,21 +15083,21 @@
           <a:p>
             <a:pPr algn="ctr"/>
             <a:r>
-              <a:rPr lang="en-US" altLang="zh-TW" dirty="0"/>
+              <a:rPr lang="en-US" altLang="zh-TW" dirty="0" smtClean="0"/>
               <a:t>Dense</a:t>
             </a:r>
           </a:p>
           <a:p>
             <a:pPr algn="ctr"/>
             <a:r>
-              <a:rPr lang="en-US" altLang="zh-TW" dirty="0"/>
+              <a:rPr lang="en-US" altLang="zh-TW" dirty="0" smtClean="0"/>
               <a:t>10</a:t>
             </a:r>
           </a:p>
           <a:p>
             <a:pPr algn="ctr"/>
             <a:r>
-              <a:rPr lang="en-US" altLang="zh-TW" dirty="0" err="1"/>
+              <a:rPr lang="en-US" altLang="zh-TW" dirty="0" err="1" smtClean="0"/>
               <a:t>softmax</a:t>
             </a:r>
             <a:endParaRPr lang="zh-TW" altLang="en-US" dirty="0"/>
@@ -14939,7 +15228,7 @@
           <a:lstStyle/>
           <a:p>
             <a:r>
-              <a:rPr lang="en-US" altLang="zh-TW" dirty="0"/>
+              <a:rPr lang="en-US" altLang="zh-TW" dirty="0" smtClean="0"/>
               <a:t>Explain later</a:t>
             </a:r>
             <a:endParaRPr lang="zh-TW" altLang="en-US" dirty="0"/>
@@ -15007,7 +15296,7 @@
           <a:lstStyle/>
           <a:p>
             <a:r>
-              <a:rPr lang="en-US" altLang="zh-TW" dirty="0"/>
+              <a:rPr lang="en-US" altLang="zh-TW" dirty="0" smtClean="0"/>
               <a:t>Feature extraction</a:t>
             </a:r>
             <a:endParaRPr lang="zh-TW" altLang="en-US" dirty="0"/>
@@ -15037,7 +15326,7 @@
           <a:lstStyle/>
           <a:p>
             <a:r>
-              <a:rPr lang="en-US" altLang="zh-TW" dirty="0"/>
+              <a:rPr lang="en-US" altLang="zh-TW" dirty="0" smtClean="0"/>
               <a:t>Classification</a:t>
             </a:r>
             <a:endParaRPr lang="zh-TW" altLang="en-US" dirty="0"/>
@@ -15094,6 +15383,13 @@
   <p:clrMapOvr>
     <a:masterClrMapping/>
   </p:clrMapOvr>
+  <p:timing>
+    <p:tnLst>
+      <p:par>
+        <p:cTn id="1" dur="indefinite" restart="never" nodeType="tmRoot"/>
+      </p:par>
+    </p:tnLst>
+  </p:timing>
 </p:sld>
 </file>
 
@@ -15177,9 +15473,10 @@
               <a:buChar char="•"/>
             </a:pPr>
             <a:r>
-              <a:rPr lang="en-US" sz="2400" dirty="0"/>
+              <a:rPr lang="en-US" sz="2400" dirty="0" smtClean="0"/>
               <a:t>A shortcut connections between two conv. layers</a:t>
             </a:r>
+            <a:endParaRPr lang="en-US" sz="2400" dirty="0"/>
           </a:p>
         </p:txBody>
       </p:sp>
@@ -15256,7 +15553,7 @@
           <a:p>
             <a:pPr algn="ctr"/>
             <a:r>
-              <a:rPr lang="en-US" altLang="zh-TW" dirty="0" err="1"/>
+              <a:rPr lang="en-US" altLang="zh-TW" dirty="0" err="1" smtClean="0"/>
               <a:t>conv</a:t>
             </a:r>
             <a:endParaRPr lang="zh-TW" altLang="en-US" dirty="0"/>
@@ -15298,7 +15595,7 @@
           <a:p>
             <a:pPr algn="ctr"/>
             <a:r>
-              <a:rPr lang="en-US" altLang="zh-TW" dirty="0" err="1"/>
+              <a:rPr lang="en-US" altLang="zh-TW" dirty="0" err="1" smtClean="0"/>
               <a:t>conv</a:t>
             </a:r>
             <a:endParaRPr lang="zh-TW" altLang="en-US" dirty="0"/>
@@ -15448,7 +15745,7 @@
           <a:lstStyle/>
           <a:p>
             <a:r>
-              <a:rPr lang="en-US" altLang="zh-TW" dirty="0" err="1"/>
+              <a:rPr lang="en-US" altLang="zh-TW" dirty="0" err="1" smtClean="0"/>
               <a:t>ReLU</a:t>
             </a:r>
             <a:endParaRPr lang="zh-TW" altLang="en-US" dirty="0"/>
@@ -15478,7 +15775,7 @@
           <a:lstStyle/>
           <a:p>
             <a:r>
-              <a:rPr lang="en-US" altLang="zh-TW" dirty="0" err="1"/>
+              <a:rPr lang="en-US" altLang="zh-TW" dirty="0" err="1" smtClean="0"/>
               <a:t>ReLU</a:t>
             </a:r>
             <a:endParaRPr lang="zh-TW" altLang="en-US" dirty="0"/>
@@ -15520,7 +15817,7 @@
           <a:p>
             <a:pPr algn="ctr"/>
             <a:r>
-              <a:rPr lang="en-US" altLang="zh-TW" dirty="0" err="1"/>
+              <a:rPr lang="en-US" altLang="zh-TW" dirty="0" err="1" smtClean="0"/>
               <a:t>conv</a:t>
             </a:r>
             <a:endParaRPr lang="zh-TW" altLang="en-US" dirty="0"/>
@@ -15562,7 +15859,7 @@
           <a:p>
             <a:pPr algn="ctr"/>
             <a:r>
-              <a:rPr lang="en-US" altLang="zh-TW" dirty="0" err="1"/>
+              <a:rPr lang="en-US" altLang="zh-TW" dirty="0" err="1" smtClean="0"/>
               <a:t>conv</a:t>
             </a:r>
             <a:endParaRPr lang="zh-TW" altLang="en-US" dirty="0"/>
@@ -15712,7 +16009,7 @@
           <a:lstStyle/>
           <a:p>
             <a:r>
-              <a:rPr lang="en-US" altLang="zh-TW" dirty="0" err="1"/>
+              <a:rPr lang="en-US" altLang="zh-TW" dirty="0" err="1" smtClean="0"/>
               <a:t>ReLU</a:t>
             </a:r>
             <a:endParaRPr lang="zh-TW" altLang="en-US" dirty="0"/>
@@ -15742,7 +16039,7 @@
           <a:lstStyle/>
           <a:p>
             <a:r>
-              <a:rPr lang="en-US" altLang="zh-TW" dirty="0" err="1"/>
+              <a:rPr lang="en-US" altLang="zh-TW" dirty="0" err="1" smtClean="0"/>
               <a:t>ReLU</a:t>
             </a:r>
             <a:endParaRPr lang="zh-TW" altLang="en-US" dirty="0"/>
@@ -15877,7 +16174,7 @@
           <a:p>
             <a:pPr algn="ctr"/>
             <a:r>
-              <a:rPr lang="en-US" altLang="zh-TW" dirty="0"/>
+              <a:rPr lang="en-US" altLang="zh-TW" dirty="0" smtClean="0"/>
               <a:t>Add</a:t>
             </a:r>
             <a:endParaRPr lang="zh-TW" altLang="en-US" dirty="0"/>
@@ -15947,7 +16244,7 @@
           <a:lstStyle/>
           <a:p>
             <a:r>
-              <a:rPr lang="en-US" altLang="zh-TW" dirty="0"/>
+              <a:rPr lang="en-US" altLang="zh-TW" dirty="0" smtClean="0"/>
               <a:t>shortcut</a:t>
             </a:r>
             <a:endParaRPr lang="zh-TW" altLang="en-US" dirty="0"/>
@@ -15977,7 +16274,7 @@
           <a:lstStyle/>
           <a:p>
             <a:r>
-              <a:rPr lang="en-US" altLang="zh-TW" dirty="0"/>
+              <a:rPr lang="en-US" altLang="zh-TW" dirty="0" smtClean="0"/>
               <a:t>X</a:t>
             </a:r>
             <a:endParaRPr lang="zh-TW" altLang="en-US" dirty="0"/>
@@ -16007,7 +16304,7 @@
           <a:lstStyle/>
           <a:p>
             <a:r>
-              <a:rPr lang="en-US" altLang="zh-TW" dirty="0"/>
+              <a:rPr lang="en-US" altLang="zh-TW" dirty="0" smtClean="0"/>
               <a:t>X</a:t>
             </a:r>
             <a:endParaRPr lang="zh-TW" altLang="en-US" dirty="0"/>
@@ -16037,7 +16334,7 @@
           <a:lstStyle/>
           <a:p>
             <a:r>
-              <a:rPr lang="en-US" altLang="zh-TW" dirty="0"/>
+              <a:rPr lang="en-US" altLang="zh-TW" dirty="0" smtClean="0"/>
               <a:t>A Residual block</a:t>
             </a:r>
             <a:endParaRPr lang="zh-TW" altLang="en-US" dirty="0"/>
@@ -16067,7 +16364,7 @@
           <a:lstStyle/>
           <a:p>
             <a:r>
-              <a:rPr lang="en-US" altLang="zh-TW" dirty="0"/>
+              <a:rPr lang="en-US" altLang="zh-TW" dirty="0" smtClean="0"/>
               <a:t>A conv. block</a:t>
             </a:r>
             <a:endParaRPr lang="zh-TW" altLang="en-US" dirty="0"/>
@@ -16084,6 +16381,13 @@
   <p:clrMapOvr>
     <a:masterClrMapping/>
   </p:clrMapOvr>
+  <p:timing>
+    <p:tnLst>
+      <p:par>
+        <p:cTn id="1" dur="indefinite" restart="never" nodeType="tmRoot"/>
+      </p:par>
+    </p:tnLst>
+  </p:timing>
 </p:sld>
 </file>
 
@@ -16139,7 +16443,7 @@
           <a:p>
             <a:pPr algn="ctr"/>
             <a:r>
-              <a:rPr lang="en-US" altLang="zh-TW" dirty="0" err="1"/>
+              <a:rPr lang="en-US" altLang="zh-TW" dirty="0" err="1" smtClean="0"/>
               <a:t>conv</a:t>
             </a:r>
             <a:endParaRPr lang="zh-TW" altLang="en-US" dirty="0"/>
@@ -16181,7 +16485,7 @@
           <a:p>
             <a:pPr algn="ctr"/>
             <a:r>
-              <a:rPr lang="en-US" altLang="zh-TW" dirty="0" err="1"/>
+              <a:rPr lang="en-US" altLang="zh-TW" dirty="0" err="1" smtClean="0"/>
               <a:t>conv</a:t>
             </a:r>
             <a:endParaRPr lang="zh-TW" altLang="en-US" dirty="0"/>
@@ -16331,7 +16635,7 @@
           <a:lstStyle/>
           <a:p>
             <a:r>
-              <a:rPr lang="en-US" altLang="zh-TW" dirty="0" err="1"/>
+              <a:rPr lang="en-US" altLang="zh-TW" dirty="0" err="1" smtClean="0"/>
               <a:t>ReLU</a:t>
             </a:r>
             <a:endParaRPr lang="zh-TW" altLang="en-US" dirty="0"/>
@@ -16361,7 +16665,7 @@
           <a:lstStyle/>
           <a:p>
             <a:r>
-              <a:rPr lang="en-US" altLang="zh-TW" dirty="0" err="1"/>
+              <a:rPr lang="en-US" altLang="zh-TW" dirty="0" err="1" smtClean="0"/>
               <a:t>ReLU</a:t>
             </a:r>
             <a:endParaRPr lang="zh-TW" altLang="en-US" dirty="0"/>
@@ -16496,14 +16800,14 @@
           <a:p>
             <a:pPr algn="ctr"/>
             <a:r>
-              <a:rPr lang="en-US" altLang="zh-TW" dirty="0"/>
+              <a:rPr lang="en-US" altLang="zh-TW" dirty="0" smtClean="0"/>
               <a:t>Add</a:t>
             </a:r>
           </a:p>
           <a:p>
             <a:pPr algn="ctr"/>
             <a:r>
-              <a:rPr lang="en-US" altLang="zh-TW" dirty="0"/>
+              <a:rPr lang="en-US" altLang="zh-TW" dirty="0" smtClean="0"/>
               <a:t>X+X_B</a:t>
             </a:r>
             <a:endParaRPr lang="zh-TW" altLang="en-US" dirty="0"/>
@@ -16573,7 +16877,7 @@
           <a:lstStyle/>
           <a:p>
             <a:r>
-              <a:rPr lang="en-US" altLang="zh-TW" dirty="0"/>
+              <a:rPr lang="en-US" altLang="zh-TW" dirty="0" smtClean="0"/>
               <a:t>shortcut</a:t>
             </a:r>
             <a:endParaRPr lang="zh-TW" altLang="en-US" dirty="0"/>
@@ -16603,7 +16907,7 @@
           <a:lstStyle/>
           <a:p>
             <a:r>
-              <a:rPr lang="en-US" altLang="zh-TW" dirty="0"/>
+              <a:rPr lang="en-US" altLang="zh-TW" dirty="0" smtClean="0"/>
               <a:t>X</a:t>
             </a:r>
             <a:endParaRPr lang="zh-TW" altLang="en-US" dirty="0"/>
@@ -16633,7 +16937,7 @@
           <a:lstStyle/>
           <a:p>
             <a:r>
-              <a:rPr lang="en-US" altLang="zh-TW" dirty="0"/>
+              <a:rPr lang="en-US" altLang="zh-TW" dirty="0" smtClean="0"/>
               <a:t>X</a:t>
             </a:r>
             <a:endParaRPr lang="zh-TW" altLang="en-US" dirty="0"/>
@@ -16663,15 +16967,15 @@
           <a:lstStyle/>
           <a:p>
             <a:r>
-              <a:rPr lang="en-US" altLang="zh-TW" dirty="0"/>
+              <a:rPr lang="en-US" altLang="zh-TW" dirty="0" smtClean="0"/>
               <a:t>Shortcut means that </a:t>
             </a:r>
             <a:r>
-              <a:rPr lang="en-US" altLang="zh-TW" dirty="0" err="1"/>
+              <a:rPr lang="en-US" altLang="zh-TW" dirty="0" err="1" smtClean="0"/>
               <a:t>conv</a:t>
             </a:r>
             <a:r>
-              <a:rPr lang="en-US" altLang="zh-TW" dirty="0"/>
+              <a:rPr lang="en-US" altLang="zh-TW" dirty="0" smtClean="0"/>
               <a:t> result ADD original input denoted by X_B</a:t>
             </a:r>
             <a:endParaRPr lang="zh-TW" altLang="en-US" dirty="0"/>
@@ -16701,7 +17005,7 @@
           <a:lstStyle/>
           <a:p>
             <a:r>
-              <a:rPr lang="en-US" altLang="zh-TW" dirty="0"/>
+              <a:rPr lang="en-US" altLang="zh-TW" dirty="0" smtClean="0"/>
               <a:t>X</a:t>
             </a:r>
             <a:endParaRPr lang="zh-TW" altLang="en-US" dirty="0"/>
@@ -16731,7 +17035,7 @@
           <a:lstStyle/>
           <a:p>
             <a:r>
-              <a:rPr lang="en-US" altLang="zh-TW" dirty="0"/>
+              <a:rPr lang="en-US" altLang="zh-TW" dirty="0" smtClean="0"/>
               <a:t>X_B</a:t>
             </a:r>
             <a:endParaRPr lang="zh-TW" altLang="en-US" dirty="0"/>
@@ -16865,7 +17169,7 @@
               <a:buChar char="§"/>
             </a:pPr>
             <a:r>
-              <a:rPr lang="en-US" sz="2400" b="1" dirty="0">
+              <a:rPr lang="en-US" sz="2400" b="1" dirty="0" smtClean="0">
                 <a:solidFill>
                   <a:srgbClr val="FF0000"/>
                 </a:solidFill>
@@ -16873,25 +17177,26 @@
               <a:t>Residual</a:t>
             </a:r>
             <a:r>
-              <a:rPr lang="en-US" sz="2400" b="1" dirty="0"/>
+              <a:rPr lang="en-US" sz="2400" b="1" dirty="0" smtClean="0"/>
               <a:t> is the </a:t>
             </a:r>
             <a:r>
-              <a:rPr lang="en-US" sz="2400" b="1" dirty="0" err="1"/>
+              <a:rPr lang="en-US" sz="2400" b="1" dirty="0" err="1" smtClean="0"/>
               <a:t>conv</a:t>
             </a:r>
             <a:r>
-              <a:rPr lang="en-US" sz="2400" b="1" dirty="0"/>
+              <a:rPr lang="en-US" sz="2400" b="1" dirty="0" smtClean="0"/>
               <a:t>(X) – X; that is, the result of X after </a:t>
             </a:r>
             <a:r>
-              <a:rPr lang="en-US" sz="2400" b="1" dirty="0" err="1"/>
+              <a:rPr lang="en-US" sz="2400" b="1" dirty="0" err="1" smtClean="0"/>
               <a:t>conv</a:t>
             </a:r>
             <a:r>
-              <a:rPr lang="en-US" sz="2400" b="1" dirty="0"/>
+              <a:rPr lang="en-US" sz="2400" b="1" dirty="0" smtClean="0"/>
               <a:t> minus the original X.</a:t>
             </a:r>
+            <a:endParaRPr lang="en-US" sz="2400" b="1" dirty="0"/>
           </a:p>
           <a:p>
             <a:pPr marL="342900" indent="-342900">
@@ -16915,8 +17220,13 @@
             </a:pPr>
             <a:r>
               <a:rPr lang="en-US" sz="2400" b="1" dirty="0"/>
-              <a:t>The rational is that, if the previous layers have already learned very well, this layer learns nothing!  However, by adding the shortcut, we haven’t forgot the original details even though we haven’t learn any new features. So adding this layers doesn’t deteriorate the performance! </a:t>
-            </a:r>
+              <a:t>The </a:t>
+            </a:r>
+            <a:r>
+              <a:rPr lang="en-US" sz="2400" b="1" dirty="0" smtClean="0"/>
+              <a:t>rational is that, if the previous layers have already learned very well, this layer learns nothing!  However, by adding the shortcut, we haven’t forgot the original details even though we haven’t learn any new features. So adding this layers doesn’t deteriorate the performance! </a:t>
+            </a:r>
+            <a:endParaRPr lang="en-US" sz="2400" b="1" dirty="0"/>
           </a:p>
           <a:p>
             <a:pPr marL="342900" indent="-342900">
@@ -16969,7 +17279,7 @@
           <a:lstStyle/>
           <a:p>
             <a:r>
-              <a:rPr lang="en-US" sz="3600" b="1" dirty="0">
+              <a:rPr lang="en-US" sz="3600" b="1" dirty="0" smtClean="0">
                 <a:solidFill>
                   <a:schemeClr val="accent1">
                     <a:lumMod val="75000"/>
@@ -16980,6 +17290,15 @@
               </a:rPr>
               <a:t>Concept of residual</a:t>
             </a:r>
+            <a:endParaRPr lang="en-US" sz="3600" b="1" dirty="0">
+              <a:solidFill>
+                <a:schemeClr val="accent1">
+                  <a:lumMod val="75000"/>
+                </a:schemeClr>
+              </a:solidFill>
+              <a:latin typeface="Arial" panose="020B0604020202020204" pitchFamily="34" charset="0"/>
+              <a:cs typeface="Arial" panose="020B0604020202020204" pitchFamily="34" charset="0"/>
+            </a:endParaRPr>
           </a:p>
         </p:txBody>
       </p:sp>
@@ -16993,6 +17312,13 @@
   <p:clrMapOvr>
     <a:masterClrMapping/>
   </p:clrMapOvr>
+  <p:timing>
+    <p:tnLst>
+      <p:par>
+        <p:cTn id="1" dur="indefinite" restart="never" nodeType="tmRoot"/>
+      </p:par>
+    </p:tnLst>
+  </p:timing>
 </p:sld>
 </file>
 
@@ -17110,7 +17436,7 @@
               <a:buChar char="§"/>
             </a:pPr>
             <a:r>
-              <a:rPr lang="en-US" sz="2400" b="1" dirty="0"/>
+              <a:rPr lang="en-US" sz="2400" b="1" dirty="0" smtClean="0"/>
               <a:t>Design of the residual block reduces the required training time.</a:t>
             </a:r>
             <a:endParaRPr lang="en-US" sz="2000" dirty="0">
@@ -17144,7 +17470,7 @@
           <a:lstStyle/>
           <a:p>
             <a:r>
-              <a:rPr lang="en-US" sz="3600" b="1" dirty="0">
+              <a:rPr lang="en-US" sz="3600" b="1" dirty="0" smtClean="0">
                 <a:solidFill>
                   <a:schemeClr val="accent1">
                     <a:lumMod val="75000"/>
@@ -17155,6 +17481,15 @@
               </a:rPr>
               <a:t>Design of residual block</a:t>
             </a:r>
+            <a:endParaRPr lang="en-US" sz="3600" b="1" dirty="0">
+              <a:solidFill>
+                <a:schemeClr val="accent1">
+                  <a:lumMod val="75000"/>
+                </a:schemeClr>
+              </a:solidFill>
+              <a:latin typeface="Arial" panose="020B0604020202020204" pitchFamily="34" charset="0"/>
+              <a:cs typeface="Arial" panose="020B0604020202020204" pitchFamily="34" charset="0"/>
+            </a:endParaRPr>
           </a:p>
         </p:txBody>
       </p:sp>
@@ -17193,15 +17528,15 @@
           <a:p>
             <a:pPr algn="ctr"/>
             <a:r>
-              <a:rPr lang="en-US" altLang="zh-TW" dirty="0" err="1"/>
+              <a:rPr lang="en-US" altLang="zh-TW" dirty="0" err="1" smtClean="0"/>
               <a:t>Conv</a:t>
             </a:r>
-            <a:endParaRPr lang="en-US" altLang="zh-TW" dirty="0"/>
+            <a:endParaRPr lang="en-US" altLang="zh-TW" dirty="0" smtClean="0"/>
           </a:p>
           <a:p>
             <a:pPr algn="ctr"/>
             <a:r>
-              <a:rPr lang="en-US" altLang="zh-TW" dirty="0"/>
+              <a:rPr lang="en-US" altLang="zh-TW" dirty="0" smtClean="0"/>
               <a:t>16 1X1 filters</a:t>
             </a:r>
             <a:endParaRPr lang="zh-TW" altLang="en-US" dirty="0"/>
@@ -17243,15 +17578,15 @@
           <a:p>
             <a:pPr algn="ctr"/>
             <a:r>
-              <a:rPr lang="en-US" altLang="zh-TW" dirty="0" err="1"/>
+              <a:rPr lang="en-US" altLang="zh-TW" dirty="0" err="1" smtClean="0"/>
               <a:t>Conv</a:t>
             </a:r>
-            <a:endParaRPr lang="en-US" altLang="zh-TW" dirty="0"/>
+            <a:endParaRPr lang="en-US" altLang="zh-TW" dirty="0" smtClean="0"/>
           </a:p>
           <a:p>
             <a:pPr algn="ctr"/>
             <a:r>
-              <a:rPr lang="en-US" altLang="zh-TW" dirty="0"/>
+              <a:rPr lang="en-US" altLang="zh-TW" dirty="0" smtClean="0"/>
               <a:t>16 3X3 filters</a:t>
             </a:r>
             <a:endParaRPr lang="zh-TW" altLang="en-US" dirty="0"/>
@@ -17401,7 +17736,7 @@
           <a:lstStyle/>
           <a:p>
             <a:r>
-              <a:rPr lang="en-US" altLang="zh-TW" dirty="0" err="1"/>
+              <a:rPr lang="en-US" altLang="zh-TW" dirty="0" err="1" smtClean="0"/>
               <a:t>ReLU</a:t>
             </a:r>
             <a:endParaRPr lang="zh-TW" altLang="en-US" dirty="0"/>
@@ -17566,7 +17901,7 @@
           <a:p>
             <a:pPr algn="ctr"/>
             <a:r>
-              <a:rPr lang="en-US" altLang="zh-TW" dirty="0"/>
+              <a:rPr lang="en-US" altLang="zh-TW" dirty="0" smtClean="0"/>
               <a:t>Add</a:t>
             </a:r>
           </a:p>
@@ -17635,7 +17970,7 @@
           <a:lstStyle/>
           <a:p>
             <a:r>
-              <a:rPr lang="en-US" altLang="zh-TW" dirty="0"/>
+              <a:rPr lang="en-US" altLang="zh-TW" dirty="0" smtClean="0"/>
               <a:t>shortcut</a:t>
             </a:r>
             <a:endParaRPr lang="zh-TW" altLang="en-US" dirty="0"/>
@@ -17665,7 +18000,7 @@
           <a:lstStyle/>
           <a:p>
             <a:r>
-              <a:rPr lang="en-US" altLang="zh-TW" dirty="0"/>
+              <a:rPr lang="en-US" altLang="zh-TW" dirty="0" smtClean="0"/>
               <a:t>X</a:t>
             </a:r>
             <a:endParaRPr lang="zh-TW" altLang="en-US" dirty="0"/>
@@ -17695,7 +18030,7 @@
           <a:lstStyle/>
           <a:p>
             <a:r>
-              <a:rPr lang="en-US" altLang="zh-TW" dirty="0"/>
+              <a:rPr lang="en-US" altLang="zh-TW" dirty="0" smtClean="0"/>
               <a:t>X_B</a:t>
             </a:r>
             <a:endParaRPr lang="zh-TW" altLang="en-US" dirty="0"/>
@@ -17737,15 +18072,15 @@
           <a:p>
             <a:pPr algn="ctr"/>
             <a:r>
-              <a:rPr lang="en-US" altLang="zh-TW" dirty="0" err="1"/>
+              <a:rPr lang="en-US" altLang="zh-TW" dirty="0" err="1" smtClean="0"/>
               <a:t>Conv</a:t>
             </a:r>
-            <a:endParaRPr lang="en-US" altLang="zh-TW" dirty="0"/>
+            <a:endParaRPr lang="en-US" altLang="zh-TW" dirty="0" smtClean="0"/>
           </a:p>
           <a:p>
             <a:pPr algn="ctr"/>
             <a:r>
-              <a:rPr lang="en-US" altLang="zh-TW" dirty="0"/>
+              <a:rPr lang="en-US" altLang="zh-TW" dirty="0" smtClean="0"/>
               <a:t>64 1X1 filters</a:t>
             </a:r>
             <a:endParaRPr lang="zh-TW" altLang="en-US" dirty="0"/>
@@ -17802,6 +18137,13 @@
   <p:clrMapOvr>
     <a:masterClrMapping/>
   </p:clrMapOvr>
+  <p:timing>
+    <p:tnLst>
+      <p:par>
+        <p:cTn id="1" dur="indefinite" restart="never" nodeType="tmRoot"/>
+      </p:par>
+    </p:tnLst>
+  </p:timing>
 </p:sld>
 </file>
 
@@ -17886,11 +18228,11 @@
           <a:lstStyle/>
           <a:p>
             <a:r>
-              <a:rPr lang="en-US" altLang="zh-TW" dirty="0" err="1"/>
+              <a:rPr lang="en-US" altLang="zh-TW" dirty="0" err="1" smtClean="0"/>
               <a:t>ResNet</a:t>
             </a:r>
             <a:r>
-              <a:rPr lang="en-US" altLang="zh-TW" dirty="0"/>
+              <a:rPr lang="en-US" altLang="zh-TW" dirty="0" smtClean="0"/>
               <a:t> architectures</a:t>
             </a:r>
             <a:endParaRPr lang="zh-TW" altLang="en-US" dirty="0"/>
@@ -17969,14 +18311,18 @@
               <a:buAutoNum type="arabicPeriod"/>
             </a:pPr>
             <a:r>
+              <a:rPr lang="en-US" altLang="zh-TW" dirty="0" smtClean="0"/>
+              <a:t>Different number of layers have different architectures; 18-layer and 34-layer have the same structure. The others</a:t>
+            </a:r>
+          </a:p>
+          <a:p>
+            <a:r>
               <a:rPr lang="en-US" altLang="zh-TW" dirty="0"/>
-              <a:t>Different number of layers have different architectures; 18-layer and 34-layer have the same structure. The others</a:t>
-            </a:r>
-          </a:p>
-          <a:p>
-            <a:r>
-              <a:rPr lang="en-US" altLang="zh-TW" dirty="0"/>
-              <a:t>have another same structure.</a:t>
+              <a:t>h</a:t>
+            </a:r>
+            <a:r>
+              <a:rPr lang="en-US" altLang="zh-TW" dirty="0" smtClean="0"/>
+              <a:t>ave another same structure.</a:t>
             </a:r>
           </a:p>
           <a:p>
@@ -17985,7 +18331,7 @@
               <a:buAutoNum type="arabicPeriod" startAt="2"/>
             </a:pPr>
             <a:r>
-              <a:rPr lang="en-US" altLang="zh-TW" dirty="0"/>
+              <a:rPr lang="en-US" altLang="zh-TW" dirty="0" smtClean="0"/>
               <a:t>Residual block which has the same filter dimensions is called “Plain architecture”; </a:t>
             </a:r>
           </a:p>
@@ -17995,8 +18341,24 @@
               <a:buAutoNum type="arabicPeriod" startAt="2"/>
             </a:pPr>
             <a:r>
+              <a:rPr lang="en-US" altLang="zh-TW" dirty="0" smtClean="0"/>
+              <a:t>Residual </a:t>
+            </a:r>
+            <a:r>
               <a:rPr lang="en-US" altLang="zh-TW" dirty="0"/>
-              <a:t>Residual block which has different filter dimensions is called “Bottleneck architecture” .</a:t>
+              <a:t>block which has </a:t>
+            </a:r>
+            <a:r>
+              <a:rPr lang="en-US" altLang="zh-TW" dirty="0" smtClean="0"/>
+              <a:t>different filter </a:t>
+            </a:r>
+            <a:r>
+              <a:rPr lang="en-US" altLang="zh-TW" dirty="0"/>
+              <a:t>dimensions is called </a:t>
+            </a:r>
+            <a:r>
+              <a:rPr lang="en-US" altLang="zh-TW" dirty="0" smtClean="0"/>
+              <a:t>“Bottleneck architecture” .</a:t>
             </a:r>
           </a:p>
           <a:p>
@@ -18005,7 +18367,7 @@
               <a:buAutoNum type="arabicPeriod" startAt="2"/>
             </a:pPr>
             <a:r>
-              <a:rPr lang="en-US" altLang="zh-TW" dirty="0"/>
+              <a:rPr lang="en-US" altLang="zh-TW" dirty="0" smtClean="0"/>
               <a:t>Our example is adapted from 50—layer structure. Therefore, it as the bottleneck architecture.</a:t>
             </a:r>
           </a:p>
